--- a/CS4273 - Introduce to Software Engineering/Lab 4. Implement.pptx
+++ b/CS4273 - Introduce to Software Engineering/Lab 4. Implement.pptx
@@ -4,6 +4,9 @@
   <p:sldMasterIdLst>
     <p:sldMasterId id="2147483648" r:id="rId1"/>
   </p:sldMasterIdLst>
+  <p:notesMasterIdLst>
+    <p:notesMasterId r:id="rId13"/>
+  </p:notesMasterIdLst>
   <p:sldIdLst>
     <p:sldId id="256" r:id="rId2"/>
     <p:sldId id="263" r:id="rId3"/>
@@ -128,24 +131,100 @@
     <inkml:context xml:id="ctx0">
       <inkml:inkSource xml:id="inkSrc0">
         <inkml:traceFormat>
-          <inkml:channel name="X" type="integer" min="-2.14748E9" max="2.14748E9" units="cm"/>
-          <inkml:channel name="Y" type="integer" min="-2.14748E9" max="2.14748E9" units="cm"/>
+          <inkml:channel name="X" type="integer" max="1360" units="cm"/>
+          <inkml:channel name="Y" type="integer" max="768" units="cm"/>
+          <inkml:channel name="T" type="integer" max="2.14748E9" units="dev"/>
         </inkml:traceFormat>
         <inkml:channelProperties>
-          <inkml:channelProperty channel="X" name="resolution" value="1000" units="1/cm"/>
-          <inkml:channelProperty channel="Y" name="resolution" value="1000" units="1/cm"/>
+          <inkml:channelProperty channel="X" name="resolution" value="33.49754" units="1/cm"/>
+          <inkml:channelProperty channel="Y" name="resolution" value="33.53712" units="1/cm"/>
+          <inkml:channelProperty channel="T" name="resolution" value="1" units="1/dev"/>
         </inkml:channelProperties>
       </inkml:inkSource>
-      <inkml:timestamp xml:id="ts0" timeString="2021-09-10T04:47:09.484"/>
+      <inkml:timestamp xml:id="ts0" timeString="2021-11-08T06:20:47.162"/>
     </inkml:context>
     <inkml:brush xml:id="br0">
-      <inkml:brushProperty name="width" value="0.1" units="cm"/>
-      <inkml:brushProperty name="height" value="0.1" units="cm"/>
-      <inkml:brushProperty name="color" value="#333333"/>
-      <inkml:brushProperty name="ignorePressure" value="1"/>
+      <inkml:brushProperty name="width" value="0.05292" units="cm"/>
+      <inkml:brushProperty name="height" value="0.05292" units="cm"/>
+      <inkml:brushProperty name="color" value="#FF0000"/>
     </inkml:brush>
   </inkml:definitions>
-  <inkml:trace contextRef="#ctx0" brushRef="#br0">1 120,'0'1508,"2"-1460,14 79,-7-75,1 56,-9 496,-3-287,4-278,2 1,12 51,0-4,26 134,-39-209,0-1,1 0,0 0,0 0,2-1,-1 1,1-1,1 0,0-1,15 17,-17-21,0-1,1 1,0-1,0 0,0 0,1-1,-1 0,1 0,0 0,0-1,0 0,0-1,0 1,0-1,0-1,0 1,1-1,11-1,2-3,-1 0,1-2,37-14,-36 12,-1 0,1 2,26-5,-42 11,1-1,-1 0,0 0,0-1,0 0,-1 0,1 0,0-1,-1 1,1-1,-1-1,5-3,-7 3,0 1,0-1,0-1,0 1,-1 0,0 0,0-1,0 0,0 1,-1-1,0 0,0 0,0 1,0-1,-1-9,-1-238,-3 93,4 110,3 0,2 1,2-1,25-87,-22 101,-3-1,-1-1,3-62,-11-114,-1 80,3-1630,-2 1734,-1 0,-2 0,-7-29,-4-22,16 77,-1-1,1 1,-1-1,1 1,-1-1,0 1,0 0,-1-1,1 1,-1 0,1 0,-1 0,0 0,0 0,-1 1,1-1,0 1,-1-1,0 1,1 0,-1 0,0 0,0 0,0 0,0 1,-1-1,1 1,0 0,-1 0,1 0,0 1,-1-1,1 1,-1 0,1 0,-6 0,-12 3,1 1,-1 1,1 0,0 2,-23 10,-17 5,21-13,1-3,-1-1,0-2,-64-3,70-1</inkml:trace>
+  <inkml:trace contextRef="#ctx0" brushRef="#br0">7421 14593 0,'25'25'16,"0"0"47</inkml:trace>
+  <inkml:trace contextRef="#ctx0" brushRef="#br0" timeOffset="87049.31">3038 5105 0,'25'0'125,"0"0"-109,0 0-1,0-25 1,0 1 31,-25-1-31,24 0-1,1 0-15,-25 0 16,0 0-16,0 0 15,0 0 1,0 0-16,0 0 31,0 1-31,0-1 16,0 0 0,0 0-16,0 0 15,0 0-15,0 0 16,-25 0-1,1 0 1,-1 0 0,-25 0 15,25 25-15,0-24-16,-25 24 15,25 0-15,0 0 16,1 0-1,-26 0-15,25 0 16,-25 0-16,25 0 16,0 0-1,0 24-15,0 1 16,1-25 0,-26 25-1,25-25-15,25 25 16,-25 0-1,25 0-15,0 25 16,0-25 0,0 25-1,0-26 1,0 1 0,0 0-16,0 0 15,0 0-15,0 25 16,0-25-16,25 0 15,25 24-15,-25-24 16,-1 25 0,1-50-16,0 25 15,25 0-15,0-25 16,0 0-16,-25 0 16,-1 0-16,26 0 15,-25 0-15,0 0 16,0 0-16,25 0 15,-50-25 32,0 0-31,0 0 0,0 0-1</inkml:trace>
+  <inkml:trace contextRef="#ctx0" brushRef="#br0" timeOffset="87982">2864 5205 0,'-25'25'63,"25"25"-48,25-25-15,-25-1 16,0 1-16,25 25 16,-25-25-1,25 25-15,-25 0 16,0-25-16,0 24 15,24 1-15,-24 25 16,0-25-16,0-1 16,0-24-16,0 0 15,0 25-15,0-25 16,0 0 15,0 0 157,0 0-173,0 25-15,0-1 16,0 26-16,-74-25 0,24 74 16,25-49-16,-25 25 15,0-1 1,26-24-16,24-25 15,-50 49-15,0 1 16,25-50-16,0 0 16,25-26-16,-25-24 78,25-24-47,0-1-15,25 25-16</inkml:trace>
+  <inkml:trace contextRef="#ctx0" brushRef="#br0" timeOffset="88652.71">3013 6151 0,'0'25'47,"25"25"-32,0 0-15,-25 0 16,50 24-16,0-24 15,-26 25-15,51 24 16,-75-74-16,0 0 16,25 0-16,-25 0 15,25 0 1,-25 0 0,0 0-1,0 0 1,25-1-1,-25-73 64,-50-1-79</inkml:trace>
+  <inkml:trace contextRef="#ctx0" brushRef="#br0" timeOffset="89440.38">2490 5927 0,'25'0'47,"0"0"-32,25 0-15,-25 0 16,25 0 0,-1 0-16,1 0 15,50 0-15,-50 0 16,49 0-16,1 0 15,-75 0-15,24 0 16,1 0-16,0 0 16,-25 0-16,0 0 15,0-25-15</inkml:trace>
+  <inkml:trace contextRef="#ctx0" brushRef="#br0" timeOffset="91153.37">3885 4856 0,'50'-25'46,"24"-49"-46,-49 49 0,25 0 16,25 0-16,-1 0 16,51-25-16,-1 25 15,26-49 1,-1 24-16,1 25 16,-26 0-16,1 0 15,-51 25-15</inkml:trace>
+  <inkml:trace contextRef="#ctx0" brushRef="#br0" timeOffset="92227.86">3959 4508 0,'0'49'47,"0"1"-32,0 0-15,0 0 16,0 0-16,0-25 15,0 0-15,0-1 16,0 1-16,0 0 16,0 0-1,25-25 173,0 0-173,50 0-15,-25 0 16,-25 0-16,49 0 16,26 0-1,-50 0-15,24 0 0,-24 0 16,0 0-16,-25 0 16</inkml:trace>
+  <inkml:trace contextRef="#ctx0" brushRef="#br0" timeOffset="92914.4">5802 4109 0,'0'-25'15,"25"75"1,0 0-1,0 25-15,-25-26 0,0 26 16,25 25 0,-25-50-16,25 49 15,0-49-15,-1 25 16,-24-50-16,25 24 16,-25-24-16,50 50 15,-25-75-15,-25 25 16,0 0-16,-50-100 94</inkml:trace>
+  <inkml:trace contextRef="#ctx0" brushRef="#br0" timeOffset="93424.7">5827 4134 0,'0'-25'63,"25"25"-47,50 0-16,-26 0 15,1 0-15,50 0 16,-25 0-16,24 0 15,-49 0-15,-25 0 16,0 0 0</inkml:trace>
+  <inkml:trace contextRef="#ctx0" brushRef="#br0" timeOffset="93882.9">5927 4582 0,'25'0'47,"24"0"-32,26 0-15,0 0 16,-25 0-16,24 0 16,-49 0-16,0 0 15,25 0-15,-25 0 16</inkml:trace>
+  <inkml:trace contextRef="#ctx0" brushRef="#br0" timeOffset="94362.18">6748 4109 0,'0'50'47,"0"0"-31,0-25-16,0 25 15,0-1-15,0 51 0,0-25 16,25-1-1,-25-49-15,0 50 16,50 0-16,-50-50 16,0 0-16,0 49 15,0-49-15,25 0 16,-25 25 0,25-50-16</inkml:trace>
+  <inkml:trace contextRef="#ctx0" brushRef="#br0" timeOffset="94795.26">6773 4109 0,'50'0'47,"-25"0"-47,50 0 15,-50 0 1,24 0-1,-24 0-15,0 0 16,0 0 0</inkml:trace>
+  <inkml:trace contextRef="#ctx0" brushRef="#br0" timeOffset="95220.86">6823 4682 0,'75'0'16,"-25"0"-16,-25 0 16,-1 0-16,1 0 0,0 0 15,0-25 1,0 25-16,0 0 16,0 0-1,0 0 1</inkml:trace>
+  <inkml:trace contextRef="#ctx0" brushRef="#br0" timeOffset="95628.1">6873 5080 0,'25'0'31,"0"0"-31,0 0 0,0 0 16,24 0-16,1 0 15,-50-24-15,25 24 16,0 0-16,0 0 16,0-25-16,25 0 15,-26 25-15,26 0 16,0 0-1,-25 0-15,0 0 16,50 0-16,-51 0 0,1 0 16</inkml:trace>
+  <inkml:trace contextRef="#ctx0" brushRef="#br0" timeOffset="99158.11">6101 12626 0,'-25'0'78,"50"0"-62,0-25-16,25 25 15,-1 0-15,1 0 16,0 0 0,0 0-16,0 0 15,0 0-15,24 0 16,-24 0-16,25 0 15,-25 0-15,49 0 16,-24 0-16,-25 0 16,24 0-16,1 0 15,0 0-15,-25 0 16,24 0 0,26 0-16,-50 0 0,24 0 15,51 0-15,-50 0 16,-26 0-16,26 0 15,0 0-15,-25 0 16,-1 0 0,26 0-16,0 0 15,0 0-15,-26 0 16,26 0-16,-25-25 16,0 25-16,24 0 15,1 0-15,25 0 16,-26 0-16,-24 0 15,25 0-15,-25 0 16,-25 0-16,74-25 16,-74 0-1,25 25-15,-25 0 16,0 0 0,0 0-1,0 0 1,-25-25-16,24 25 15,1 0 1</inkml:trace>
+  <inkml:trace contextRef="#ctx0" brushRef="#br0" timeOffset="100616.67">6250 12925 0,'0'74'62,"0"-49"-46,0 25-16,0 0 16,0 0-16,0 49 15,-25 1-15,1 49 0,-1-49 16,0-1 0,0 1-16,0 0 15,25-26-15,-25 26 16,0-25-16,25-26 15,0 26-15,0-25 16,0 0 0,0-25-16,0 24 15,0-24-15,0 0 16,0 25 0,25-25-16,-25 0 0,25-25 93,0 0-77,0 0 0,74 0-16,-74 0 15,50 0-15,0 0 16,-25 0-16,-1 0 15,26 0-15,50 0 16,49 0 0,0 0-16,0 0 0,1 0 15,24 0-15,-25 0 16,26 0-16,-76 0 16,1 0-16,24 0 15,-74 0 1,-1 0-16,1 0 15,-25 0-15,25 0 16,-26 0-16,1 0 16,-25 0-16,50 0 15,-50 0-15,0 0 16,0 0-16,24 0 16,1 0-16,0 0 15,-25 0-15,50 0 16,-51 0-16,51 0 15,-25 0-15,0 0 16,49 0-16,1 0 16,0 0-16,-26 0 15,1 25 1,0-25-16,-50 0 78,-25-25-62,0-25-16,0-25 15</inkml:trace>
+  <inkml:trace contextRef="#ctx0" brushRef="#br0" timeOffset="101875.08">9338 12427 0,'0'-25'47,"50"25"-31,0 0-16,0 0 15,24 0 1,1 0-16,0 0 15,-25 0-15,24 0 16,-24 0-16,-25 0 16,25 0 62,-50 25-63,25 49-15,-25-49 16,25 25-16,-25 0 16,0 49-16,0-24 15,0 0 1,0 24-16,0-24 16,0-25-16,24 74 15,-24-74-15,0 25 16,50 49-16,-50-49 15,0 25-15,25-26 16,0-49-16,-25 75 16,0 0-16,0-51 15,0 1-15,0 0 16,0 25-16,25-1 16,-25-24-16,0 25 15,0-25-15,0-1 16,0 1-1,25 0-15,-25-25 16,0 0 0,25 0-16,-100-25 125,0 0-110,-24-25-15</inkml:trace>
+  <inkml:trace contextRef="#ctx0" brushRef="#br0" timeOffset="102532.86">6873 13423 0,'-25'0'16,"25"24"-1,0 1 1,0 50-16,0 0 16,0-25-16,0-1 15,0 1-15,0-25 16,0 0-16,0 0 16,25 25-16,-25-25 15,25-25 1,-25 25-16</inkml:trace>
+  <inkml:trace contextRef="#ctx0" brushRef="#br0" timeOffset="102964.22">6599 13323 0,'50'0'31,"-25"0"-16,49 0-15,-49 0 16,25 0-16,25 0 16,0 0-16,-26 0 15,-24 0-15,0 0 16,0 0-16</inkml:trace>
+  <inkml:trace contextRef="#ctx0" brushRef="#br0" timeOffset="103400.97">7371 13273 0,'25'0'31,"0"25"-15,0 25-16,0 0 16,-25-1-1,24 26-15,-24-25 16,0 0-16,25-25 16,-25 0-1</inkml:trace>
+  <inkml:trace contextRef="#ctx0" brushRef="#br0" timeOffset="103704.73">7371 13049 0</inkml:trace>
+  <inkml:trace contextRef="#ctx0" brushRef="#br0" timeOffset="104486.73">8392 13223 0,'0'25'31,"-25"0"-15,25 0-16,-50 25 16,0 0-16,1-25 15,-1-1-15,25 26 16,0-25-16,0-25 16,0 25-16,0 0 15,-24 0 1,49 0-1,0 0 17,0 0-17,0 0 17,0-1-17,0 1-15,74-25 16,-49 0-1,25 25-15,-25-25 16,25 0-16,-1 25 16,1 0-16,25-25 15,-50 25-15,0-25 16,25 25-16,-50-50 109</inkml:trace>
+  <inkml:trace contextRef="#ctx0" brushRef="#br0" timeOffset="105025.42">7844 13223 0,'0'25'31,"0"0"-31,0 0 16,0 25-16,0 0 16,0-1-16,0 26 15,0 0-15,0-25 16,0 0-16,0 24 16,0-24-1,0 0-15,0 0 0,0-25 16</inkml:trace>
+  <inkml:trace contextRef="#ctx0" brushRef="#br0" timeOffset="105556.9">8790 13373 0,'0'25'16,"0"0"-16,0 24 0,0 1 15,0 0-15,0 25 16,0-50-16,0 0 15,0-1 1,25 1-16,-25 25 16,25 0 15,-25-25 0</inkml:trace>
+  <inkml:trace contextRef="#ctx0" brushRef="#br0" timeOffset="105999.29">8691 13124 0,'25'0'16</inkml:trace>
+  <inkml:trace contextRef="#ctx0" brushRef="#br0" timeOffset="106857.31">10484 13099 0,'0'-25'47,"50"-25"-15,-1 0-32,51-74 15,24 49-15,-24-24 0,-75 74 16,99-50-16,-24 25 15,49-25 1,1 1-16,-1 24 16,1-50-16,-26 75 15,26-24-15,-51 24 16,51 25-16,-76 0 16,1 0-16,-50 0 15,0 0-15,0 0 16</inkml:trace>
+  <inkml:trace contextRef="#ctx0" brushRef="#br0" timeOffset="107876.93">10608 12476 0,'0'25'47,"0"0"-31,0 0-16,-25 25 16,25-25-16,0 74 15,0-49 1,-49 0-16,49 0 15,-25 0-15,25-26 16,0 51-16,-25-50 16,75-25 140</inkml:trace>
+  <inkml:trace contextRef="#ctx0" brushRef="#br0" timeOffset="109295.02">10658 13174 0,'50'0'31,"0"0"-15,24 0-16,51 74 15,-26-49-15,-24 0 16,-25-25-16,0 0 16,-25 0-16,24 0 15,26 25-15,-50-25 32</inkml:trace>
+  <inkml:trace contextRef="#ctx0" brushRef="#br0" timeOffset="110170.83">13098 11555 0,'0'75'63,"0"-1"-63,0-49 15,0 100-15,0-100 16,0 49-16,0-49 16,25 50-16,25 0 15,-50-26-15,25-24 16,-25 0-16,25 25 16,0-25-16,-25-75 140</inkml:trace>
+  <inkml:trace contextRef="#ctx0" brushRef="#br0" timeOffset="110911.73">13074 11605 0,'0'-25'47,"24"25"-32,51 0 1,-50 0-16,25 0 15,49 0-15,-74 0 16,0 0-16,0 0 47,-25 25-31,0 0-1,-25 0-15,25-1 16,-25-24-16,25 25 15,0 0 1,0 0 47,0 0-32,0 0-16,0 25 1,25-50 0,-25 25-16,0 0 15,0-1-15,0 1 16,0 0 0,0 25-1,-25-25-15,0 0 16,1 0-16,-1-25 15,0 25-15,0-25 0</inkml:trace>
+  <inkml:trace contextRef="#ctx0" brushRef="#br0" timeOffset="111392.9">13721 11206 0,'25'50'47,"0"-25"-47,0 25 16,24 25-16,-24 24 15,0-74-15,25 75 16,0-26 0,-25 26-16,25-25 0,-50-50 15,25 24 1,-25 1-16,24-50 0,-24 25 15</inkml:trace>
+  <inkml:trace contextRef="#ctx0" brushRef="#br0" timeOffset="112072.93">13771 11231 0,'25'0'47,"0"-25"-47,74 0 16,-49 25-16,0-24 15,0 24-15,24-25 16,-24 25-16,-25 0 16</inkml:trace>
+  <inkml:trace contextRef="#ctx0" brushRef="#br0" timeOffset="112758.38">14020 11655 0,'0'-25'46,"50"0"-14,-1 0-17,-24 0-15,25 0 16,-25 0-16,25 0 16,-25 0-16,0 25 15,-25-25-15</inkml:trace>
+  <inkml:trace contextRef="#ctx0" brushRef="#br0" timeOffset="113429.4">14194 12053 0,'0'25'78,"75"-25"-78,24 0 15,1 0-15,-25 0 16,49-25-16,51 0 16,-1 0-1,50 0-15,-50 0 16,26-24-16,-51 49 15,-49-25-15,-76 25 16</inkml:trace>
+  <inkml:trace contextRef="#ctx0" brushRef="#br0" timeOffset="114468.88">14169 11530 0,'25'0'32,"0"0"-32,0 0 15,0 0-15,25 0 0,-25 0 16,49 0-1,1 0-15,-25 0 16,-25 0-16,24 0 16,1 0-16,0 0 15,-25 0-15,0-25 16,0 25-16,0 0 16,-25-25-1</inkml:trace>
+  <inkml:trace contextRef="#ctx0" brushRef="#br0" timeOffset="115184.65">14095 11181 0,'49'0'79,"-24"0"-79,50 0 15,-50 0-15,25 0 16,-1-49-16,1 49 15,25 0-15,-50 0 16,0 0-16,0 0 16,-25-25-16</inkml:trace>
+  <inkml:trace contextRef="#ctx0" brushRef="#br0" timeOffset="117344.11">13198 11530 0,'25'0'63,"0"0"-48,25 0-15,-1 0 16,1 0 0,-25 0-16,0 0 15,0 0-15,25 0 0,-25 0 16,0 0-1,-25 25 32,0 0 0,0 0-47,0 0 16,0 0-1,0-1-15,0 1 16,-50 0 0,25 0-16,0 0 15,0-25-15,-25 25 0,25-25 16,0 0 0,-24 25-16,24-25 15,0 0 16,0 0-15,0 25-16,0-25 78,50 0 94,25 0-172,0 0 16,-25 0-16,24 0 15,1 0-15,-25 0 16,0 0-16,25 0 16,-25 0 15,0 0 16,-25 25-16,0 0 47,0 24-62,0-24-1,0 0-15,-25-25 32,0 0-32,0 25 0,0 0 15,0-25-15,0 25 16,0 0-16,0-25 15,0 0 1,1 0 15,-1 0-31,0 0 32,0 0 30,0 0-31,0 0-15,0 0 15</inkml:trace>
+  <inkml:trace contextRef="#ctx0" brushRef="#br0" timeOffset="128081.67">3013 7521 0,'-50'0'63,"25"0"-48,1 0 1,24 25 0,0 0-16,-25 0 0,25 24 15,-25 1 1,25-25-16,0 25 15,-25-25 1,25 49-16,0-24 16,0 25-16,0-25 15,0 24-15,0-24 16,0 0-16,0-25 16,0 25-16,0-25 15,0 49-15,0 1 16,0-50-16,0 50 15,0 24-15,25-49 16,-25 25 0,74 24-16,-74-24 0,75-25 15,-25 50-15,-50-51 16,50 26-16,-50-25 16,0 25-1,25-26-15,-25 1 16,0 0-16,49 25 15,-49-1-15,50 1 16,-25-25-16,0 25 16,0-50-16,-25-1 15,25 26-15,0 0 16,-25-25-16,25 25 16,0 0-1,-25-26 1,24 1-16,-24 25 15,25-25-15,25 25 16,-25 0-16,-25-1 16,50 1-1,-25 25-15,-25-50 16,50 25-16,-26-1 16,-24-24-16,25 50 0,50-25 15,-50 0-15,0-25 16,0 24-1,0 26-15,0-25 16,0-25-16,24 25 16,1-25-16,-25 24 15,-25-24-15,50 25 16,0 0-16,-25-25 16,-25 0-16,49 24 15,-24-49-15,25 75 16,-25-50-16,-25 0 15,25-25 1,-25 25-16,50 0 0,-25 0 16,-25 0-1,49-1 1,-24 1 31,25 25-47,-25-25 15,0 0 1,0 0-16,0-25 16,0 25-16,-1 0 15,1-25-15,25 25 16,0-1 0,-50 1-1,50 0-15,-25-25 16,-25 25-16,25-25 15,24 25-15,-24-25 16,0 25 0,25 0-16,-25-25 15,25 50-15,0-50 0,-26 25 16,51-1-16,-50-24 16,0 50-16,25-50 15,24 0 1,-49 0-16,0 0 15,0 0-15,0 25 16,25-25-16,-25 0 16,0 0-16,0 0 15,-1 0-15,1 0 16</inkml:trace>
+  <inkml:trace contextRef="#ctx0" brushRef="#br0" timeOffset="129590.31">5229 12476 0,'25'0'94,"0"0"-78,0 0 15,0 0-31,0 0 0,0 0 16,0-25-1,0 25-15,0-24 16,-1 24 0,1 0-16,0 0 31,0 0-16,0 0 1,0 0-16,0 0 16,0 0-1,0 0 48,0 0-32,-25-25-15,24 25-1,1 0 1,0 0-16,0 0 47,0-25-32,-25 0 204,0 0-203,-25 0-1,25 0 1,0-25-16,0 25 16,0 0-16,-50-24 15,50-1-15,-25 25 16,25-25-16,0 25 16,0-25-16</inkml:trace>
+  <inkml:trace contextRef="#ctx0" brushRef="#br0" timeOffset="132228.28">548 11879 0,'25'0'15,"-25"-25"1,0 0-1,0 0-15,0 0 16,0-25-16,0-24 16,0 49-1,0-25-15,0 0 0,0 25 16,0 0-16,0-49 16,0 49-1,0 0 1,0 0 62,-25 25-78,0 0 16,0 0 30,25 25-30,-25-25-16,25 25 16,0 0-16,0-1 31,0 1-31,0 0 16,75-25-1,-50 0-15,25 0 0,24 0 16,-49 0-1,25 0 1,-25 0-16,25 0 16,-1 0-16,-24 0 15,0 25 1,-25 0 15,0 0-31,0 0 16,0 0-16,0 0 15,0 0-15,0-1 16,0 1-16,0 0 16,0 0-1,0 0 1,50-25 46,-25 0-62,0 0 32</inkml:trace>
+  <inkml:trace contextRef="#ctx0" brushRef="#br0" timeOffset="132981.44">1071 11655 0,'25'-25'47,"0"0"-47,-25 0 16,24 0-16,-24 0 16,25 25-16,-25-25 15,0 0 1,25 0-16,-25 0 31,0 1 32,0-1-32,-25 25-16,0 0 17,1 0-32,24 25 15,0-1-15,0 1 16,0 25-16,0-25 16,0 0-1,0 25-15,0-25 16,0 0-16,24-1 15,-24 1-15,25 0 32,0-25-32,0 25 0,0-25 15,0 0 1,0 0 0,0 0-16,0 0 15,0 0 1,0 0-16,-1 0 15,1 0-15,-25-25 16,25 25 0</inkml:trace>
+  <inkml:trace contextRef="#ctx0" brushRef="#br0" timeOffset="133869.24">1594 11306 0,'-25'0'16,"50"0"-16,-75 0 0,0 0 15,25 25-15,-25 25 16,26-25-16,-26 24 15,50-24 1,0 0 0,0 0-1,0 0-15,0 0 32,0 0-17,25-25 1,0 0-16,-1 0 15,1 0-15,0 0 16,25 0-16,-25 0 16,0-50-16,-25 25 15,25 25 1,-25-25-16,0 0 16,0 0-1,0 0 1,0 1-1,0 73 64,0-24-79,0 0 15,50 25-15,-50 0 0,0-25 16,0 74-1,24-49-15,-24 25 16,25-1-16,0 1 16,0 0-16,-25-25 15,25-1-15,-25 1 16,50 50-16,-50-75 16,25 0-1,-25-50 48,0 0-48</inkml:trace>
+  <inkml:trace contextRef="#ctx0" brushRef="#br0" timeOffset="134679.4">1893 11430 0,'0'50'47,"24"0"-47,1 0 15,0-25-15,0 25 16,-25-26-16,25 1 31,0-25 0,25 0-15,0 0 0,-26 0-16,1-49 31,-25-1-31,25 0 16,0-25-16,-25 25 15,0 1-15,25 24 16,-25 75 78,25 24-94,0-49 15,-25 25-15,25-25 16,-25 0-16,0 0 15,0 0 1,25-1 0</inkml:trace>
+  <inkml:trace contextRef="#ctx0" brushRef="#br0" timeOffset="135407.26">2440 11455 0,'25'0'78,"25"0"-62,-25-25-16,50-24 15,-50 24-15,24-25 16,-24 25-16,0-25 16,-25 25 62,-25 25-63,-49 0 1,49 0 0,0 0-16,0 0 15,0 0-15,25 25 16,-50 25-16,50 25 15,0-25-15,0-1 16,0-24-16,0 0 78,0 0-62,25-25-16,0 0 15,25 0-15,-25 0 63,0 0-63,-25-25 16,0 0-1</inkml:trace>
+  <inkml:trace contextRef="#ctx0" brushRef="#br0" timeOffset="136072.06">2914 11082 0,'0'-25'78,"-25"25"-46,-25 50-32,25-25 15,25 0-15,0 24 16,-25-49-16,25 50 47,75-50-47,-50 0 15,0 0 1,24 25-16,-24 0 16,0-25-16,0 25 15,0 0-15,0 0 32,-25 0-17,0-1 1,0 1-16,0 25 15,0 0-15,0 0 16,0 0-16,-25-26 16,0-48 62,0-1-78,25 0 0,0-50 15</inkml:trace>
+  <inkml:trace contextRef="#ctx0" brushRef="#br0" timeOffset="136630.4">3436 10932 0,'0'50'15,"0"0"-15,0 50 16,25-1-16,25 1 16,-50-75-16,50 49 15,-50-49 1,0 0 0,0 0-16,25 25 0,-75-50 109</inkml:trace>
+  <inkml:trace contextRef="#ctx0" brushRef="#br0" timeOffset="137024.2">3237 11281 0,'100'-25'31,"-75"25"-31,0 0 16,24 0-16,1 0 16,0 0-16,-25 0 15,0 0-15,0 0 16</inkml:trace>
+  <inkml:trace contextRef="#ctx0" brushRef="#br0" timeOffset="150244.2">9089 11978 0,'0'-25'204,"0"0"-189,0 1 1,0-1-1,0 0 17,0 0 15,0 0-16,0 0 0,0 0-15,0 0-1,0 0 1,0 0-16,0 1 16,0-1-1,0 0 1,-25-25-1,25 25 64,0 0-64,-25 25 48,1-25-48,24 0 17,0 0-17,-25 1 32,25-1-16,-25 0 1,25 0 14,0 0-14,-25 0-1,25 0-31,-25 25 62,25-25-62,0 0 16,-25 0 0,25 1-1,-25-1 1,25 0 0,-25 25-16,0-25 15,0 0 32,0 0-16,25 0-15,-24 0 0,24 0 15,-25 0 31,0 0 1,25 1-16,0-1 0,-25 25-47,25-25 31,-25 0 0,0 25-15,25-25 46,-25 0-46,25 0-1,-25 25 1,25-25 0,-25 25-16,25-25 140,-25 25-93,25-25 188,-24 1-220,-1-1 16,0-25 48,0 50-48,-25-50 0</inkml:trace>
+  <inkml:trace contextRef="#ctx0" brushRef="#br0" timeOffset="151056.94">8292 10783 0,'0'-25'62,"0"0"-46,0 0-16,0 0 15,0 0-15,0 1 16,0-1-16,0 0 16,0 0-1,0 0-15,0 0 16,0 0 0,0 0-1,0 0 16,50 25 63,0 0-94,0 0 16,0 0-16,-26 0 15,26 0-15,-25 0 16,0 0-16,0 0 16,0 0-1</inkml:trace>
+  <inkml:trace contextRef="#ctx0" brushRef="#br0" timeOffset="152550.99">7794 9513 0,'0'-25'16,"-25"25"15,1 0 0,-1 0 16,0 25 203,0 0-219,0-25 1,25 25-17,0 0 1,-25 0-16,25-1 16,0 1-1,0 0 1,0 0 15,0 0-15,25-25-16,0 0 15,25 0-15,-1 0 16,1 0 0,-25 0-16,25 0 15,-25 0-15,0 0 16,-25 25 62,0 0-62,-25-25-16,0 50 15,25-25 1,-50-25-16,25 0 15,-25 0 17,26 0-17,-1 0-15,0 0 16</inkml:trace>
+  <inkml:trace contextRef="#ctx0" brushRef="#br0" timeOffset="153634.25">8068 9015 0,'25'50'15,"0"24"-15,-25 26 16,0 0-16,0-26 16,25 26-16,-25-25 15,0-26-15,25 1 16,-25 25-16,0-25 16,0-25-16,0 25 15,0-26 1,0-73 93,0-1-109,0-25 0,0 25 16,0 0-1,25 26-15,0-1 16,24-25 0,-49 25-16,25 25 31,0 0 16,0 25-32,-25 0-15,0 25 16,0-26 0,25 1-16,-25 0 0,25 0 15,-25 0-15,25 0 32,0-25 14,0 0-30,0 0 0,-1 0-1,-24-50 1</inkml:trace>
+  <inkml:trace contextRef="#ctx0" brushRef="#br0" timeOffset="154079.14">8566 9488 0,'25'0'32,"0"0"-17,-25 50-15,25 0 16,25-25-16,-50 24 16,25 26-16,24 0 15,-49-50-15,50 99 16,-50-74-16,75 25 15,-75-25-15,25-26 16,-25 1-16,0-50 109</inkml:trace>
+  <inkml:trace contextRef="#ctx0" brushRef="#br0" timeOffset="154616.84">8865 9513 0,'0'25'31,"0"25"-31,25-1 16,-25-24-16,50 50 16,0 0-16,-25 0 15,-25-26-15,0-24 16,24 25-16,-24 0 16,0 0-1,0-25-15,0-1 0,0 1 16,0 0-1,-24-50 142,-1 0-142,25 1-15</inkml:trace>
+  <inkml:trace contextRef="#ctx0" brushRef="#br0" timeOffset="155106.31">8890 9538 0,'0'-25'16,"0"0"-1,0 0 1,25 25 0,25 0-16,-25 0 15,0 0 63,-25 25-62,0 25 0,0 0-16,0-25 0,-75 24 15,25 1 1,25-25-1,0-25-15,0 0 16</inkml:trace>
+  <inkml:trace contextRef="#ctx0" brushRef="#br0" timeOffset="155937.51">9239 9314 0,'25'50'16,"-25"-26"-16,0 26 16,0 0-16,0 0 15,0 25 1,0 24-16,24-49 0,1 75 16,-25-26-16,0-24 15,25 0-15,-25-26 16,0-24-16,25 0 15,-25-50 64,0-49-64,0 49-15,0-50 16,0 0-16,0 25 15,0 26-15,0-76 16,0 0-16,0 50 16,0 1-16,0-1 15,25 25-15,-25 0 16,0 0-16,0 0 31,25 25 0,25 0 16,-25 0-31,-25 25 0,0 0-1,0 0-15,0 0 0,0 0 16,0 25-1,-25 24-15,0-49 16,0 0 0,0 0-16</inkml:trace>
+  <inkml:trace contextRef="#ctx0" brushRef="#br0" timeOffset="157033.01">9438 9787 0,'50'0'31,"-25"-25"-31,-1 0 32,26 0-32,-25-25 15,0 25 1,0-24-16,0 24 15,-25 0 1,0 0 0,0 0-16,0 0 31,0 0-15,-50 25 15,25 0-16,0 0 1,25 25 0,0 25-1,0-25-15,0 0 0,0 0 16,25 0 0,0-1-16,-25 1 15,25-25 1,0 25-1,0-25-15,0 0 16,0 0 15,-1 0-31,1 0 16,-25-25-16,25-24 16,-25 24-16,25-50 15,25 25-15,-25 25 16,0-49-16,0 49 15,0 0-15,-1 0 16,1 50 62,-25 25-78,25-1 31,0 1-31,25 0 16,-50-25-16,25 0 16,0 0-1,0-25 17,0 0 14,0 0-46,-1-25 16,-24-25 0,0 25-16,0-25 15,25 0-15,25 1 16,-25 24-16,0-25 16,0 25-1,0-25-15,0 25 16</inkml:trace>
+  <inkml:trace contextRef="#ctx0" brushRef="#br0" timeOffset="161494.94">7620 9139 0,'-25'0'47,"0"0"-32,0 0 17,0 0-17,0-24 1,-24-26-1,49 25-15,-25 0 16,0-25 0,0 25-1,0 0 1,0 0 46,0-24-46,0 24 15,25 0-31,-25 0 16,25 0 0,-24 0-16,-1 0 0,25 0 15,-25 0 1,0 1-1,25-1-15,-25 0 16,0 0-16,-25-25 16,50 25-1,-50 0-15,26-50 16,-1 26 0,-25 24-16,25-25 15,-25 0 1,25 25-16,25-25 15,0 1-15,-50-1 0,50 25 16,-24 0-16,-1-25 16,25 25-1,-25 25 1,25-25-16,-25 1 16,0 24-1,0-25 1,25 0-1,-25 25 1,0 0 0,25-25-1,-25 25-15,0-25 16,1 25-16,-1-50 16,0 50-16,-25-25 15,25 0-15,0 25 16,0-25-16,-74-24 31,49 49-15,0-50-16,0 25 15,-25 0-15,26-50 16,-51 26-16,25 49 16,50-50-16,1 25 15,-1 25-15,25-25 16,-25 25-1,0 0 64,0-25-48,0 25-31,0-25 15,25 0-15,-25 25 16,0 0 0,0-25-1,1 25-15,24-25 16,-50 25-16,25 0 16,-25-25-16,25 25 15,0-24 1,0 24-16,0 0 15,1-25-15,-1 25 16,0-25-16,0 25 16,0 0-1,-25-50-15,25 50 16,0-25-16,-25 25 16,1 0-16,24-25 15,-25-25 1,0 50-1,25-25-15,-25 25 16,26-24 0,-1 24-16,0 0 15,0-25 1,0 25-16,-25-25 16,25 0-1,0 25 1,0-25 15,1 25-15,-1 0-1,0 0-15,0-25 16,0 25-16,0 0 47,0-25-32,0 25 32</inkml:trace>
+  <inkml:trace contextRef="#ctx0" brushRef="#br0" timeOffset="162943.44">4383 7122 0,'-25'-25'79,"25"1"-64,0-1-15,-25 0 16,25-25-16,-25 25 15,0-25-15,25 25 16,-25 0-16,0 1 16,25-1-1,-25-50 1,1 50 0,24 0 62,-50 0-63,75 0 157,0 25-172,-1 0 16,51-25-16,-50 1 15,75 24-15,-26-50 16,-24 25-16,50 25 16,-26-25-16,26 25 15,-25-25-15,-1 25 16,-49-25 0,25 25-16</inkml:trace>
+  <inkml:trace contextRef="#ctx0" brushRef="#br0" timeOffset="166737.96">9338 8915 0,'25'0'78,"-25"-25"-47,50-24-31,25-1 16,-50 0 0,-1 0-16,1 25 0,0-24 15,25 24 1,-25 0-16,25-25 15,0 0-15,-26 25 16,1 25-16,25-25 16,-25 0-16,25 0 15,0 1-15,-1 24 16,-24-50-16,25 50 16,0-25-16</inkml:trace>
+  <inkml:trace contextRef="#ctx0" brushRef="#br0" timeOffset="167826.34">9338 8417 0,'0'25'31,"0"0"-15,-25 0-1,25 0 1,0 0-16,0 0 16,0 0-1,0 0-15,0 24 16,0 1-16,-25-25 15,25 0-15,0 25 16,-24 0 0,-1-50-16,25 24 15,0 1 173,25-25-157,-1 0-31,1 0 16,0 0-16,50 0 15,-50 0-15,25 0 16,24 0-16,-49 0 16,75 0-1,-75 0-15,0 0 0,0 0 16,-1 0-16,1 0 15,0 0-15,0 0 16,0 0-16,0 0 31</inkml:trace>
+  <inkml:trace contextRef="#ctx0" brushRef="#br0" timeOffset="168528.27">10633 7247 0,'-25'0'31,"25"25"-31,0 50 15,0-26-15,0 1 16,0-25-16,0 25 16,0 49-16,0-24 15,0-25-15,0 50 16,0-51-16,0 1 16,0-25-16,0 25 15,0-25 1,-25-25 62</inkml:trace>
+  <inkml:trace contextRef="#ctx0" brushRef="#br0" timeOffset="169111.31">10708 7147 0,'25'0'15,"0"0"1,0 0-16,24 25 16,-24 25-16,0-25 15,25 25-15,0 0 16,0 24-16,-1-24 16,1 25-1,-25-50-15,0 0 0,0-1 16,0 1-16,-25 0 15,25-25-15,0 25 32,-1 0-17</inkml:trace>
+  <inkml:trace contextRef="#ctx0" brushRef="#br0" timeOffset="169592.3">10758 7620 0,'0'-24'46,"0"-1"-14,49 25-32,1-25 15,25 0 1,-50 25-16,0 0 16,0 0-1</inkml:trace>
+  <inkml:trace contextRef="#ctx0" brushRef="#br0" timeOffset="170100.61">11206 7097 0,'50'0'47,"-1"25"-47,-24 25 15,50 50-15,-25-25 16,-25-26-16,0-24 15,-25 50 1,25-25-16,0-25 16,-25 74-16,24-49 15,-24-25-15,0 0 16,25 0-16,-25 0 16,25-25-1</inkml:trace>
+  <inkml:trace contextRef="#ctx0" brushRef="#br0" timeOffset="170711.74">11281 7197 0,'-25'-25'31,"25"0"-31,25-25 16,24 26-1,1-26-15,0 25 16,-25 0-1,0 25-15,0 0 16,0-25-16,0 25 16,49 0 15,-49 0-15,0 0-1,0 25 1,-25 0-16,25 0 15,-25 0-15,0 0 16,0 24 0,0-24-16,0 0 15,0 0-15,-25 25 16,0-25 0,0 0-16</inkml:trace>
+  <inkml:trace contextRef="#ctx0" brushRef="#br0" timeOffset="171312.02">12053 6873 0,'49'0'32,"-24"0"-17,50 75 1,-50-25-16,50 0 16,-1 24-16,-24 26 15,0-75-15,0 75 0,-25-76 16,-1 26-16,26 50 15,-25-75 1,0 25 0</inkml:trace>
+  <inkml:trace contextRef="#ctx0" brushRef="#br0" timeOffset="171756.73">11978 6898 0,'0'-25'32,"25"25"-17,0-49-15,74 24 0,-74 25 16,50-50 0,-50 50-16,25-75 0,-26 75 15,26-25-15,0 25 16,-25-25-1</inkml:trace>
+  <inkml:trace contextRef="#ctx0" brushRef="#br0" timeOffset="172525.72">12426 7745 0,'0'0'16,"25"0"125,0 0-141,25 0 15,-25-25 1,49 25-16,-24-50 16,0 25-16,25 0 15,-1 1-15,-24 24 16,0-25-16,-25 25 0,0 0 15</inkml:trace>
+  <inkml:trace contextRef="#ctx0" brushRef="#br0" timeOffset="205008.06">6724 7347 0,'-25'0'93,"0"-25"-77,25 0 0,-50-50-1,50 25 1,-25 25 0,0 0-16,25-24 15,-25 49-15,25-25 16,0 0-1,-25 0 17,0 25 15,1 0-32,-1 0 1,0 0-1,0 0 32,25 25-15,0 0-17,0 0 16,25-25 1,0 0-17,24 0-15,-24 0 16,25 0-16,-25 0 16,0 0-1,0 0-15,0 0 16,0 0-1,0 0 1,-1 0 0,1 0-1,0 0 1,50 0 0,-50 0-1,0 0 16,0 0-15,0 24 0,-25 1-1,0 0 17,0 0-17,0 0-15,0 0 16,0 0-16,24 0 62</inkml:trace>
+  <inkml:trace contextRef="#ctx0" brushRef="#br0" timeOffset="205730.04">7172 6998 0,'25'0'16,"0"0"15,-1 0-31,26 0 15,-25-25-15,-25 0 16,25-25 0,0 0-16,-25 1 31,0 24-31,0 0 16,0 0 30,-25 75 33,0-25-64,25 0-15,0 24 16,0-24-16,0 25 15,0 0 1,0-25-16,0 49 16,0-49-16,0 0 0,25-25 15,-25 25 1,50 0 0,-25-25-1,0 0 1,0 0-1,-1 0 17</inkml:trace>
+  <inkml:trace contextRef="#ctx0" brushRef="#br0" timeOffset="206503.03">7794 6699 0,'0'-50'31,"-25"50"63,1 50-94,-51-25 16,50 0-16,25 0 15,0 0-15,0 0 16,-25-1-16,25 1 15,0 0 1,0 0 0,0 0-16,50 0 31,49-25-31,-24 50 16,-25-50 15,-25 50-16,-25-1 64,-25-49-79,0 25 15,25 0-15,-25-25 16,0 0-1,0 0 17,0 0-17</inkml:trace>
+  <inkml:trace contextRef="#ctx0" brushRef="#br0" timeOffset="207142.77">8143 6749 0,'0'99'47,"25"-49"-47,-25 50 16,0-1-16,0-49 15,0 50-15,0-25 16,0-26-16,0 1 16,0-25-16,0 25 15,0 0-15,25 0 16,-25-26 0,0-48 109</inkml:trace>
+  <inkml:trace contextRef="#ctx0" brushRef="#br0" timeOffset="207649.5">8267 6774 0,'50'0'15,"-25"0"-15,0 0 16,0 0-1,25 25 1,-25 0-16,-25 24 16,25 1 15,-25-25-31,0 0 16,0 25-1,0 0 1,0-26-16,-75 26 15,25 0 1,25-25 0,0 25-16,0-50 15,0 0-15,1 0 16</inkml:trace>
+  <inkml:trace contextRef="#ctx0" brushRef="#br0" timeOffset="208448.09">8990 6873 0,'-100'0'31,"75"0"-15,0 0-16,0 0 15,-25 0-15,26 0 16,-1 0-1,25 25-15,0 0 32,0 0-32,0 0 15,0 0-15,0 50 32,25-51-17,-1-24 1,1 0-1,25 0-15,-25 0 0,25 0 16,0 0 0,0 0-16,-26 0 15,1 0-15,25 0 16,-50-24-16,0-1 16,0 0-16,0 0 31,0 0-16,0 0-15</inkml:trace>
+  <inkml:trace contextRef="#ctx0" brushRef="#br0" timeOffset="209320.54">9114 6824 0,'25'0'0,"-25"24"16,25-24-16,25 50 15,-50-25-15,25 25 16,-25-25-16,0 25 16,0-25-1,0-1 1,0 1-16,0 0 16,0-99 93,0 24-109,0 0 16,0 0-16,0 0 15,0-24-15,0 49 16,0-25-16,0 25 15,25-25 1,-1 50 78,1 0-94,0 0 15,0 25 1,-25 0 15,0 0-31,50 75 16,-50-26 0,25-24-16,0-25 15,-25 0 95,25 0-95,0-25 16</inkml:trace>
+  <inkml:trace contextRef="#ctx0" brushRef="#br0" timeOffset="210663.01">9861 6575 0,'0'-25'16,"-25"25"0,0 0-16,0 0 15,1 0-15,-1 0 16,0 0-16,-25 25 16,50-1 30,0 1-14,0 25-17,25-50-15,25 25 16,-25-25 15,-1 0-15,-24 25-1,25-25-15,0 0 16,-25 25 0,0 0-16,0 0 15,0 24 1,0-24 0,0 0-16,0 0 15,-25 0 1,-24 25-16,24-25 15,25 0-15,-25-25 79,0-25-64,25 0-15,0-25 0,0 25 16,0 0-1,0 0-15,25 0 16,0 1 0,-25-1-16,25 25 15,-1 0-15,1-25 16,25 25 0,0 0-16,-25 0 15,0 0 1,0 0-16,24 0 15,1-25 1,-25 25-16,0 0 16,0 0-16,0-25 0,25 0 15,-25 25-15,49-25 16,-74 0-16,25 0 31,-25 0 0,0 1 16,-74 24-47,49 0 16,0 0 0,0 0-16,0 0 15,0 0 1,0 0 15,25 24-15,0 26-1,0 0-15,0 0 16,25-25-16,0 25 16,0-50-16,0 24 15,0-24 1,24 0-1,-24 0 1,0 0 0,0 0-1,0 0 1,-25-24 0</inkml:trace>
 </inkml:ink>
 </file>
 
@@ -163,7 +242,7 @@
           <inkml:channelProperty channel="Y" name="resolution" value="1000" units="1/cm"/>
         </inkml:channelProperties>
       </inkml:inkSource>
-      <inkml:timestamp xml:id="ts0" timeString="2021-09-10T04:46:05.077"/>
+      <inkml:timestamp xml:id="ts0" timeString="2021-09-10T04:46:00.585"/>
     </inkml:context>
     <inkml:brush xml:id="br0">
       <inkml:brushProperty name="width" value="0.1" units="cm"/>
@@ -172,11 +251,38 @@
       <inkml:brushProperty name="ignorePressure" value="1"/>
     </inkml:brush>
   </inkml:definitions>
-  <inkml:trace contextRef="#ctx0" brushRef="#br0">224 150,'461'-22,"-213"-16,-187 30,95-2,30-2,-50-10,-50 7,164-8,902 26,-1092 0,78 13,46 3,384-20,-526 4,0 1,47 11,-21-3,17 4,-39-7,80 6,571-12,-345-6,-282 1,-46 0,1 1,-1 1,1 1,0 1,35 8,-56-9,0 1,1 0,-1 0,0 1,0-1,-1 1,1 0,0 0,-1 0,0 1,1-1,-2 1,1-1,0 1,-1 0,1 0,-1 1,0-1,1 6,4 9,-2 1,0-1,1 25,-2-21,8 81,-2 149,0 6,4-95,17 166,-22-211,-8 133,3 47,5-231,23 95,-6-41,-13-66,3 0,2-2,30 62,-18-46,-23-51,-1 1,-1-1,0 1,-1 1,-2-1,0 0,-1 1,-1-1,-2 23,1-40,1 1,-1 0,0-1,0 1,-1-1,1 1,-1-1,1 1,-1-1,0 0,0 0,0 0,-1 0,1 0,-1-1,0 1,0-1,0 0,0 1,0-1,0 0,0-1,-1 1,1-1,-1 1,1-1,-1 0,0 0,-4 0,-12 2,-1-2,0 0,0 0,-24-4,8 0,-847-2,550 6,308-3,0-1,1-1,-1-1,-38-14,-32-6,-175-7,173 23,-145-5,-4 0,197 8,1-2,-94-27,106 23,-1 2,0 1,0 2,-1 2,1 2,-45 1,-1110 6,693-6,453 6,0 1,0 3,1 1,0 3,-54 20,-9 2,59-21,1-2,-2-2,1-3,-72 1,68-5,35 0,-1-1,1 0,-1-2,0 0,1-2,-35-7,51 8,0 0,0 0,0 0,1 0,-1 0,1 0,-1-1,1 1,0-1,-1 0,2 0,-1 0,0 0,0 0,1 0,0 0,-1 0,1-1,1 1,-1-1,0-5,-2-9,2-1,1-33,1 36,7-858,-10 802,-4 0,-23-115,-52-133,66 252,3 0,-4-85,5 42,0 11,-42-168,44 225,2 0,2-1,1 1,4-67,1 73</inkml:trace>
+  <inkml:trace contextRef="#ctx0" brushRef="#br0">77 144,'-1'11,"0"1,-1-1,-1 1,1-1,-6 12,-9 43,10 89,6-96,-9 68,-7 39,10 320,9-266,-2 966,3-1145,1-1,11 52,0-10,-14-75,0-1,0 1,1 0,0 0,0-1,1 0,-1 1,1-1,1 0,-1 0,1 0,0-1,1 1,-1-1,1 0,0 0,0-1,1 0,7 5,-2-3,0-1,0-1,1 0,-1 0,1-1,0-1,0 0,0-1,0 0,16-1,12 0,2 1,69-8,-101 6,0-1,-1 0,1 0,-1-1,1 0,-1-1,0 0,0-1,0 1,-1-2,0 1,12-11,-11 6,-2 1,0-1,0-1,0 1,-2-1,1 0,-1 0,-1-1,3-12,5-22,5-48,-9 48,6-72,-5 1,-9-188,-3 120,3-1786,0 1940</inkml:trace>
 </inkml:ink>
 </file>
 
 <file path=ppt/ink/ink100.xml><?xml version="1.0" encoding="utf-8"?>
+<inkml:ink xmlns:inkml="http://www.w3.org/2003/InkML">
+  <inkml:definitions>
+    <inkml:context xml:id="ctx0">
+      <inkml:inkSource xml:id="inkSrc0">
+        <inkml:traceFormat>
+          <inkml:channel name="X" type="integer" min="-2.14748E9" max="2.14748E9" units="cm"/>
+          <inkml:channel name="Y" type="integer" min="-2.14748E9" max="2.14748E9" units="cm"/>
+        </inkml:traceFormat>
+        <inkml:channelProperties>
+          <inkml:channelProperty channel="X" name="resolution" value="1000" units="1/cm"/>
+          <inkml:channelProperty channel="Y" name="resolution" value="1000" units="1/cm"/>
+        </inkml:channelProperties>
+      </inkml:inkSource>
+      <inkml:timestamp xml:id="ts0" timeString="2021-09-10T07:30:33.211"/>
+    </inkml:context>
+    <inkml:brush xml:id="br0">
+      <inkml:brushProperty name="width" value="0.1" units="cm"/>
+      <inkml:brushProperty name="height" value="0.1" units="cm"/>
+      <inkml:brushProperty name="color" value="#333333"/>
+      <inkml:brushProperty name="ignorePressure" value="1"/>
+    </inkml:brush>
+  </inkml:definitions>
+  <inkml:trace contextRef="#ctx0" brushRef="#br0">1 1,'1'18,"1"0,1 1,1-1,9 28,8 37,27 335,20 110,-54-439,4 99,-2-15,-5-7,-6-63,-2-80,1 0,1-1,11 31,-9-33,-1 0,-1 0,4 30,-13-26,-7-9</inkml:trace>
+</inkml:ink>
+</file>
+
+<file path=ppt/ink/ink101.xml><?xml version="1.0" encoding="utf-8"?>
 <inkml:ink xmlns:inkml="http://www.w3.org/2003/InkML">
   <inkml:definitions>
     <inkml:context xml:id="ctx0">
@@ -203,7 +309,7 @@
 </inkml:ink>
 </file>
 
-<file path=ppt/ink/ink101.xml><?xml version="1.0" encoding="utf-8"?>
+<file path=ppt/ink/ink102.xml><?xml version="1.0" encoding="utf-8"?>
 <inkml:ink xmlns:inkml="http://www.w3.org/2003/InkML">
   <inkml:definitions>
     <inkml:context xml:id="ctx0">
@@ -230,7 +336,7 @@
 </inkml:ink>
 </file>
 
-<file path=ppt/ink/ink102.xml><?xml version="1.0" encoding="utf-8"?>
+<file path=ppt/ink/ink103.xml><?xml version="1.0" encoding="utf-8"?>
 <inkml:ink xmlns:inkml="http://www.w3.org/2003/InkML">
   <inkml:definitions>
     <inkml:context xml:id="ctx0">
@@ -257,7 +363,7 @@
 </inkml:ink>
 </file>
 
-<file path=ppt/ink/ink103.xml><?xml version="1.0" encoding="utf-8"?>
+<file path=ppt/ink/ink104.xml><?xml version="1.0" encoding="utf-8"?>
 <inkml:ink xmlns:inkml="http://www.w3.org/2003/InkML">
   <inkml:definitions>
     <inkml:context xml:id="ctx0">
@@ -284,7 +390,7 @@
 </inkml:ink>
 </file>
 
-<file path=ppt/ink/ink104.xml><?xml version="1.0" encoding="utf-8"?>
+<file path=ppt/ink/ink105.xml><?xml version="1.0" encoding="utf-8"?>
 <inkml:ink xmlns:inkml="http://www.w3.org/2003/InkML">
   <inkml:definitions>
     <inkml:context xml:id="ctx0">
@@ -325,6 +431,33 @@
           <inkml:channelProperty channel="Y" name="resolution" value="1000" units="1/cm"/>
         </inkml:channelProperties>
       </inkml:inkSource>
+      <inkml:timestamp xml:id="ts0" timeString="2021-09-10T04:46:05.077"/>
+    </inkml:context>
+    <inkml:brush xml:id="br0">
+      <inkml:brushProperty name="width" value="0.1" units="cm"/>
+      <inkml:brushProperty name="height" value="0.1" units="cm"/>
+      <inkml:brushProperty name="color" value="#333333"/>
+      <inkml:brushProperty name="ignorePressure" value="1"/>
+    </inkml:brush>
+  </inkml:definitions>
+  <inkml:trace contextRef="#ctx0" brushRef="#br0">224 150,'461'-22,"-213"-16,-187 30,95-2,30-2,-50-10,-50 7,164-8,902 26,-1092 0,78 13,46 3,384-20,-526 4,0 1,47 11,-21-3,17 4,-39-7,80 6,571-12,-345-6,-282 1,-46 0,1 1,-1 1,1 1,0 1,35 8,-56-9,0 1,1 0,-1 0,0 1,0-1,-1 1,1 0,0 0,-1 0,0 1,1-1,-2 1,1-1,0 1,-1 0,1 0,-1 1,0-1,1 6,4 9,-2 1,0-1,1 25,-2-21,8 81,-2 149,0 6,4-95,17 166,-22-211,-8 133,3 47,5-231,23 95,-6-41,-13-66,3 0,2-2,30 62,-18-46,-23-51,-1 1,-1-1,0 1,-1 1,-2-1,0 0,-1 1,-1-1,-2 23,1-40,1 1,-1 0,0-1,0 1,-1-1,1 1,-1-1,1 1,-1-1,0 0,0 0,0 0,-1 0,1 0,-1-1,0 1,0-1,0 0,0 1,0-1,0 0,0-1,-1 1,1-1,-1 1,1-1,-1 0,0 0,-4 0,-12 2,-1-2,0 0,0 0,-24-4,8 0,-847-2,550 6,308-3,0-1,1-1,-1-1,-38-14,-32-6,-175-7,173 23,-145-5,-4 0,197 8,1-2,-94-27,106 23,-1 2,0 1,0 2,-1 2,1 2,-45 1,-1110 6,693-6,453 6,0 1,0 3,1 1,0 3,-54 20,-9 2,59-21,1-2,-2-2,1-3,-72 1,68-5,35 0,-1-1,1 0,-1-2,0 0,1-2,-35-7,51 8,0 0,0 0,0 0,1 0,-1 0,1 0,-1-1,1 1,0-1,-1 0,2 0,-1 0,0 0,0 0,1 0,0 0,-1 0,1-1,1 1,-1-1,0-5,-2-9,2-1,1-33,1 36,7-858,-10 802,-4 0,-23-115,-52-133,66 252,3 0,-4-85,5 42,0 11,-42-168,44 225,2 0,2-1,1 1,4-67,1 73</inkml:trace>
+</inkml:ink>
+</file>
+
+<file path=ppt/ink/ink12.xml><?xml version="1.0" encoding="utf-8"?>
+<inkml:ink xmlns:inkml="http://www.w3.org/2003/InkML">
+  <inkml:definitions>
+    <inkml:context xml:id="ctx0">
+      <inkml:inkSource xml:id="inkSrc0">
+        <inkml:traceFormat>
+          <inkml:channel name="X" type="integer" min="-2.14748E9" max="2.14748E9" units="cm"/>
+          <inkml:channel name="Y" type="integer" min="-2.14748E9" max="2.14748E9" units="cm"/>
+        </inkml:traceFormat>
+        <inkml:channelProperties>
+          <inkml:channelProperty channel="X" name="resolution" value="1000" units="1/cm"/>
+          <inkml:channelProperty channel="Y" name="resolution" value="1000" units="1/cm"/>
+        </inkml:channelProperties>
+      </inkml:inkSource>
       <inkml:timestamp xml:id="ts0" timeString="2021-09-10T04:46:06.278"/>
     </inkml:context>
     <inkml:brush xml:id="br0">
@@ -338,7 +471,7 @@
 </inkml:ink>
 </file>
 
-<file path=ppt/ink/ink12.xml><?xml version="1.0" encoding="utf-8"?>
+<file path=ppt/ink/ink13.xml><?xml version="1.0" encoding="utf-8"?>
 <inkml:ink xmlns:inkml="http://www.w3.org/2003/InkML">
   <inkml:definitions>
     <inkml:context xml:id="ctx0">
@@ -365,7 +498,7 @@
 </inkml:ink>
 </file>
 
-<file path=ppt/ink/ink13.xml><?xml version="1.0" encoding="utf-8"?>
+<file path=ppt/ink/ink14.xml><?xml version="1.0" encoding="utf-8"?>
 <inkml:ink xmlns:inkml="http://www.w3.org/2003/InkML">
   <inkml:definitions>
     <inkml:context xml:id="ctx0">
@@ -392,7 +525,7 @@
 </inkml:ink>
 </file>
 
-<file path=ppt/ink/ink14.xml><?xml version="1.0" encoding="utf-8"?>
+<file path=ppt/ink/ink15.xml><?xml version="1.0" encoding="utf-8"?>
 <inkml:ink xmlns:inkml="http://www.w3.org/2003/InkML">
   <inkml:definitions>
     <inkml:context xml:id="ctx0">
@@ -419,7 +552,7 @@
 </inkml:ink>
 </file>
 
-<file path=ppt/ink/ink15.xml><?xml version="1.0" encoding="utf-8"?>
+<file path=ppt/ink/ink16.xml><?xml version="1.0" encoding="utf-8"?>
 <inkml:ink xmlns:inkml="http://www.w3.org/2003/InkML">
   <inkml:definitions>
     <inkml:context xml:id="ctx0">
@@ -446,7 +579,7 @@
 </inkml:ink>
 </file>
 
-<file path=ppt/ink/ink16.xml><?xml version="1.0" encoding="utf-8"?>
+<file path=ppt/ink/ink17.xml><?xml version="1.0" encoding="utf-8"?>
 <inkml:ink xmlns:inkml="http://www.w3.org/2003/InkML">
   <inkml:definitions>
     <inkml:context xml:id="ctx0">
@@ -473,7 +606,7 @@
 </inkml:ink>
 </file>
 
-<file path=ppt/ink/ink17.xml><?xml version="1.0" encoding="utf-8"?>
+<file path=ppt/ink/ink18.xml><?xml version="1.0" encoding="utf-8"?>
 <inkml:ink xmlns:inkml="http://www.w3.org/2003/InkML">
   <inkml:definitions>
     <inkml:context xml:id="ctx0">
@@ -500,7 +633,7 @@
 </inkml:ink>
 </file>
 
-<file path=ppt/ink/ink18.xml><?xml version="1.0" encoding="utf-8"?>
+<file path=ppt/ink/ink19.xml><?xml version="1.0" encoding="utf-8"?>
 <inkml:ink xmlns:inkml="http://www.w3.org/2003/InkML">
   <inkml:definitions>
     <inkml:context xml:id="ctx0">
@@ -527,7 +660,34 @@
 </inkml:ink>
 </file>
 
-<file path=ppt/ink/ink19.xml><?xml version="1.0" encoding="utf-8"?>
+<file path=ppt/ink/ink2.xml><?xml version="1.0" encoding="utf-8"?>
+<inkml:ink xmlns:inkml="http://www.w3.org/2003/InkML">
+  <inkml:definitions>
+    <inkml:context xml:id="ctx0">
+      <inkml:inkSource xml:id="inkSrc0">
+        <inkml:traceFormat>
+          <inkml:channel name="X" type="integer" min="-2.14748E9" max="2.14748E9" units="cm"/>
+          <inkml:channel name="Y" type="integer" min="-2.14748E9" max="2.14748E9" units="cm"/>
+        </inkml:traceFormat>
+        <inkml:channelProperties>
+          <inkml:channelProperty channel="X" name="resolution" value="1000" units="1/cm"/>
+          <inkml:channelProperty channel="Y" name="resolution" value="1000" units="1/cm"/>
+        </inkml:channelProperties>
+      </inkml:inkSource>
+      <inkml:timestamp xml:id="ts0" timeString="2021-09-10T04:47:09.484"/>
+    </inkml:context>
+    <inkml:brush xml:id="br0">
+      <inkml:brushProperty name="width" value="0.1" units="cm"/>
+      <inkml:brushProperty name="height" value="0.1" units="cm"/>
+      <inkml:brushProperty name="color" value="#333333"/>
+      <inkml:brushProperty name="ignorePressure" value="1"/>
+    </inkml:brush>
+  </inkml:definitions>
+  <inkml:trace contextRef="#ctx0" brushRef="#br0">1 120,'0'1508,"2"-1460,14 79,-7-75,1 56,-9 496,-3-287,4-278,2 1,12 51,0-4,26 134,-39-209,0-1,1 0,0 0,0 0,2-1,-1 1,1-1,1 0,0-1,15 17,-17-21,0-1,1 1,0-1,0 0,0 0,1-1,-1 0,1 0,0 0,0-1,0 0,0-1,0 1,0-1,0-1,0 1,1-1,11-1,2-3,-1 0,1-2,37-14,-36 12,-1 0,1 2,26-5,-42 11,1-1,-1 0,0 0,0-1,0 0,-1 0,1 0,0-1,-1 1,1-1,-1-1,5-3,-7 3,0 1,0-1,0-1,0 1,-1 0,0 0,0-1,0 0,0 1,-1-1,0 0,0 0,0 1,0-1,-1-9,-1-238,-3 93,4 110,3 0,2 1,2-1,25-87,-22 101,-3-1,-1-1,3-62,-11-114,-1 80,3-1630,-2 1734,-1 0,-2 0,-7-29,-4-22,16 77,-1-1,1 1,-1-1,1 1,-1-1,0 1,0 0,-1-1,1 1,-1 0,1 0,-1 0,0 0,0 0,-1 1,1-1,0 1,-1-1,0 1,1 0,-1 0,0 0,0 0,0 0,0 1,-1-1,1 1,0 0,-1 0,1 0,0 1,-1-1,1 1,-1 0,1 0,-6 0,-12 3,1 1,-1 1,1 0,0 2,-23 10,-17 5,21-13,1-3,-1-1,0-2,-64-3,70-1</inkml:trace>
+</inkml:ink>
+</file>
+
+<file path=ppt/ink/ink20.xml><?xml version="1.0" encoding="utf-8"?>
 <inkml:ink xmlns:inkml="http://www.w3.org/2003/InkML">
   <inkml:definitions>
     <inkml:context xml:id="ctx0">
@@ -554,34 +714,7 @@
 </inkml:ink>
 </file>
 
-<file path=ppt/ink/ink2.xml><?xml version="1.0" encoding="utf-8"?>
-<inkml:ink xmlns:inkml="http://www.w3.org/2003/InkML">
-  <inkml:definitions>
-    <inkml:context xml:id="ctx0">
-      <inkml:inkSource xml:id="inkSrc0">
-        <inkml:traceFormat>
-          <inkml:channel name="X" type="integer" min="-2.14748E9" max="2.14748E9" units="cm"/>
-          <inkml:channel name="Y" type="integer" min="-2.14748E9" max="2.14748E9" units="cm"/>
-        </inkml:traceFormat>
-        <inkml:channelProperties>
-          <inkml:channelProperty channel="X" name="resolution" value="1000" units="1/cm"/>
-          <inkml:channelProperty channel="Y" name="resolution" value="1000" units="1/cm"/>
-        </inkml:channelProperties>
-      </inkml:inkSource>
-      <inkml:timestamp xml:id="ts0" timeString="2021-09-10T04:45:46.825"/>
-    </inkml:context>
-    <inkml:brush xml:id="br0">
-      <inkml:brushProperty name="width" value="0.1" units="cm"/>
-      <inkml:brushProperty name="height" value="0.1" units="cm"/>
-      <inkml:brushProperty name="color" value="#333333"/>
-      <inkml:brushProperty name="ignorePressure" value="1"/>
-    </inkml:brush>
-  </inkml:definitions>
-  <inkml:trace contextRef="#ctx0" brushRef="#br0">1 0</inkml:trace>
-</inkml:ink>
-</file>
-
-<file path=ppt/ink/ink20.xml><?xml version="1.0" encoding="utf-8"?>
+<file path=ppt/ink/ink21.xml><?xml version="1.0" encoding="utf-8"?>
 <inkml:ink xmlns:inkml="http://www.w3.org/2003/InkML">
   <inkml:definitions>
     <inkml:context xml:id="ctx0">
@@ -608,7 +741,7 @@
 </inkml:ink>
 </file>
 
-<file path=ppt/ink/ink21.xml><?xml version="1.0" encoding="utf-8"?>
+<file path=ppt/ink/ink22.xml><?xml version="1.0" encoding="utf-8"?>
 <inkml:ink xmlns:inkml="http://www.w3.org/2003/InkML">
   <inkml:definitions>
     <inkml:context xml:id="ctx0">
@@ -637,7 +770,7 @@
 </inkml:ink>
 </file>
 
-<file path=ppt/ink/ink22.xml><?xml version="1.0" encoding="utf-8"?>
+<file path=ppt/ink/ink23.xml><?xml version="1.0" encoding="utf-8"?>
 <inkml:ink xmlns:inkml="http://www.w3.org/2003/InkML">
   <inkml:definitions>
     <inkml:context xml:id="ctx0">
@@ -666,7 +799,7 @@
 </inkml:ink>
 </file>
 
-<file path=ppt/ink/ink23.xml><?xml version="1.0" encoding="utf-8"?>
+<file path=ppt/ink/ink24.xml><?xml version="1.0" encoding="utf-8"?>
 <inkml:ink xmlns:inkml="http://www.w3.org/2003/InkML">
   <inkml:definitions>
     <inkml:context xml:id="ctx0">
@@ -695,7 +828,7 @@
 </inkml:ink>
 </file>
 
-<file path=ppt/ink/ink24.xml><?xml version="1.0" encoding="utf-8"?>
+<file path=ppt/ink/ink25.xml><?xml version="1.0" encoding="utf-8"?>
 <inkml:ink xmlns:inkml="http://www.w3.org/2003/InkML">
   <inkml:definitions>
     <inkml:context xml:id="ctx0">
@@ -724,7 +857,7 @@
 </inkml:ink>
 </file>
 
-<file path=ppt/ink/ink25.xml><?xml version="1.0" encoding="utf-8"?>
+<file path=ppt/ink/ink26.xml><?xml version="1.0" encoding="utf-8"?>
 <inkml:ink xmlns:inkml="http://www.w3.org/2003/InkML">
   <inkml:definitions>
     <inkml:context xml:id="ctx0">
@@ -751,7 +884,7 @@
 </inkml:ink>
 </file>
 
-<file path=ppt/ink/ink26.xml><?xml version="1.0" encoding="utf-8"?>
+<file path=ppt/ink/ink27.xml><?xml version="1.0" encoding="utf-8"?>
 <inkml:ink xmlns:inkml="http://www.w3.org/2003/InkML">
   <inkml:definitions>
     <inkml:context xml:id="ctx0">
@@ -778,7 +911,7 @@
 </inkml:ink>
 </file>
 
-<file path=ppt/ink/ink27.xml><?xml version="1.0" encoding="utf-8"?>
+<file path=ppt/ink/ink28.xml><?xml version="1.0" encoding="utf-8"?>
 <inkml:ink xmlns:inkml="http://www.w3.org/2003/InkML">
   <inkml:definitions>
     <inkml:context xml:id="ctx0">
@@ -805,7 +938,7 @@
 </inkml:ink>
 </file>
 
-<file path=ppt/ink/ink28.xml><?xml version="1.0" encoding="utf-8"?>
+<file path=ppt/ink/ink29.xml><?xml version="1.0" encoding="utf-8"?>
 <inkml:ink xmlns:inkml="http://www.w3.org/2003/InkML">
   <inkml:definitions>
     <inkml:context xml:id="ctx0">
@@ -834,7 +967,34 @@
 </inkml:ink>
 </file>
 
-<file path=ppt/ink/ink29.xml><?xml version="1.0" encoding="utf-8"?>
+<file path=ppt/ink/ink3.xml><?xml version="1.0" encoding="utf-8"?>
+<inkml:ink xmlns:inkml="http://www.w3.org/2003/InkML">
+  <inkml:definitions>
+    <inkml:context xml:id="ctx0">
+      <inkml:inkSource xml:id="inkSrc0">
+        <inkml:traceFormat>
+          <inkml:channel name="X" type="integer" min="-2.14748E9" max="2.14748E9" units="cm"/>
+          <inkml:channel name="Y" type="integer" min="-2.14748E9" max="2.14748E9" units="cm"/>
+        </inkml:traceFormat>
+        <inkml:channelProperties>
+          <inkml:channelProperty channel="X" name="resolution" value="1000" units="1/cm"/>
+          <inkml:channelProperty channel="Y" name="resolution" value="1000" units="1/cm"/>
+        </inkml:channelProperties>
+      </inkml:inkSource>
+      <inkml:timestamp xml:id="ts0" timeString="2021-09-10T04:45:46.825"/>
+    </inkml:context>
+    <inkml:brush xml:id="br0">
+      <inkml:brushProperty name="width" value="0.1" units="cm"/>
+      <inkml:brushProperty name="height" value="0.1" units="cm"/>
+      <inkml:brushProperty name="color" value="#333333"/>
+      <inkml:brushProperty name="ignorePressure" value="1"/>
+    </inkml:brush>
+  </inkml:definitions>
+  <inkml:trace contextRef="#ctx0" brushRef="#br0">1 0</inkml:trace>
+</inkml:ink>
+</file>
+
+<file path=ppt/ink/ink30.xml><?xml version="1.0" encoding="utf-8"?>
 <inkml:ink xmlns:inkml="http://www.w3.org/2003/InkML">
   <inkml:definitions>
     <inkml:context xml:id="ctx0">
@@ -863,34 +1023,7 @@
 </inkml:ink>
 </file>
 
-<file path=ppt/ink/ink3.xml><?xml version="1.0" encoding="utf-8"?>
-<inkml:ink xmlns:inkml="http://www.w3.org/2003/InkML">
-  <inkml:definitions>
-    <inkml:context xml:id="ctx0">
-      <inkml:inkSource xml:id="inkSrc0">
-        <inkml:traceFormat>
-          <inkml:channel name="X" type="integer" min="-2.14748E9" max="2.14748E9" units="cm"/>
-          <inkml:channel name="Y" type="integer" min="-2.14748E9" max="2.14748E9" units="cm"/>
-        </inkml:traceFormat>
-        <inkml:channelProperties>
-          <inkml:channelProperty channel="X" name="resolution" value="1000" units="1/cm"/>
-          <inkml:channelProperty channel="Y" name="resolution" value="1000" units="1/cm"/>
-        </inkml:channelProperties>
-      </inkml:inkSource>
-      <inkml:timestamp xml:id="ts0" timeString="2021-09-10T04:45:48.603"/>
-    </inkml:context>
-    <inkml:brush xml:id="br0">
-      <inkml:brushProperty name="width" value="0.1" units="cm"/>
-      <inkml:brushProperty name="height" value="0.1" units="cm"/>
-      <inkml:brushProperty name="color" value="#333333"/>
-      <inkml:brushProperty name="ignorePressure" value="1"/>
-    </inkml:brush>
-  </inkml:definitions>
-  <inkml:trace contextRef="#ctx0" brushRef="#br0">2 0,'-2'156,"5"173,34 49,-3-61,-17-193,-6-51,2 100,-14 1336,3-1470,14 77,1 14,-14 421,-5-285,2 28,0-262</inkml:trace>
-</inkml:ink>
-</file>
-
-<file path=ppt/ink/ink30.xml><?xml version="1.0" encoding="utf-8"?>
+<file path=ppt/ink/ink31.xml><?xml version="1.0" encoding="utf-8"?>
 <inkml:ink xmlns:inkml="http://www.w3.org/2003/InkML">
   <inkml:definitions>
     <inkml:context xml:id="ctx0">
@@ -919,7 +1052,7 @@
 </inkml:ink>
 </file>
 
-<file path=ppt/ink/ink31.xml><?xml version="1.0" encoding="utf-8"?>
+<file path=ppt/ink/ink32.xml><?xml version="1.0" encoding="utf-8"?>
 <inkml:ink xmlns:inkml="http://www.w3.org/2003/InkML">
   <inkml:definitions>
     <inkml:context xml:id="ctx0">
@@ -948,7 +1081,7 @@
 </inkml:ink>
 </file>
 
-<file path=ppt/ink/ink32.xml><?xml version="1.0" encoding="utf-8"?>
+<file path=ppt/ink/ink33.xml><?xml version="1.0" encoding="utf-8"?>
 <inkml:ink xmlns:inkml="http://www.w3.org/2003/InkML">
   <inkml:definitions>
     <inkml:context xml:id="ctx0">
@@ -977,7 +1110,7 @@
 </inkml:ink>
 </file>
 
-<file path=ppt/ink/ink33.xml><?xml version="1.0" encoding="utf-8"?>
+<file path=ppt/ink/ink34.xml><?xml version="1.0" encoding="utf-8"?>
 <inkml:ink xmlns:inkml="http://www.w3.org/2003/InkML">
   <inkml:definitions>
     <inkml:context xml:id="ctx0">
@@ -1004,7 +1137,7 @@
 </inkml:ink>
 </file>
 
-<file path=ppt/ink/ink34.xml><?xml version="1.0" encoding="utf-8"?>
+<file path=ppt/ink/ink35.xml><?xml version="1.0" encoding="utf-8"?>
 <inkml:ink xmlns:inkml="http://www.w3.org/2003/InkML">
   <inkml:definitions>
     <inkml:context xml:id="ctx0">
@@ -1031,7 +1164,7 @@
 </inkml:ink>
 </file>
 
-<file path=ppt/ink/ink35.xml><?xml version="1.0" encoding="utf-8"?>
+<file path=ppt/ink/ink36.xml><?xml version="1.0" encoding="utf-8"?>
 <inkml:ink xmlns:inkml="http://www.w3.org/2003/InkML">
   <inkml:definitions>
     <inkml:context xml:id="ctx0">
@@ -1058,7 +1191,7 @@
 </inkml:ink>
 </file>
 
-<file path=ppt/ink/ink36.xml><?xml version="1.0" encoding="utf-8"?>
+<file path=ppt/ink/ink37.xml><?xml version="1.0" encoding="utf-8"?>
 <inkml:ink xmlns:inkml="http://www.w3.org/2003/InkML">
   <inkml:definitions>
     <inkml:context xml:id="ctx0">
@@ -1085,7 +1218,7 @@
 </inkml:ink>
 </file>
 
-<file path=ppt/ink/ink37.xml><?xml version="1.0" encoding="utf-8"?>
+<file path=ppt/ink/ink38.xml><?xml version="1.0" encoding="utf-8"?>
 <inkml:ink xmlns:inkml="http://www.w3.org/2003/InkML">
   <inkml:definitions>
     <inkml:context xml:id="ctx0">
@@ -1112,7 +1245,7 @@
 </inkml:ink>
 </file>
 
-<file path=ppt/ink/ink38.xml><?xml version="1.0" encoding="utf-8"?>
+<file path=ppt/ink/ink39.xml><?xml version="1.0" encoding="utf-8"?>
 <inkml:ink xmlns:inkml="http://www.w3.org/2003/InkML">
   <inkml:definitions>
     <inkml:context xml:id="ctx0">
@@ -1139,7 +1272,34 @@
 </inkml:ink>
 </file>
 
-<file path=ppt/ink/ink39.xml><?xml version="1.0" encoding="utf-8"?>
+<file path=ppt/ink/ink4.xml><?xml version="1.0" encoding="utf-8"?>
+<inkml:ink xmlns:inkml="http://www.w3.org/2003/InkML">
+  <inkml:definitions>
+    <inkml:context xml:id="ctx0">
+      <inkml:inkSource xml:id="inkSrc0">
+        <inkml:traceFormat>
+          <inkml:channel name="X" type="integer" min="-2.14748E9" max="2.14748E9" units="cm"/>
+          <inkml:channel name="Y" type="integer" min="-2.14748E9" max="2.14748E9" units="cm"/>
+        </inkml:traceFormat>
+        <inkml:channelProperties>
+          <inkml:channelProperty channel="X" name="resolution" value="1000" units="1/cm"/>
+          <inkml:channelProperty channel="Y" name="resolution" value="1000" units="1/cm"/>
+        </inkml:channelProperties>
+      </inkml:inkSource>
+      <inkml:timestamp xml:id="ts0" timeString="2021-09-10T04:45:48.603"/>
+    </inkml:context>
+    <inkml:brush xml:id="br0">
+      <inkml:brushProperty name="width" value="0.1" units="cm"/>
+      <inkml:brushProperty name="height" value="0.1" units="cm"/>
+      <inkml:brushProperty name="color" value="#333333"/>
+      <inkml:brushProperty name="ignorePressure" value="1"/>
+    </inkml:brush>
+  </inkml:definitions>
+  <inkml:trace contextRef="#ctx0" brushRef="#br0">2 0,'-2'156,"5"173,34 49,-3-61,-17-193,-6-51,2 100,-14 1336,3-1470,14 77,1 14,-14 421,-5-285,2 28,0-262</inkml:trace>
+</inkml:ink>
+</file>
+
+<file path=ppt/ink/ink40.xml><?xml version="1.0" encoding="utf-8"?>
 <inkml:ink xmlns:inkml="http://www.w3.org/2003/InkML">
   <inkml:definitions>
     <inkml:context xml:id="ctx0">
@@ -1166,34 +1326,7 @@
 </inkml:ink>
 </file>
 
-<file path=ppt/ink/ink4.xml><?xml version="1.0" encoding="utf-8"?>
-<inkml:ink xmlns:inkml="http://www.w3.org/2003/InkML">
-  <inkml:definitions>
-    <inkml:context xml:id="ctx0">
-      <inkml:inkSource xml:id="inkSrc0">
-        <inkml:traceFormat>
-          <inkml:channel name="X" type="integer" min="-2.14748E9" max="2.14748E9" units="cm"/>
-          <inkml:channel name="Y" type="integer" min="-2.14748E9" max="2.14748E9" units="cm"/>
-        </inkml:traceFormat>
-        <inkml:channelProperties>
-          <inkml:channelProperty channel="X" name="resolution" value="1000" units="1/cm"/>
-          <inkml:channelProperty channel="Y" name="resolution" value="1000" units="1/cm"/>
-        </inkml:channelProperties>
-      </inkml:inkSource>
-      <inkml:timestamp xml:id="ts0" timeString="2021-09-10T04:45:52.047"/>
-    </inkml:context>
-    <inkml:brush xml:id="br0">
-      <inkml:brushProperty name="width" value="0.1" units="cm"/>
-      <inkml:brushProperty name="height" value="0.1" units="cm"/>
-      <inkml:brushProperty name="color" value="#333333"/>
-      <inkml:brushProperty name="ignorePressure" value="1"/>
-    </inkml:brush>
-  </inkml:definitions>
-  <inkml:trace contextRef="#ctx0" brushRef="#br0">1 1,'6052'0,"-5997"3,-1 2,103 24,-93-15,97 8,271-19,-212-6,-178 3,-5 2,-1-2,1-1,0-2,-1-2,0-1,55-17,-80 19,74-24,-79 26,1 1,0 0,0 0,-1 1,1-1,0 1,0 1,-1-1,1 1,10 3,-14-3,-1 1,1 0,0 0,-1-1,1 2,-1-1,0 0,0 0,0 1,0-1,0 1,0-1,-1 1,1 0,-1 0,0 0,0 0,0 0,0 0,0 0,0 4,2 11,-1 0,0 26,-2-30,-2 459,-3-158,5 937,19-1010,-2-38,7 183,13-17,-23 128,-15-344,3-116,2-1,9 40,-6-37,4 62,-10 7,-1-77</inkml:trace>
-</inkml:ink>
-</file>
-
-<file path=ppt/ink/ink40.xml><?xml version="1.0" encoding="utf-8"?>
+<file path=ppt/ink/ink41.xml><?xml version="1.0" encoding="utf-8"?>
 <inkml:ink xmlns:inkml="http://www.w3.org/2003/InkML">
   <inkml:definitions>
     <inkml:context xml:id="ctx0">
@@ -1220,7 +1353,7 @@
 </inkml:ink>
 </file>
 
-<file path=ppt/ink/ink41.xml><?xml version="1.0" encoding="utf-8"?>
+<file path=ppt/ink/ink42.xml><?xml version="1.0" encoding="utf-8"?>
 <inkml:ink xmlns:inkml="http://www.w3.org/2003/InkML">
   <inkml:definitions>
     <inkml:context xml:id="ctx0">
@@ -1247,7 +1380,7 @@
 </inkml:ink>
 </file>
 
-<file path=ppt/ink/ink42.xml><?xml version="1.0" encoding="utf-8"?>
+<file path=ppt/ink/ink43.xml><?xml version="1.0" encoding="utf-8"?>
 <inkml:ink xmlns:inkml="http://www.w3.org/2003/InkML">
   <inkml:definitions>
     <inkml:context xml:id="ctx0">
@@ -1274,7 +1407,7 @@
 </inkml:ink>
 </file>
 
-<file path=ppt/ink/ink43.xml><?xml version="1.0" encoding="utf-8"?>
+<file path=ppt/ink/ink44.xml><?xml version="1.0" encoding="utf-8"?>
 <inkml:ink xmlns:inkml="http://www.w3.org/2003/InkML">
   <inkml:definitions>
     <inkml:context xml:id="ctx0">
@@ -1301,7 +1434,7 @@
 </inkml:ink>
 </file>
 
-<file path=ppt/ink/ink44.xml><?xml version="1.0" encoding="utf-8"?>
+<file path=ppt/ink/ink45.xml><?xml version="1.0" encoding="utf-8"?>
 <inkml:ink xmlns:inkml="http://www.w3.org/2003/InkML">
   <inkml:definitions>
     <inkml:context xml:id="ctx0">
@@ -1328,7 +1461,7 @@
 </inkml:ink>
 </file>
 
-<file path=ppt/ink/ink45.xml><?xml version="1.0" encoding="utf-8"?>
+<file path=ppt/ink/ink46.xml><?xml version="1.0" encoding="utf-8"?>
 <inkml:ink xmlns:inkml="http://www.w3.org/2003/InkML">
   <inkml:definitions>
     <inkml:context xml:id="ctx0">
@@ -1352,33 +1485,6 @@
     </inkml:brush>
   </inkml:definitions>
   <inkml:trace contextRef="#ctx0" brushRef="#br0">2 0,'-1'81,"3"94,1-160,0 0,1-1,0 0,1 0,1 0,0 0,1-1,9 14,-7-12,0 0,-1 1,-1 0,-1 0,8 28,-11-24,0-1,-1 1,0 0,-2 0,-3 28,3-43,-1 0,0 0,1 0,-2 0,1 0,-1-1,0 1,0 0,0-1,0 1,-1-1,0 0,0 1,0-2,0 1,-1 0,1 0,-1-1,0 0,0 0,0 0,-1 0,1-1,-1 0,-9 4,-12 0</inkml:trace>
-</inkml:ink>
-</file>
-
-<file path=ppt/ink/ink46.xml><?xml version="1.0" encoding="utf-8"?>
-<inkml:ink xmlns:inkml="http://www.w3.org/2003/InkML">
-  <inkml:definitions>
-    <inkml:context xml:id="ctx0">
-      <inkml:inkSource xml:id="inkSrc0">
-        <inkml:traceFormat>
-          <inkml:channel name="X" type="integer" min="-2.14748E9" max="2.14748E9" units="cm"/>
-          <inkml:channel name="Y" type="integer" min="-2.14748E9" max="2.14748E9" units="cm"/>
-        </inkml:traceFormat>
-        <inkml:channelProperties>
-          <inkml:channelProperty channel="X" name="resolution" value="1000" units="1/cm"/>
-          <inkml:channelProperty channel="Y" name="resolution" value="1000" units="1/cm"/>
-        </inkml:channelProperties>
-      </inkml:inkSource>
-      <inkml:timestamp xml:id="ts0" timeString="2021-09-10T04:51:58.760"/>
-    </inkml:context>
-    <inkml:brush xml:id="br0">
-      <inkml:brushProperty name="width" value="0.1" units="cm"/>
-      <inkml:brushProperty name="height" value="0.1" units="cm"/>
-      <inkml:brushProperty name="color" value="#333333"/>
-      <inkml:brushProperty name="ignorePressure" value="1"/>
-    </inkml:brush>
-  </inkml:definitions>
-  <inkml:trace contextRef="#ctx0" brushRef="#br0">1 1,'0'0</inkml:trace>
 </inkml:ink>
 </file>
 
@@ -1423,7 +1529,7 @@
           <inkml:channelProperty channel="Y" name="resolution" value="1000" units="1/cm"/>
         </inkml:channelProperties>
       </inkml:inkSource>
-      <inkml:timestamp xml:id="ts0" timeString="2021-09-10T07:10:45.972"/>
+      <inkml:timestamp xml:id="ts0" timeString="2021-09-10T04:51:58.760"/>
     </inkml:context>
     <inkml:brush xml:id="br0">
       <inkml:brushProperty name="width" value="0.1" units="cm"/>
@@ -1450,6 +1556,60 @@
           <inkml:channelProperty channel="Y" name="resolution" value="1000" units="1/cm"/>
         </inkml:channelProperties>
       </inkml:inkSource>
+      <inkml:timestamp xml:id="ts0" timeString="2021-09-10T07:10:45.972"/>
+    </inkml:context>
+    <inkml:brush xml:id="br0">
+      <inkml:brushProperty name="width" value="0.1" units="cm"/>
+      <inkml:brushProperty name="height" value="0.1" units="cm"/>
+      <inkml:brushProperty name="color" value="#333333"/>
+      <inkml:brushProperty name="ignorePressure" value="1"/>
+    </inkml:brush>
+  </inkml:definitions>
+  <inkml:trace contextRef="#ctx0" brushRef="#br0">1 1,'0'0</inkml:trace>
+</inkml:ink>
+</file>
+
+<file path=ppt/ink/ink5.xml><?xml version="1.0" encoding="utf-8"?>
+<inkml:ink xmlns:inkml="http://www.w3.org/2003/InkML">
+  <inkml:definitions>
+    <inkml:context xml:id="ctx0">
+      <inkml:inkSource xml:id="inkSrc0">
+        <inkml:traceFormat>
+          <inkml:channel name="X" type="integer" min="-2.14748E9" max="2.14748E9" units="cm"/>
+          <inkml:channel name="Y" type="integer" min="-2.14748E9" max="2.14748E9" units="cm"/>
+        </inkml:traceFormat>
+        <inkml:channelProperties>
+          <inkml:channelProperty channel="X" name="resolution" value="1000" units="1/cm"/>
+          <inkml:channelProperty channel="Y" name="resolution" value="1000" units="1/cm"/>
+        </inkml:channelProperties>
+      </inkml:inkSource>
+      <inkml:timestamp xml:id="ts0" timeString="2021-09-10T04:45:52.047"/>
+    </inkml:context>
+    <inkml:brush xml:id="br0">
+      <inkml:brushProperty name="width" value="0.1" units="cm"/>
+      <inkml:brushProperty name="height" value="0.1" units="cm"/>
+      <inkml:brushProperty name="color" value="#333333"/>
+      <inkml:brushProperty name="ignorePressure" value="1"/>
+    </inkml:brush>
+  </inkml:definitions>
+  <inkml:trace contextRef="#ctx0" brushRef="#br0">1 1,'6052'0,"-5997"3,-1 2,103 24,-93-15,97 8,271-19,-212-6,-178 3,-5 2,-1-2,1-1,0-2,-1-2,0-1,55-17,-80 19,74-24,-79 26,1 1,0 0,0 0,-1 1,1-1,0 1,0 1,-1-1,1 1,10 3,-14-3,-1 1,1 0,0 0,-1-1,1 2,-1-1,0 0,0 0,0 1,0-1,0 1,0-1,-1 1,1 0,-1 0,0 0,0 0,0 0,0 0,0 0,0 4,2 11,-1 0,0 26,-2-30,-2 459,-3-158,5 937,19-1010,-2-38,7 183,13-17,-23 128,-15-344,3-116,2-1,9 40,-6-37,4 62,-10 7,-1-77</inkml:trace>
+</inkml:ink>
+</file>
+
+<file path=ppt/ink/ink50.xml><?xml version="1.0" encoding="utf-8"?>
+<inkml:ink xmlns:inkml="http://www.w3.org/2003/InkML">
+  <inkml:definitions>
+    <inkml:context xml:id="ctx0">
+      <inkml:inkSource xml:id="inkSrc0">
+        <inkml:traceFormat>
+          <inkml:channel name="X" type="integer" min="-2.14748E9" max="2.14748E9" units="cm"/>
+          <inkml:channel name="Y" type="integer" min="-2.14748E9" max="2.14748E9" units="cm"/>
+        </inkml:traceFormat>
+        <inkml:channelProperties>
+          <inkml:channelProperty channel="X" name="resolution" value="1000" units="1/cm"/>
+          <inkml:channelProperty channel="Y" name="resolution" value="1000" units="1/cm"/>
+        </inkml:channelProperties>
+      </inkml:inkSource>
       <inkml:timestamp xml:id="ts0" timeString="2021-09-10T07:23:32.907"/>
     </inkml:context>
     <inkml:brush xml:id="br0">
@@ -1463,7 +1623,250 @@
 </inkml:ink>
 </file>
 
-<file path=ppt/ink/ink5.xml><?xml version="1.0" encoding="utf-8"?>
+<file path=ppt/ink/ink51.xml><?xml version="1.0" encoding="utf-8"?>
+<inkml:ink xmlns:inkml="http://www.w3.org/2003/InkML">
+  <inkml:definitions>
+    <inkml:context xml:id="ctx0">
+      <inkml:inkSource xml:id="inkSrc0">
+        <inkml:traceFormat>
+          <inkml:channel name="X" type="integer" min="-2.14748E9" max="2.14748E9" units="cm"/>
+          <inkml:channel name="Y" type="integer" min="-2.14748E9" max="2.14748E9" units="cm"/>
+        </inkml:traceFormat>
+        <inkml:channelProperties>
+          <inkml:channelProperty channel="X" name="resolution" value="1000" units="1/cm"/>
+          <inkml:channelProperty channel="Y" name="resolution" value="1000" units="1/cm"/>
+        </inkml:channelProperties>
+      </inkml:inkSource>
+      <inkml:timestamp xml:id="ts0" timeString="2021-09-10T07:28:04.685"/>
+    </inkml:context>
+    <inkml:brush xml:id="br0">
+      <inkml:brushProperty name="width" value="0.1" units="cm"/>
+      <inkml:brushProperty name="height" value="0.1" units="cm"/>
+      <inkml:brushProperty name="color" value="#333333"/>
+      <inkml:brushProperty name="ignorePressure" value="1"/>
+    </inkml:brush>
+  </inkml:definitions>
+  <inkml:trace contextRef="#ctx0" brushRef="#br0">11710 565,'-1'-2,"1"0,-1 1,0 0,0-1,1 1,-1-1,0 1,0 0,-1-1,1 1,0 0,-1 0,1 0,-1 0,1 0,-1 0,0 0,1 0,-1 0,-2 0,-44-17,36 14,-246-73,133 37,-1 4,-167-29,-65 9,318 50,-1 2,-65-2,72 6,-1-2,1 0,0-2,-45-10,28 4,0 1,-1 2,0 2,0 2,-103 3,83-2,-114-14,74 5,-85-13,52 9,-20-1,21 2,0 1,99 12,4 0,-80-10,-67-7,16 2,88 9,0 1,-150 7,84 1,-2074-2,2157 2,-71 10,-57 2,23 0,8 0,58-8,0 4,1 4,-201 46,250-50,-1-2,-109 6,42-5,22 1,-232 26,-19 22,288-49,-93 6,98-12,0 3,-59 12,47-4,22-5,1 2,-1 2,-51 18,-6 6,-142 34,127-38,111-30,-23 5,1 1,0 1,1 2,0 0,2 1,0 2,-30 18,-226 152,258-163,1 0,-24 28,-10 8,37-34,1 1,2 1,-26 42,29-40,-1 3,3 0,-17 46,20-46,-37 78,-19 53,35-42,-19 174,46-160,7-88,-3-1,-2 0,-16 57,3-38,-12 115,15-70,-5 79,-1 81,8-155,9 184,7-147,-4-35,3 137,4-204,3 0,3-1,3 0,2-1,27 48,95 126,-6-12,-112-176,2-1,1 0,3-2,1 0,37 30,-25-24,-2 1,40 54,71 92,23 32,-149-186,1-2,2 0,2-1,57 43,23 19,-86-67,2-1,1-1,1-1,1 0,43 21,12 6,-59-32,0 0,1-1,0 0,1-2,31 10,0-7,83 10,-23-4,-25-4,1-4,147 6,189-18,-193-2,2799 2,-1599 2,-1039-15,-65 0,42 0,39-1,-322 11,137-19,30-3,-188 21,0-1,-1-3,112-27,110-16,-64 15,378-122,-395 98,23-13,26-7,-219 69,-2 0,0-2,-1-2,-1 0,38-25,152-109,-166 108,-45 33,-1-1,0 0,-1-1,-1 0,0-1,-1 0,0 0,-2 0,0-1,0 0,7-20,49-163,5-14,-8-12,-13 34,-10 50,19-175,-36 171,-2-41,-14-225,-8 205,3-491,-2 654,-2 1,-2 0,-19-55,-55-113,39 108,-72-159,89 206,-2 1,-45-62,12 21,-162-288,187 324,-55-63,79 106,4 5,-1 0,0 0,0 1,-1 0,0 0,0 0,-1 1,0 0,-1 0,0 0,0 1,0 1,-1-1,0 1,-14-4,-11-2,-1 2,0 0,-1 2,0 1,0 1,-68 1,74 3</inkml:trace>
+</inkml:ink>
+</file>
+
+<file path=ppt/ink/ink52.xml><?xml version="1.0" encoding="utf-8"?>
+<inkml:ink xmlns:inkml="http://www.w3.org/2003/InkML">
+  <inkml:definitions>
+    <inkml:context xml:id="ctx0">
+      <inkml:inkSource xml:id="inkSrc0">
+        <inkml:traceFormat>
+          <inkml:channel name="X" type="integer" min="-2.14748E9" max="2.14748E9" units="cm"/>
+          <inkml:channel name="Y" type="integer" min="-2.14748E9" max="2.14748E9" units="cm"/>
+        </inkml:traceFormat>
+        <inkml:channelProperties>
+          <inkml:channelProperty channel="X" name="resolution" value="1000" units="1/cm"/>
+          <inkml:channelProperty channel="Y" name="resolution" value="1000" units="1/cm"/>
+        </inkml:channelProperties>
+      </inkml:inkSource>
+      <inkml:timestamp xml:id="ts0" timeString="2021-09-10T07:24:45.030"/>
+    </inkml:context>
+    <inkml:brush xml:id="br0">
+      <inkml:brushProperty name="width" value="0.1" units="cm"/>
+      <inkml:brushProperty name="height" value="0.1" units="cm"/>
+      <inkml:brushProperty name="color" value="#333333"/>
+      <inkml:brushProperty name="ignorePressure" value="1"/>
+    </inkml:brush>
+  </inkml:definitions>
+  <inkml:trace contextRef="#ctx0" brushRef="#br0">1003 115,'0'-1,"-1"0,1-1,0 1,-1 0,1 0,-1-1,0 1,0 0,1 0,-1 0,0 0,0 0,0 0,0 0,0 0,0 0,0 0,0 0,-1 1,1-1,0 0,0 1,-1-1,1 1,0-1,-1 1,-1 0,-44-8,42 8,-83-7,0 4,-102 10,157-1,-1 1,1 2,0 1,0 2,2 1,-40 23,10-7,34-17,1 1,0 2,-38 27,57-37,1 1,-1 0,1 0,0 0,1 1,-1-1,1 1,1 0,-1 1,1-1,1 1,-1 0,1 0,1 0,-1 1,-1 15,1 7,2 1,1-1,1 0,2 1,1-1,2 0,0-1,14 35,-16-52,1-1,0 0,1-1,1 1,0-1,0-1,1 1,1-1,-1 0,2-1,-1 0,1-1,1 0,-1 0,1-1,0 0,1-1,0-1,0 0,0 0,1-1,13 2,77 9,1-4,197-7,-183-5,-90 0,-1-2,1 0,-1-2,0-1,-1-2,1 0,-1-2,-1 0,41-24,-31 12,0-1,-2-1,0-2,-2-1,52-58,-71 71,-1 0,0 0,0-1,-2-1,0 0,-1 0,0 0,-1-1,-1 0,-1-1,-1 1,0-1,-1 0,-1 0,0-34,-2 30,0-3,-1 0,-1 0,-7-30,7 47,-1-1,0 0,0 1,-1 0,0-1,-1 2,0-1,0 0,0 1,-1 0,0 0,-10-8,0 3,-1 0,0 0,-1 2,0 0,-1 1,0 1,0 1,-1 0,0 2,0 0,0 1,0 1,-33 0,21 2</inkml:trace>
+</inkml:ink>
+</file>
+
+<file path=ppt/ink/ink53.xml><?xml version="1.0" encoding="utf-8"?>
+<inkml:ink xmlns:inkml="http://www.w3.org/2003/InkML">
+  <inkml:definitions>
+    <inkml:context xml:id="ctx0">
+      <inkml:inkSource xml:id="inkSrc0">
+        <inkml:traceFormat>
+          <inkml:channel name="X" type="integer" min="-2.14748E9" max="2.14748E9" units="cm"/>
+          <inkml:channel name="Y" type="integer" min="-2.14748E9" max="2.14748E9" units="cm"/>
+        </inkml:traceFormat>
+        <inkml:channelProperties>
+          <inkml:channelProperty channel="X" name="resolution" value="1000" units="1/cm"/>
+          <inkml:channelProperty channel="Y" name="resolution" value="1000" units="1/cm"/>
+        </inkml:channelProperties>
+      </inkml:inkSource>
+      <inkml:timestamp xml:id="ts0" timeString="2021-09-10T07:24:46.620"/>
+    </inkml:context>
+    <inkml:brush xml:id="br0">
+      <inkml:brushProperty name="width" value="0.1" units="cm"/>
+      <inkml:brushProperty name="height" value="0.1" units="cm"/>
+      <inkml:brushProperty name="color" value="#333333"/>
+      <inkml:brushProperty name="ignorePressure" value="1"/>
+    </inkml:brush>
+  </inkml:definitions>
+  <inkml:trace contextRef="#ctx0" brushRef="#br0">818 44,'-44'0,"0"-1,-59 7,88-4,-1 1,1 1,0 0,0 1,1 0,-1 1,-20 12,-14 12,-59 47,89-61,1 0,1 1,1 1,0 1,-25 38,0 18,4 2,3 2,-27 93,51-131,2 1,3 0,1 1,1-1,7 72,-2-35,-2-50,1-1,1 0,2 0,11 43,-11-58,1 0,0 0,1-1,1 1,0-1,0-1,1 1,1-1,0-1,0 1,13 10,8 2,0 0,2-2,0-2,2-1,0-1,0-2,2-1,0-2,0-1,1-2,40 4,47 0,1-5,125-9,-110-1,-111 1,0-2,0 0,0-2,51-17,109-50,-157 59,23-9,-2-2,-1-2,84-57,-130 78,1-1,-1-1,0 1,0-1,-1 0,0 0,0 0,-1-1,0 1,0-1,0 0,-1-1,-1 1,1 0,1-15,-1-7,-1 0,-1-1,-4-35,1 16,0-6,-3 0,-2 1,-23-92,21 115,-2 1,-2-1,0 2,-2 0,-2 0,0 2,-33-40,-8-2,-80-105,116 142,0 1,-2 0,-39-38,54 61,-1 1,1 1,-1-1,-1 2,1-1,-1 1,0 1,0 0,-1 1,0 0,0 0,0 2,0-1,0 1,-14 0,-187 8,177-5</inkml:trace>
+</inkml:ink>
+</file>
+
+<file path=ppt/ink/ink54.xml><?xml version="1.0" encoding="utf-8"?>
+<inkml:ink xmlns:inkml="http://www.w3.org/2003/InkML">
+  <inkml:definitions>
+    <inkml:context xml:id="ctx0">
+      <inkml:inkSource xml:id="inkSrc0">
+        <inkml:traceFormat>
+          <inkml:channel name="X" type="integer" min="-2.14748E9" max="2.14748E9" units="cm"/>
+          <inkml:channel name="Y" type="integer" min="-2.14748E9" max="2.14748E9" units="cm"/>
+        </inkml:traceFormat>
+        <inkml:channelProperties>
+          <inkml:channelProperty channel="X" name="resolution" value="1000" units="1/cm"/>
+          <inkml:channelProperty channel="Y" name="resolution" value="1000" units="1/cm"/>
+        </inkml:channelProperties>
+      </inkml:inkSource>
+      <inkml:timestamp xml:id="ts0" timeString="2021-09-10T07:24:47.790"/>
+    </inkml:context>
+    <inkml:brush xml:id="br0">
+      <inkml:brushProperty name="width" value="0.1" units="cm"/>
+      <inkml:brushProperty name="height" value="0.1" units="cm"/>
+      <inkml:brushProperty name="color" value="#333333"/>
+      <inkml:brushProperty name="ignorePressure" value="1"/>
+    </inkml:brush>
+  </inkml:definitions>
+  <inkml:trace contextRef="#ctx0" brushRef="#br0">926 149,'-6'-2,"0"0,-1 0,1-1,0 0,1 0,-1 0,0-1,1 1,0-1,-8-8,-8-4,3 3,-1 2,0 0,-1 2,0 0,0 1,-1 0,0 2,-1 1,-28-4,35 8,0 0,0 1,0 0,0 1,0 1,1 0,-1 1,1 1,-1 0,1 1,0 0,1 1,-1 1,-18 12,2 4,1 1,2 1,-40 47,-60 94,116-149,0 1,2 0,0 0,1 1,1 0,0 0,-6 37,7-10,1 1,2 56,4-89,0 0,1 1,0-1,1 0,1 0,0-1,1 1,0-1,1 0,0 0,1 0,1-1,0 0,1-1,0 1,14 12,-8-10,1-1,0 0,1-1,0-1,0-1,1 0,1-1,0-1,0-1,0-1,24 5,39 3,132 5,85-17,-214-2,-65 0,-1-1,1 0,-1-2,1 0,-1-1,0-1,-1-1,1 0,-1-1,0-1,-1-1,0-1,0 0,-1-1,21-19,-27 22,0-1,0 1,-1-2,-1 1,0-1,0 0,-1-1,0 0,0 0,-1-1,-1 1,0-1,-1 0,0-1,-1 1,0-1,-1 1,-1-1,0 0,-1-25,-1-35,1 2,-3 0,-16-99,14 148,0 0,-1 1,-1 0,-2 0,0 0,0 1,-2 1,-1 0,0 0,-1 1,-1 1,-17-17,-9-3,1 4</inkml:trace>
+</inkml:ink>
+</file>
+
+<file path=ppt/ink/ink55.xml><?xml version="1.0" encoding="utf-8"?>
+<inkml:ink xmlns:inkml="http://www.w3.org/2003/InkML">
+  <inkml:definitions>
+    <inkml:context xml:id="ctx0">
+      <inkml:inkSource xml:id="inkSrc0">
+        <inkml:traceFormat>
+          <inkml:channel name="X" type="integer" min="-2.14748E9" max="2.14748E9" units="cm"/>
+          <inkml:channel name="Y" type="integer" min="-2.14748E9" max="2.14748E9" units="cm"/>
+        </inkml:traceFormat>
+        <inkml:channelProperties>
+          <inkml:channelProperty channel="X" name="resolution" value="1000" units="1/cm"/>
+          <inkml:channelProperty channel="Y" name="resolution" value="1000" units="1/cm"/>
+        </inkml:channelProperties>
+      </inkml:inkSource>
+      <inkml:timestamp xml:id="ts0" timeString="2021-09-10T07:24:49.073"/>
+    </inkml:context>
+    <inkml:brush xml:id="br0">
+      <inkml:brushProperty name="width" value="0.1" units="cm"/>
+      <inkml:brushProperty name="height" value="0.1" units="cm"/>
+      <inkml:brushProperty name="color" value="#333333"/>
+      <inkml:brushProperty name="ignorePressure" value="1"/>
+    </inkml:brush>
+  </inkml:definitions>
+  <inkml:trace contextRef="#ctx0" brushRef="#br0">1622 229,'0'-1,"0"-1,0 0,-1 1,1-1,-1 1,1-1,-1 1,0-1,0 1,0-1,0 1,0-1,0 1,0 0,0 0,0 0,0-1,-1 1,-2-1,-34-18,22 12,-186-92,170 87,-1 1,0 2,0 2,-54-7,-25 6,-1 5,-127 11,208-5,1 1,-1 2,1 1,-1 1,2 2,-1 1,1 1,1 2,0 1,1 1,1 2,-27 20,21-11,2 1,-35 39,56-54,0 0,1 1,1 1,0-1,0 1,1 0,1 1,1 0,-4 16,-4 32,2 0,-2 90,13 131,1-161,0-74,1 1,3-1,14 63,-14-91,1 0,1 0,1-1,1 0,0-1,1 0,2 0,0-1,28 33,-37-48,107 106,-92-94,0-1,1-1,0 0,37 16,4 0,-29-14,1 0,0-2,51 13,-9-13,0-2,95 0,157-15,-145 0,-90 5,103-4,-174 1,-1-1,1 0,-1-2,0 0,0-1,-1-1,26-12,-33 11,0 0,-1 0,0-1,0 0,-1-1,0 0,-1-1,0 1,-1-2,0 1,0-1,-1 0,-1 0,4-14,5-17,-2-1,11-77,-11 3,-6-1,-10-132,1 72,4 64,2 55,-3 0,-3 0,-15-91,16 142,-1-1,1 1,-2 0,0 0,0 0,0 1,-7-10,-10-8</inkml:trace>
+</inkml:ink>
+</file>
+
+<file path=ppt/ink/ink56.xml><?xml version="1.0" encoding="utf-8"?>
+<inkml:ink xmlns:inkml="http://www.w3.org/2003/InkML">
+  <inkml:definitions>
+    <inkml:context xml:id="ctx0">
+      <inkml:inkSource xml:id="inkSrc0">
+        <inkml:traceFormat>
+          <inkml:channel name="X" type="integer" min="-2.14748E9" max="2.14748E9" units="cm"/>
+          <inkml:channel name="Y" type="integer" min="-2.14748E9" max="2.14748E9" units="cm"/>
+        </inkml:traceFormat>
+        <inkml:channelProperties>
+          <inkml:channelProperty channel="X" name="resolution" value="1000" units="1/cm"/>
+          <inkml:channelProperty channel="Y" name="resolution" value="1000" units="1/cm"/>
+        </inkml:channelProperties>
+      </inkml:inkSource>
+      <inkml:timestamp xml:id="ts0" timeString="2021-09-10T07:24:51.157"/>
+    </inkml:context>
+    <inkml:brush xml:id="br0">
+      <inkml:brushProperty name="width" value="0.1" units="cm"/>
+      <inkml:brushProperty name="height" value="0.1" units="cm"/>
+      <inkml:brushProperty name="color" value="#333333"/>
+      <inkml:brushProperty name="ignorePressure" value="1"/>
+    </inkml:brush>
+  </inkml:definitions>
+  <inkml:trace contextRef="#ctx0" brushRef="#br0">2031 100,'-101'0,"-2"-2,-115 14,186-8,-1 1,1 2,1 1,-1 1,2 2,-1 2,-49 27,-172 135,197-134,-66 57,-125 131,136-123,-59 58,137-134,2 2,1 1,2 1,1 2,2 0,1 2,2 0,1 2,-19 56,20-37,2 2,2 0,3 0,3 1,-2 122,12-127,2 0,13 70,-10-94,3-1,0 1,2-2,1 1,19 32,-5-21,1-2,2 0,2-2,2-1,2-2,0-1,3-2,1-1,1-2,1-2,61 30,-76-43,1-1,1-1,0-2,0-1,1-1,0-1,43 6,397-10,-250-8,-152 4,1 1,108-13,-154 9,-1-1,-1-1,1-1,-1-1,0 0,0-2,-1 0,0-2,23-16,-2-3,-1-2,-2-2,-2-1,0-1,30-45,-42 48,-2-1,-1-1,-2-1,-1 0,-2-1,19-72,-7 1,55-249,11-50,-84 375,-2-1,-1 0,3-58,-9-103,-2 87,1 82,-1 0,-2 0,0 1,-1-1,-1 1,-2 0,0 1,-2-1,-14-26,5 18,-2 0,0 1,-2 1,-1 2,-43-40,11 13,3-3,-88-124,130 167,0 0,-1 1,0 1,-1 0,-23-18,6 11</inkml:trace>
+</inkml:ink>
+</file>
+
+<file path=ppt/ink/ink57.xml><?xml version="1.0" encoding="utf-8"?>
+<inkml:ink xmlns:inkml="http://www.w3.org/2003/InkML">
+  <inkml:definitions>
+    <inkml:context xml:id="ctx0">
+      <inkml:inkSource xml:id="inkSrc0">
+        <inkml:traceFormat>
+          <inkml:channel name="X" type="integer" min="-2.14748E9" max="2.14748E9" units="cm"/>
+          <inkml:channel name="Y" type="integer" min="-2.14748E9" max="2.14748E9" units="cm"/>
+        </inkml:traceFormat>
+        <inkml:channelProperties>
+          <inkml:channelProperty channel="X" name="resolution" value="1000" units="1/cm"/>
+          <inkml:channelProperty channel="Y" name="resolution" value="1000" units="1/cm"/>
+        </inkml:channelProperties>
+      </inkml:inkSource>
+      <inkml:timestamp xml:id="ts0" timeString="2021-09-10T07:24:54.456"/>
+    </inkml:context>
+    <inkml:brush xml:id="br0">
+      <inkml:brushProperty name="width" value="0.1" units="cm"/>
+      <inkml:brushProperty name="height" value="0.1" units="cm"/>
+      <inkml:brushProperty name="color" value="#333333"/>
+      <inkml:brushProperty name="ignorePressure" value="1"/>
+    </inkml:brush>
+  </inkml:definitions>
+  <inkml:trace contextRef="#ctx0" brushRef="#br0">1 0,'0'1281,"0"-1244</inkml:trace>
+</inkml:ink>
+</file>
+
+<file path=ppt/ink/ink58.xml><?xml version="1.0" encoding="utf-8"?>
+<inkml:ink xmlns:inkml="http://www.w3.org/2003/InkML">
+  <inkml:definitions>
+    <inkml:context xml:id="ctx0">
+      <inkml:inkSource xml:id="inkSrc0">
+        <inkml:traceFormat>
+          <inkml:channel name="X" type="integer" min="-2.14748E9" max="2.14748E9" units="cm"/>
+          <inkml:channel name="Y" type="integer" min="-2.14748E9" max="2.14748E9" units="cm"/>
+        </inkml:traceFormat>
+        <inkml:channelProperties>
+          <inkml:channelProperty channel="X" name="resolution" value="1000" units="1/cm"/>
+          <inkml:channelProperty channel="Y" name="resolution" value="1000" units="1/cm"/>
+        </inkml:channelProperties>
+      </inkml:inkSource>
+      <inkml:timestamp xml:id="ts0" timeString="2021-09-10T07:24:55.155"/>
+    </inkml:context>
+    <inkml:brush xml:id="br0">
+      <inkml:brushProperty name="width" value="0.1" units="cm"/>
+      <inkml:brushProperty name="height" value="0.1" units="cm"/>
+      <inkml:brushProperty name="color" value="#333333"/>
+      <inkml:brushProperty name="ignorePressure" value="1"/>
+    </inkml:brush>
+  </inkml:definitions>
+  <inkml:trace contextRef="#ctx0" brushRef="#br0">1 127,'10'0,"-1"1,1 0,0 0,-1 1,1 0,-1 1,0 0,0 0,15 8,-4 2,0 0,27 24,14 10,-51-40,1 0,0-1,1 0,-1-1,1-1,0 0,0 0,1-1,-1-1,15 2,-19-4,0 1,0-1,0-1,-1 0,1 0,0 0,0-1,0 0,-1-1,1 1,-1-2,0 1,0-1,0 0,0 0,-1-1,7-5,12-17,-1-1,-2 0,24-39,19-25,-42 64</inkml:trace>
+</inkml:ink>
+</file>
+
+<file path=ppt/ink/ink59.xml><?xml version="1.0" encoding="utf-8"?>
+<inkml:ink xmlns:inkml="http://www.w3.org/2003/InkML">
+  <inkml:definitions>
+    <inkml:context xml:id="ctx0">
+      <inkml:inkSource xml:id="inkSrc0">
+        <inkml:traceFormat>
+          <inkml:channel name="X" type="integer" min="-2.14748E9" max="2.14748E9" units="cm"/>
+          <inkml:channel name="Y" type="integer" min="-2.14748E9" max="2.14748E9" units="cm"/>
+        </inkml:traceFormat>
+        <inkml:channelProperties>
+          <inkml:channelProperty channel="X" name="resolution" value="1000" units="1/cm"/>
+          <inkml:channelProperty channel="Y" name="resolution" value="1000" units="1/cm"/>
+        </inkml:channelProperties>
+      </inkml:inkSource>
+      <inkml:timestamp xml:id="ts0" timeString="2021-09-10T07:24:56.191"/>
+    </inkml:context>
+    <inkml:brush xml:id="br0">
+      <inkml:brushProperty name="width" value="0.1" units="cm"/>
+      <inkml:brushProperty name="height" value="0.1" units="cm"/>
+      <inkml:brushProperty name="color" value="#333333"/>
+      <inkml:brushProperty name="ignorePressure" value="1"/>
+    </inkml:brush>
+  </inkml:definitions>
+  <inkml:trace contextRef="#ctx0" brushRef="#br0">1 1,'0'5,"5"202,-1-168,2-1,1 1,15 46,18 43,155 421,-182-520,-6-10,1-2,0 1,1-1,1 0,1-1,20 23,64 72,-69-77,2-1,2-1,42 35,-63-60,0-1,1 0,-1-1,1 0,16 6,6-2</inkml:trace>
+</inkml:ink>
+</file>
+
+<file path=ppt/ink/ink6.xml><?xml version="1.0" encoding="utf-8"?>
 <inkml:ink xmlns:inkml="http://www.w3.org/2003/InkML">
   <inkml:definitions>
     <inkml:context xml:id="ctx0">
@@ -1490,250 +1893,7 @@
 </inkml:ink>
 </file>
 
-<file path=ppt/ink/ink50.xml><?xml version="1.0" encoding="utf-8"?>
-<inkml:ink xmlns:inkml="http://www.w3.org/2003/InkML">
-  <inkml:definitions>
-    <inkml:context xml:id="ctx0">
-      <inkml:inkSource xml:id="inkSrc0">
-        <inkml:traceFormat>
-          <inkml:channel name="X" type="integer" min="-2.14748E9" max="2.14748E9" units="cm"/>
-          <inkml:channel name="Y" type="integer" min="-2.14748E9" max="2.14748E9" units="cm"/>
-        </inkml:traceFormat>
-        <inkml:channelProperties>
-          <inkml:channelProperty channel="X" name="resolution" value="1000" units="1/cm"/>
-          <inkml:channelProperty channel="Y" name="resolution" value="1000" units="1/cm"/>
-        </inkml:channelProperties>
-      </inkml:inkSource>
-      <inkml:timestamp xml:id="ts0" timeString="2021-09-10T07:28:04.685"/>
-    </inkml:context>
-    <inkml:brush xml:id="br0">
-      <inkml:brushProperty name="width" value="0.1" units="cm"/>
-      <inkml:brushProperty name="height" value="0.1" units="cm"/>
-      <inkml:brushProperty name="color" value="#333333"/>
-      <inkml:brushProperty name="ignorePressure" value="1"/>
-    </inkml:brush>
-  </inkml:definitions>
-  <inkml:trace contextRef="#ctx0" brushRef="#br0">11710 565,'-1'-2,"1"0,-1 1,0 0,0-1,1 1,-1-1,0 1,0 0,-1-1,1 1,0 0,-1 0,1 0,-1 0,1 0,-1 0,0 0,1 0,-1 0,-2 0,-44-17,36 14,-246-73,133 37,-1 4,-167-29,-65 9,318 50,-1 2,-65-2,72 6,-1-2,1 0,0-2,-45-10,28 4,0 1,-1 2,0 2,0 2,-103 3,83-2,-114-14,74 5,-85-13,52 9,-20-1,21 2,0 1,99 12,4 0,-80-10,-67-7,16 2,88 9,0 1,-150 7,84 1,-2074-2,2157 2,-71 10,-57 2,23 0,8 0,58-8,0 4,1 4,-201 46,250-50,-1-2,-109 6,42-5,22 1,-232 26,-19 22,288-49,-93 6,98-12,0 3,-59 12,47-4,22-5,1 2,-1 2,-51 18,-6 6,-142 34,127-38,111-30,-23 5,1 1,0 1,1 2,0 0,2 1,0 2,-30 18,-226 152,258-163,1 0,-24 28,-10 8,37-34,1 1,2 1,-26 42,29-40,-1 3,3 0,-17 46,20-46,-37 78,-19 53,35-42,-19 174,46-160,7-88,-3-1,-2 0,-16 57,3-38,-12 115,15-70,-5 79,-1 81,8-155,9 184,7-147,-4-35,3 137,4-204,3 0,3-1,3 0,2-1,27 48,95 126,-6-12,-112-176,2-1,1 0,3-2,1 0,37 30,-25-24,-2 1,40 54,71 92,23 32,-149-186,1-2,2 0,2-1,57 43,23 19,-86-67,2-1,1-1,1-1,1 0,43 21,12 6,-59-32,0 0,1-1,0 0,1-2,31 10,0-7,83 10,-23-4,-25-4,1-4,147 6,189-18,-193-2,2799 2,-1599 2,-1039-15,-65 0,42 0,39-1,-322 11,137-19,30-3,-188 21,0-1,-1-3,112-27,110-16,-64 15,378-122,-395 98,23-13,26-7,-219 69,-2 0,0-2,-1-2,-1 0,38-25,152-109,-166 108,-45 33,-1-1,0 0,-1-1,-1 0,0-1,-1 0,0 0,-2 0,0-1,0 0,7-20,49-163,5-14,-8-12,-13 34,-10 50,19-175,-36 171,-2-41,-14-225,-8 205,3-491,-2 654,-2 1,-2 0,-19-55,-55-113,39 108,-72-159,89 206,-2 1,-45-62,12 21,-162-288,187 324,-55-63,79 106,4 5,-1 0,0 0,0 1,-1 0,0 0,0 0,-1 1,0 0,-1 0,0 0,0 1,0 1,-1-1,0 1,-14-4,-11-2,-1 2,0 0,-1 2,0 1,0 1,-68 1,74 3</inkml:trace>
-</inkml:ink>
-</file>
-
-<file path=ppt/ink/ink51.xml><?xml version="1.0" encoding="utf-8"?>
-<inkml:ink xmlns:inkml="http://www.w3.org/2003/InkML">
-  <inkml:definitions>
-    <inkml:context xml:id="ctx0">
-      <inkml:inkSource xml:id="inkSrc0">
-        <inkml:traceFormat>
-          <inkml:channel name="X" type="integer" min="-2.14748E9" max="2.14748E9" units="cm"/>
-          <inkml:channel name="Y" type="integer" min="-2.14748E9" max="2.14748E9" units="cm"/>
-        </inkml:traceFormat>
-        <inkml:channelProperties>
-          <inkml:channelProperty channel="X" name="resolution" value="1000" units="1/cm"/>
-          <inkml:channelProperty channel="Y" name="resolution" value="1000" units="1/cm"/>
-        </inkml:channelProperties>
-      </inkml:inkSource>
-      <inkml:timestamp xml:id="ts0" timeString="2021-09-10T07:24:45.030"/>
-    </inkml:context>
-    <inkml:brush xml:id="br0">
-      <inkml:brushProperty name="width" value="0.1" units="cm"/>
-      <inkml:brushProperty name="height" value="0.1" units="cm"/>
-      <inkml:brushProperty name="color" value="#333333"/>
-      <inkml:brushProperty name="ignorePressure" value="1"/>
-    </inkml:brush>
-  </inkml:definitions>
-  <inkml:trace contextRef="#ctx0" brushRef="#br0">1003 115,'0'-1,"-1"0,1-1,0 1,-1 0,1 0,-1-1,0 1,0 0,1 0,-1 0,0 0,0 0,0 0,0 0,0 0,0 0,0 0,0 0,-1 1,1-1,0 0,0 1,-1-1,1 1,0-1,-1 1,-1 0,-44-8,42 8,-83-7,0 4,-102 10,157-1,-1 1,1 2,0 1,0 2,2 1,-40 23,10-7,34-17,1 1,0 2,-38 27,57-37,1 1,-1 0,1 0,0 0,1 1,-1-1,1 1,1 0,-1 1,1-1,1 1,-1 0,1 0,1 0,-1 1,-1 15,1 7,2 1,1-1,1 0,2 1,1-1,2 0,0-1,14 35,-16-52,1-1,0 0,1-1,1 1,0-1,0-1,1 1,1-1,-1 0,2-1,-1 0,1-1,1 0,-1 0,1-1,0 0,1-1,0-1,0 0,0 0,1-1,13 2,77 9,1-4,197-7,-183-5,-90 0,-1-2,1 0,-1-2,0-1,-1-2,1 0,-1-2,-1 0,41-24,-31 12,0-1,-2-1,0-2,-2-1,52-58,-71 71,-1 0,0 0,0-1,-2-1,0 0,-1 0,0 0,-1-1,-1 0,-1-1,-1 1,0-1,-1 0,-1 0,0-34,-2 30,0-3,-1 0,-1 0,-7-30,7 47,-1-1,0 0,0 1,-1 0,0-1,-1 2,0-1,0 0,0 1,-1 0,0 0,-10-8,0 3,-1 0,0 0,-1 2,0 0,-1 1,0 1,0 1,-1 0,0 2,0 0,0 1,0 1,-33 0,21 2</inkml:trace>
-</inkml:ink>
-</file>
-
-<file path=ppt/ink/ink52.xml><?xml version="1.0" encoding="utf-8"?>
-<inkml:ink xmlns:inkml="http://www.w3.org/2003/InkML">
-  <inkml:definitions>
-    <inkml:context xml:id="ctx0">
-      <inkml:inkSource xml:id="inkSrc0">
-        <inkml:traceFormat>
-          <inkml:channel name="X" type="integer" min="-2.14748E9" max="2.14748E9" units="cm"/>
-          <inkml:channel name="Y" type="integer" min="-2.14748E9" max="2.14748E9" units="cm"/>
-        </inkml:traceFormat>
-        <inkml:channelProperties>
-          <inkml:channelProperty channel="X" name="resolution" value="1000" units="1/cm"/>
-          <inkml:channelProperty channel="Y" name="resolution" value="1000" units="1/cm"/>
-        </inkml:channelProperties>
-      </inkml:inkSource>
-      <inkml:timestamp xml:id="ts0" timeString="2021-09-10T07:24:46.620"/>
-    </inkml:context>
-    <inkml:brush xml:id="br0">
-      <inkml:brushProperty name="width" value="0.1" units="cm"/>
-      <inkml:brushProperty name="height" value="0.1" units="cm"/>
-      <inkml:brushProperty name="color" value="#333333"/>
-      <inkml:brushProperty name="ignorePressure" value="1"/>
-    </inkml:brush>
-  </inkml:definitions>
-  <inkml:trace contextRef="#ctx0" brushRef="#br0">818 44,'-44'0,"0"-1,-59 7,88-4,-1 1,1 1,0 0,0 1,1 0,-1 1,-20 12,-14 12,-59 47,89-61,1 0,1 1,1 1,0 1,-25 38,0 18,4 2,3 2,-27 93,51-131,2 1,3 0,1 1,1-1,7 72,-2-35,-2-50,1-1,1 0,2 0,11 43,-11-58,1 0,0 0,1-1,1 1,0-1,0-1,1 1,1-1,0-1,0 1,13 10,8 2,0 0,2-2,0-2,2-1,0-1,0-2,2-1,0-2,0-1,1-2,40 4,47 0,1-5,125-9,-110-1,-111 1,0-2,0 0,0-2,51-17,109-50,-157 59,23-9,-2-2,-1-2,84-57,-130 78,1-1,-1-1,0 1,0-1,-1 0,0 0,0 0,-1-1,0 1,0-1,0 0,-1-1,-1 1,1 0,1-15,-1-7,-1 0,-1-1,-4-35,1 16,0-6,-3 0,-2 1,-23-92,21 115,-2 1,-2-1,0 2,-2 0,-2 0,0 2,-33-40,-8-2,-80-105,116 142,0 1,-2 0,-39-38,54 61,-1 1,1 1,-1-1,-1 2,1-1,-1 1,0 1,0 0,-1 1,0 0,0 0,0 2,0-1,0 1,-14 0,-187 8,177-5</inkml:trace>
-</inkml:ink>
-</file>
-
-<file path=ppt/ink/ink53.xml><?xml version="1.0" encoding="utf-8"?>
-<inkml:ink xmlns:inkml="http://www.w3.org/2003/InkML">
-  <inkml:definitions>
-    <inkml:context xml:id="ctx0">
-      <inkml:inkSource xml:id="inkSrc0">
-        <inkml:traceFormat>
-          <inkml:channel name="X" type="integer" min="-2.14748E9" max="2.14748E9" units="cm"/>
-          <inkml:channel name="Y" type="integer" min="-2.14748E9" max="2.14748E9" units="cm"/>
-        </inkml:traceFormat>
-        <inkml:channelProperties>
-          <inkml:channelProperty channel="X" name="resolution" value="1000" units="1/cm"/>
-          <inkml:channelProperty channel="Y" name="resolution" value="1000" units="1/cm"/>
-        </inkml:channelProperties>
-      </inkml:inkSource>
-      <inkml:timestamp xml:id="ts0" timeString="2021-09-10T07:24:47.790"/>
-    </inkml:context>
-    <inkml:brush xml:id="br0">
-      <inkml:brushProperty name="width" value="0.1" units="cm"/>
-      <inkml:brushProperty name="height" value="0.1" units="cm"/>
-      <inkml:brushProperty name="color" value="#333333"/>
-      <inkml:brushProperty name="ignorePressure" value="1"/>
-    </inkml:brush>
-  </inkml:definitions>
-  <inkml:trace contextRef="#ctx0" brushRef="#br0">926 149,'-6'-2,"0"0,-1 0,1-1,0 0,1 0,-1 0,0-1,1 1,0-1,-8-8,-8-4,3 3,-1 2,0 0,-1 2,0 0,0 1,-1 0,0 2,-1 1,-28-4,35 8,0 0,0 1,0 0,0 1,0 1,1 0,-1 1,1 1,-1 0,1 1,0 0,1 1,-1 1,-18 12,2 4,1 1,2 1,-40 47,-60 94,116-149,0 1,2 0,0 0,1 1,1 0,0 0,-6 37,7-10,1 1,2 56,4-89,0 0,1 1,0-1,1 0,1 0,0-1,1 1,0-1,1 0,0 0,1 0,1-1,0 0,1-1,0 1,14 12,-8-10,1-1,0 0,1-1,0-1,0-1,1 0,1-1,0-1,0-1,0-1,24 5,39 3,132 5,85-17,-214-2,-65 0,-1-1,1 0,-1-2,1 0,-1-1,0-1,-1-1,1 0,-1-1,0-1,-1-1,0-1,0 0,-1-1,21-19,-27 22,0-1,0 1,-1-2,-1 1,0-1,0 0,-1-1,0 0,0 0,-1-1,-1 1,0-1,-1 0,0-1,-1 1,0-1,-1 1,-1-1,0 0,-1-25,-1-35,1 2,-3 0,-16-99,14 148,0 0,-1 1,-1 0,-2 0,0 0,0 1,-2 1,-1 0,0 0,-1 1,-1 1,-17-17,-9-3,1 4</inkml:trace>
-</inkml:ink>
-</file>
-
-<file path=ppt/ink/ink54.xml><?xml version="1.0" encoding="utf-8"?>
-<inkml:ink xmlns:inkml="http://www.w3.org/2003/InkML">
-  <inkml:definitions>
-    <inkml:context xml:id="ctx0">
-      <inkml:inkSource xml:id="inkSrc0">
-        <inkml:traceFormat>
-          <inkml:channel name="X" type="integer" min="-2.14748E9" max="2.14748E9" units="cm"/>
-          <inkml:channel name="Y" type="integer" min="-2.14748E9" max="2.14748E9" units="cm"/>
-        </inkml:traceFormat>
-        <inkml:channelProperties>
-          <inkml:channelProperty channel="X" name="resolution" value="1000" units="1/cm"/>
-          <inkml:channelProperty channel="Y" name="resolution" value="1000" units="1/cm"/>
-        </inkml:channelProperties>
-      </inkml:inkSource>
-      <inkml:timestamp xml:id="ts0" timeString="2021-09-10T07:24:49.073"/>
-    </inkml:context>
-    <inkml:brush xml:id="br0">
-      <inkml:brushProperty name="width" value="0.1" units="cm"/>
-      <inkml:brushProperty name="height" value="0.1" units="cm"/>
-      <inkml:brushProperty name="color" value="#333333"/>
-      <inkml:brushProperty name="ignorePressure" value="1"/>
-    </inkml:brush>
-  </inkml:definitions>
-  <inkml:trace contextRef="#ctx0" brushRef="#br0">1622 229,'0'-1,"0"-1,0 0,-1 1,1-1,-1 1,1-1,-1 1,0-1,0 1,0-1,0 1,0-1,0 1,0 0,0 0,0 0,0-1,-1 1,-2-1,-34-18,22 12,-186-92,170 87,-1 1,0 2,0 2,-54-7,-25 6,-1 5,-127 11,208-5,1 1,-1 2,1 1,-1 1,2 2,-1 1,1 1,1 2,0 1,1 1,1 2,-27 20,21-11,2 1,-35 39,56-54,0 0,1 1,1 1,0-1,0 1,1 0,1 1,1 0,-4 16,-4 32,2 0,-2 90,13 131,1-161,0-74,1 1,3-1,14 63,-14-91,1 0,1 0,1-1,1 0,0-1,1 0,2 0,0-1,28 33,-37-48,107 106,-92-94,0-1,1-1,0 0,37 16,4 0,-29-14,1 0,0-2,51 13,-9-13,0-2,95 0,157-15,-145 0,-90 5,103-4,-174 1,-1-1,1 0,-1-2,0 0,0-1,-1-1,26-12,-33 11,0 0,-1 0,0-1,0 0,-1-1,0 0,-1-1,0 1,-1-2,0 1,0-1,-1 0,-1 0,4-14,5-17,-2-1,11-77,-11 3,-6-1,-10-132,1 72,4 64,2 55,-3 0,-3 0,-15-91,16 142,-1-1,1 1,-2 0,0 0,0 0,0 1,-7-10,-10-8</inkml:trace>
-</inkml:ink>
-</file>
-
-<file path=ppt/ink/ink55.xml><?xml version="1.0" encoding="utf-8"?>
-<inkml:ink xmlns:inkml="http://www.w3.org/2003/InkML">
-  <inkml:definitions>
-    <inkml:context xml:id="ctx0">
-      <inkml:inkSource xml:id="inkSrc0">
-        <inkml:traceFormat>
-          <inkml:channel name="X" type="integer" min="-2.14748E9" max="2.14748E9" units="cm"/>
-          <inkml:channel name="Y" type="integer" min="-2.14748E9" max="2.14748E9" units="cm"/>
-        </inkml:traceFormat>
-        <inkml:channelProperties>
-          <inkml:channelProperty channel="X" name="resolution" value="1000" units="1/cm"/>
-          <inkml:channelProperty channel="Y" name="resolution" value="1000" units="1/cm"/>
-        </inkml:channelProperties>
-      </inkml:inkSource>
-      <inkml:timestamp xml:id="ts0" timeString="2021-09-10T07:24:51.157"/>
-    </inkml:context>
-    <inkml:brush xml:id="br0">
-      <inkml:brushProperty name="width" value="0.1" units="cm"/>
-      <inkml:brushProperty name="height" value="0.1" units="cm"/>
-      <inkml:brushProperty name="color" value="#333333"/>
-      <inkml:brushProperty name="ignorePressure" value="1"/>
-    </inkml:brush>
-  </inkml:definitions>
-  <inkml:trace contextRef="#ctx0" brushRef="#br0">2031 100,'-101'0,"-2"-2,-115 14,186-8,-1 1,1 2,1 1,-1 1,2 2,-1 2,-49 27,-172 135,197-134,-66 57,-125 131,136-123,-59 58,137-134,2 2,1 1,2 1,1 2,2 0,1 2,2 0,1 2,-19 56,20-37,2 2,2 0,3 0,3 1,-2 122,12-127,2 0,13 70,-10-94,3-1,0 1,2-2,1 1,19 32,-5-21,1-2,2 0,2-2,2-1,2-2,0-1,3-2,1-1,1-2,1-2,61 30,-76-43,1-1,1-1,0-2,0-1,1-1,0-1,43 6,397-10,-250-8,-152 4,1 1,108-13,-154 9,-1-1,-1-1,1-1,-1-1,0 0,0-2,-1 0,0-2,23-16,-2-3,-1-2,-2-2,-2-1,0-1,30-45,-42 48,-2-1,-1-1,-2-1,-1 0,-2-1,19-72,-7 1,55-249,11-50,-84 375,-2-1,-1 0,3-58,-9-103,-2 87,1 82,-1 0,-2 0,0 1,-1-1,-1 1,-2 0,0 1,-2-1,-14-26,5 18,-2 0,0 1,-2 1,-1 2,-43-40,11 13,3-3,-88-124,130 167,0 0,-1 1,0 1,-1 0,-23-18,6 11</inkml:trace>
-</inkml:ink>
-</file>
-
-<file path=ppt/ink/ink56.xml><?xml version="1.0" encoding="utf-8"?>
-<inkml:ink xmlns:inkml="http://www.w3.org/2003/InkML">
-  <inkml:definitions>
-    <inkml:context xml:id="ctx0">
-      <inkml:inkSource xml:id="inkSrc0">
-        <inkml:traceFormat>
-          <inkml:channel name="X" type="integer" min="-2.14748E9" max="2.14748E9" units="cm"/>
-          <inkml:channel name="Y" type="integer" min="-2.14748E9" max="2.14748E9" units="cm"/>
-        </inkml:traceFormat>
-        <inkml:channelProperties>
-          <inkml:channelProperty channel="X" name="resolution" value="1000" units="1/cm"/>
-          <inkml:channelProperty channel="Y" name="resolution" value="1000" units="1/cm"/>
-        </inkml:channelProperties>
-      </inkml:inkSource>
-      <inkml:timestamp xml:id="ts0" timeString="2021-09-10T07:24:54.456"/>
-    </inkml:context>
-    <inkml:brush xml:id="br0">
-      <inkml:brushProperty name="width" value="0.1" units="cm"/>
-      <inkml:brushProperty name="height" value="0.1" units="cm"/>
-      <inkml:brushProperty name="color" value="#333333"/>
-      <inkml:brushProperty name="ignorePressure" value="1"/>
-    </inkml:brush>
-  </inkml:definitions>
-  <inkml:trace contextRef="#ctx0" brushRef="#br0">1 0,'0'1281,"0"-1244</inkml:trace>
-</inkml:ink>
-</file>
-
-<file path=ppt/ink/ink57.xml><?xml version="1.0" encoding="utf-8"?>
-<inkml:ink xmlns:inkml="http://www.w3.org/2003/InkML">
-  <inkml:definitions>
-    <inkml:context xml:id="ctx0">
-      <inkml:inkSource xml:id="inkSrc0">
-        <inkml:traceFormat>
-          <inkml:channel name="X" type="integer" min="-2.14748E9" max="2.14748E9" units="cm"/>
-          <inkml:channel name="Y" type="integer" min="-2.14748E9" max="2.14748E9" units="cm"/>
-        </inkml:traceFormat>
-        <inkml:channelProperties>
-          <inkml:channelProperty channel="X" name="resolution" value="1000" units="1/cm"/>
-          <inkml:channelProperty channel="Y" name="resolution" value="1000" units="1/cm"/>
-        </inkml:channelProperties>
-      </inkml:inkSource>
-      <inkml:timestamp xml:id="ts0" timeString="2021-09-10T07:24:55.155"/>
-    </inkml:context>
-    <inkml:brush xml:id="br0">
-      <inkml:brushProperty name="width" value="0.1" units="cm"/>
-      <inkml:brushProperty name="height" value="0.1" units="cm"/>
-      <inkml:brushProperty name="color" value="#333333"/>
-      <inkml:brushProperty name="ignorePressure" value="1"/>
-    </inkml:brush>
-  </inkml:definitions>
-  <inkml:trace contextRef="#ctx0" brushRef="#br0">1 127,'10'0,"-1"1,1 0,0 0,-1 1,1 0,-1 1,0 0,0 0,15 8,-4 2,0 0,27 24,14 10,-51-40,1 0,0-1,1 0,-1-1,1-1,0 0,0 0,1-1,-1-1,15 2,-19-4,0 1,0-1,0-1,-1 0,1 0,0 0,0-1,0 0,-1-1,1 1,-1-2,0 1,0-1,0 0,0 0,-1-1,7-5,12-17,-1-1,-2 0,24-39,19-25,-42 64</inkml:trace>
-</inkml:ink>
-</file>
-
-<file path=ppt/ink/ink58.xml><?xml version="1.0" encoding="utf-8"?>
-<inkml:ink xmlns:inkml="http://www.w3.org/2003/InkML">
-  <inkml:definitions>
-    <inkml:context xml:id="ctx0">
-      <inkml:inkSource xml:id="inkSrc0">
-        <inkml:traceFormat>
-          <inkml:channel name="X" type="integer" min="-2.14748E9" max="2.14748E9" units="cm"/>
-          <inkml:channel name="Y" type="integer" min="-2.14748E9" max="2.14748E9" units="cm"/>
-        </inkml:traceFormat>
-        <inkml:channelProperties>
-          <inkml:channelProperty channel="X" name="resolution" value="1000" units="1/cm"/>
-          <inkml:channelProperty channel="Y" name="resolution" value="1000" units="1/cm"/>
-        </inkml:channelProperties>
-      </inkml:inkSource>
-      <inkml:timestamp xml:id="ts0" timeString="2021-09-10T07:24:56.191"/>
-    </inkml:context>
-    <inkml:brush xml:id="br0">
-      <inkml:brushProperty name="width" value="0.1" units="cm"/>
-      <inkml:brushProperty name="height" value="0.1" units="cm"/>
-      <inkml:brushProperty name="color" value="#333333"/>
-      <inkml:brushProperty name="ignorePressure" value="1"/>
-    </inkml:brush>
-  </inkml:definitions>
-  <inkml:trace contextRef="#ctx0" brushRef="#br0">1 1,'0'5,"5"202,-1-168,2-1,1 1,15 46,18 43,155 421,-182-520,-6-10,1-2,0 1,1-1,1 0,1-1,20 23,64 72,-69-77,2-1,2-1,42 35,-63-60,0-1,1 0,-1-1,1 0,16 6,6-2</inkml:trace>
-</inkml:ink>
-</file>
-
-<file path=ppt/ink/ink59.xml><?xml version="1.0" encoding="utf-8"?>
+<file path=ppt/ink/ink60.xml><?xml version="1.0" encoding="utf-8"?>
 <inkml:ink xmlns:inkml="http://www.w3.org/2003/InkML">
   <inkml:definitions>
     <inkml:context xml:id="ctx0">
@@ -1760,7 +1920,250 @@
 </inkml:ink>
 </file>
 
-<file path=ppt/ink/ink6.xml><?xml version="1.0" encoding="utf-8"?>
+<file path=ppt/ink/ink61.xml><?xml version="1.0" encoding="utf-8"?>
+<inkml:ink xmlns:inkml="http://www.w3.org/2003/InkML">
+  <inkml:definitions>
+    <inkml:context xml:id="ctx0">
+      <inkml:inkSource xml:id="inkSrc0">
+        <inkml:traceFormat>
+          <inkml:channel name="X" type="integer" min="-2.14748E9" max="2.14748E9" units="cm"/>
+          <inkml:channel name="Y" type="integer" min="-2.14748E9" max="2.14748E9" units="cm"/>
+        </inkml:traceFormat>
+        <inkml:channelProperties>
+          <inkml:channelProperty channel="X" name="resolution" value="1000" units="1/cm"/>
+          <inkml:channelProperty channel="Y" name="resolution" value="1000" units="1/cm"/>
+        </inkml:channelProperties>
+      </inkml:inkSource>
+      <inkml:timestamp xml:id="ts0" timeString="2021-09-10T07:24:58.281"/>
+    </inkml:context>
+    <inkml:brush xml:id="br0">
+      <inkml:brushProperty name="width" value="0.1" units="cm"/>
+      <inkml:brushProperty name="height" value="0.1" units="cm"/>
+      <inkml:brushProperty name="color" value="#333333"/>
+      <inkml:brushProperty name="ignorePressure" value="1"/>
+    </inkml:brush>
+  </inkml:definitions>
+  <inkml:trace contextRef="#ctx0" brushRef="#br0">1 0,'-1'32,"2"1,1-1,2 0,1 0,1-1,12 35,152 360,-124-332,4-2,84 118,-101-168,1-1,2-2,2-1,1-2,53 36,-10-16,168 83,-222-126,1-2,0 0,1-3,41 8,126 9,-5-1,-73-6,164 6,121-22,-352-3,-35 1,1-1,-1 0,1-1,-1-2,0 1,0-2,0 0,21-10,-16 2</inkml:trace>
+</inkml:ink>
+</file>
+
+<file path=ppt/ink/ink62.xml><?xml version="1.0" encoding="utf-8"?>
+<inkml:ink xmlns:inkml="http://www.w3.org/2003/InkML">
+  <inkml:definitions>
+    <inkml:context xml:id="ctx0">
+      <inkml:inkSource xml:id="inkSrc0">
+        <inkml:traceFormat>
+          <inkml:channel name="X" type="integer" min="-2.14748E9" max="2.14748E9" units="cm"/>
+          <inkml:channel name="Y" type="integer" min="-2.14748E9" max="2.14748E9" units="cm"/>
+        </inkml:traceFormat>
+        <inkml:channelProperties>
+          <inkml:channelProperty channel="X" name="resolution" value="1000" units="1/cm"/>
+          <inkml:channelProperty channel="Y" name="resolution" value="1000" units="1/cm"/>
+        </inkml:channelProperties>
+      </inkml:inkSource>
+      <inkml:timestamp xml:id="ts0" timeString="2021-09-10T07:24:58.966"/>
+    </inkml:context>
+    <inkml:brush xml:id="br0">
+      <inkml:brushProperty name="width" value="0.1" units="cm"/>
+      <inkml:brushProperty name="height" value="0.1" units="cm"/>
+      <inkml:brushProperty name="color" value="#333333"/>
+      <inkml:brushProperty name="ignorePressure" value="1"/>
+    </inkml:brush>
+  </inkml:definitions>
+  <inkml:trace contextRef="#ctx0" brushRef="#br0">1 1,'12'0,"11"6,8 9,10 8,18 6,11 4,-7 4,-7-6,-13-1,-15 7,-11 16,-9 5,-12-2,-5 4,-8 3,0-3,2-5,4-12</inkml:trace>
+</inkml:ink>
+</file>
+
+<file path=ppt/ink/ink63.xml><?xml version="1.0" encoding="utf-8"?>
+<inkml:ink xmlns:inkml="http://www.w3.org/2003/InkML">
+  <inkml:definitions>
+    <inkml:context xml:id="ctx0">
+      <inkml:inkSource xml:id="inkSrc0">
+        <inkml:traceFormat>
+          <inkml:channel name="X" type="integer" min="-2.14748E9" max="2.14748E9" units="cm"/>
+          <inkml:channel name="Y" type="integer" min="-2.14748E9" max="2.14748E9" units="cm"/>
+        </inkml:traceFormat>
+        <inkml:channelProperties>
+          <inkml:channelProperty channel="X" name="resolution" value="1000" units="1/cm"/>
+          <inkml:channelProperty channel="Y" name="resolution" value="1000" units="1/cm"/>
+        </inkml:channelProperties>
+      </inkml:inkSource>
+      <inkml:timestamp xml:id="ts0" timeString="2021-09-10T07:25:01.585"/>
+    </inkml:context>
+    <inkml:brush xml:id="br0">
+      <inkml:brushProperty name="width" value="0.1" units="cm"/>
+      <inkml:brushProperty name="height" value="0.1" units="cm"/>
+      <inkml:brushProperty name="color" value="#333333"/>
+      <inkml:brushProperty name="ignorePressure" value="1"/>
+    </inkml:brush>
+  </inkml:definitions>
+  <inkml:trace contextRef="#ctx0" brushRef="#br0">0 1,'0'72,"4"192,1-198,2-1,16 66,-7-61,-7-26,1 0,3 0,33 76,19 37,10 20,-41-112,-14-23,3 0,47 65,-43-72,-1 2,-3 1,-1 1,30 71,-34-70,28 43,5 13,-28-53,49 70,-43-71,32 61,-29-35,-20-40,0 0,2-1,1-1,1 0,1-1,32 35,-14-23,33 46,-52-61,0 0,2-1,1 0,0-2,1 0,1-2,47 30,-28-23,38 29,23 13,-72-49,11 7,0-2,1-2,1-2,52 16,-6-10,116 27,-192-47,-1 0,0 1,0 0,0 1,-1 0,0 1,0 0,-1 0,1 1,7 9,47 34,-8-17,-32-21</inkml:trace>
+</inkml:ink>
+</file>
+
+<file path=ppt/ink/ink64.xml><?xml version="1.0" encoding="utf-8"?>
+<inkml:ink xmlns:inkml="http://www.w3.org/2003/InkML">
+  <inkml:definitions>
+    <inkml:context xml:id="ctx0">
+      <inkml:inkSource xml:id="inkSrc0">
+        <inkml:traceFormat>
+          <inkml:channel name="X" type="integer" min="-2.14748E9" max="2.14748E9" units="cm"/>
+          <inkml:channel name="Y" type="integer" min="-2.14748E9" max="2.14748E9" units="cm"/>
+        </inkml:traceFormat>
+        <inkml:channelProperties>
+          <inkml:channelProperty channel="X" name="resolution" value="1000" units="1/cm"/>
+          <inkml:channelProperty channel="Y" name="resolution" value="1000" units="1/cm"/>
+        </inkml:channelProperties>
+      </inkml:inkSource>
+      <inkml:timestamp xml:id="ts0" timeString="2021-09-10T07:26:14.526"/>
+    </inkml:context>
+    <inkml:brush xml:id="br0">
+      <inkml:brushProperty name="width" value="0.1" units="cm"/>
+      <inkml:brushProperty name="height" value="0.1" units="cm"/>
+      <inkml:brushProperty name="color" value="#333333"/>
+      <inkml:brushProperty name="ignorePressure" value="1"/>
+    </inkml:brush>
+  </inkml:definitions>
+  <inkml:trace contextRef="#ctx0" brushRef="#br0">3612 738,'-3'-1,"1"0,-1 0,1 0,-1-1,1 1,0-1,-1 0,1 1,0-1,0 0,0 0,0 0,1-1,-1 1,-2-5,-4-3,-220-252,198 227,1-2,3-1,-33-63,49 86,0 1,-1 1,0-1,-1 2,-1-1,0 2,0 0,-1 0,-1 1,1 1,-2 1,1 0,-1 1,0 0,-1 1,0 1,0 1,-20-3,-3 0,-19-4,0 2,-75-2,-493 13,583 1,1 3,-1 1,2 2,-49 16,25-7,-153 55,128-47,1 4,-159 77,155-62,-76 44,147-75,1 2,0 0,1 1,1 2,-21 24,5-1,-2-2,-1-2,-72 55,87-75,1 2,1 0,1 1,1 1,-28 40,-68 131,111-184,-21 36,17-32,0 1,2-1,-1 1,2 0,0 1,1 0,0 0,1 0,1 0,-2 23,4-23,2-1,0 1,1-1,0 1,1-1,1 0,0 0,1-1,0 1,1-1,0 0,2 0,-1-1,1 0,15 16,-3-7,1-1,1 0,0-2,1-1,1-1,49 25,-1-5,141 49,-162-68,276 79,-266-83,-1-2,1-3,96 1,1040-13,-880 4,-305 0,1 0,0-1,-1-1,1 0,-1-1,1-1,-1 0,0 0,0-1,-1 0,1-1,-1-1,15-11,-12 6,-1 0,0-1,-1-1,-1 0,0 0,0-2,-2 1,16-33,62-104,-41 77,-29 49,2 0,38-39,-32 37,35-49,-32 35,100-146,-119 175,0-1,0 0,-2-1,0 0,-1 0,0-1,-1 1,-1-1,5-30,-5-4,-3-94,-3 103,1 2</inkml:trace>
+</inkml:ink>
+</file>
+
+<file path=ppt/ink/ink65.xml><?xml version="1.0" encoding="utf-8"?>
+<inkml:ink xmlns:inkml="http://www.w3.org/2003/InkML">
+  <inkml:definitions>
+    <inkml:context xml:id="ctx0">
+      <inkml:inkSource xml:id="inkSrc0">
+        <inkml:traceFormat>
+          <inkml:channel name="X" type="integer" min="-2.14748E9" max="2.14748E9" units="cm"/>
+          <inkml:channel name="Y" type="integer" min="-2.14748E9" max="2.14748E9" units="cm"/>
+        </inkml:traceFormat>
+        <inkml:channelProperties>
+          <inkml:channelProperty channel="X" name="resolution" value="1000" units="1/cm"/>
+          <inkml:channelProperty channel="Y" name="resolution" value="1000" units="1/cm"/>
+        </inkml:channelProperties>
+      </inkml:inkSource>
+      <inkml:timestamp xml:id="ts0" timeString="2021-09-10T07:26:15.104"/>
+    </inkml:context>
+    <inkml:brush xml:id="br0">
+      <inkml:brushProperty name="width" value="0.1" units="cm"/>
+      <inkml:brushProperty name="height" value="0.1" units="cm"/>
+      <inkml:brushProperty name="color" value="#333333"/>
+      <inkml:brushProperty name="ignorePressure" value="1"/>
+    </inkml:brush>
+  </inkml:definitions>
+  <inkml:trace contextRef="#ctx0" brushRef="#br0">0 642,'0'-6,"0"-15,6-3,9-11,14-11,21-18,7-3,2-3,2 4,11 7,-2 7,-6 7,-8 10,-13 6,-15 7</inkml:trace>
+</inkml:ink>
+</file>
+
+<file path=ppt/ink/ink66.xml><?xml version="1.0" encoding="utf-8"?>
+<inkml:ink xmlns:inkml="http://www.w3.org/2003/InkML">
+  <inkml:definitions>
+    <inkml:context xml:id="ctx0">
+      <inkml:inkSource xml:id="inkSrc0">
+        <inkml:traceFormat>
+          <inkml:channel name="X" type="integer" min="-2.14748E9" max="2.14748E9" units="cm"/>
+          <inkml:channel name="Y" type="integer" min="-2.14748E9" max="2.14748E9" units="cm"/>
+        </inkml:traceFormat>
+        <inkml:channelProperties>
+          <inkml:channelProperty channel="X" name="resolution" value="1000" units="1/cm"/>
+          <inkml:channelProperty channel="Y" name="resolution" value="1000" units="1/cm"/>
+        </inkml:channelProperties>
+      </inkml:inkSource>
+      <inkml:timestamp xml:id="ts0" timeString="2021-09-10T07:26:15.913"/>
+    </inkml:context>
+    <inkml:brush xml:id="br0">
+      <inkml:brushProperty name="width" value="0.1" units="cm"/>
+      <inkml:brushProperty name="height" value="0.1" units="cm"/>
+      <inkml:brushProperty name="color" value="#333333"/>
+      <inkml:brushProperty name="ignorePressure" value="1"/>
+    </inkml:brush>
+  </inkml:definitions>
+  <inkml:trace contextRef="#ctx0" brushRef="#br0">1 1,'0'6,"0"15,0 10,0 5,0 4,0 1,0 0,6-2,2 0,6-7,7-9,6-8,5-7,16-5,5-3,1-1,-3-1,-10 0</inkml:trace>
+</inkml:ink>
+</file>
+
+<file path=ppt/ink/ink67.xml><?xml version="1.0" encoding="utf-8"?>
+<inkml:ink xmlns:inkml="http://www.w3.org/2003/InkML">
+  <inkml:definitions>
+    <inkml:context xml:id="ctx0">
+      <inkml:inkSource xml:id="inkSrc0">
+        <inkml:traceFormat>
+          <inkml:channel name="X" type="integer" min="-2.14748E9" max="2.14748E9" units="cm"/>
+          <inkml:channel name="Y" type="integer" min="-2.14748E9" max="2.14748E9" units="cm"/>
+        </inkml:traceFormat>
+        <inkml:channelProperties>
+          <inkml:channelProperty channel="X" name="resolution" value="1000" units="1/cm"/>
+          <inkml:channelProperty channel="Y" name="resolution" value="1000" units="1/cm"/>
+        </inkml:channelProperties>
+      </inkml:inkSource>
+      <inkml:timestamp xml:id="ts0" timeString="2021-09-10T07:29:06.585"/>
+    </inkml:context>
+    <inkml:brush xml:id="br0">
+      <inkml:brushProperty name="width" value="0.1" units="cm"/>
+      <inkml:brushProperty name="height" value="0.1" units="cm"/>
+      <inkml:brushProperty name="color" value="#333333"/>
+      <inkml:brushProperty name="ignorePressure" value="1"/>
+    </inkml:brush>
+  </inkml:definitions>
+  <inkml:trace contextRef="#ctx0" brushRef="#br0">555 0,'-3'1,"0"-1,1 1,-1 0,0 0,1 0,-1 0,1 0,-1 1,1-1,0 1,-1-1,1 1,0 0,0 0,0 0,0 0,1 0,-1 1,-2 3,-28 56,26-48,-36 64,27-52,1 0,1 1,-13 41,-133 580,144-540,10-59,-18 74,10-80,3 1,1 0,-5 84,10-64,-4 0,-15 63,-11 93,15-57,-3 33,22-162</inkml:trace>
+</inkml:ink>
+</file>
+
+<file path=ppt/ink/ink68.xml><?xml version="1.0" encoding="utf-8"?>
+<inkml:ink xmlns:inkml="http://www.w3.org/2003/InkML">
+  <inkml:definitions>
+    <inkml:context xml:id="ctx0">
+      <inkml:inkSource xml:id="inkSrc0">
+        <inkml:traceFormat>
+          <inkml:channel name="X" type="integer" min="-2.14748E9" max="2.14748E9" units="cm"/>
+          <inkml:channel name="Y" type="integer" min="-2.14748E9" max="2.14748E9" units="cm"/>
+        </inkml:traceFormat>
+        <inkml:channelProperties>
+          <inkml:channelProperty channel="X" name="resolution" value="1000" units="1/cm"/>
+          <inkml:channelProperty channel="Y" name="resolution" value="1000" units="1/cm"/>
+        </inkml:channelProperties>
+      </inkml:inkSource>
+      <inkml:timestamp xml:id="ts0" timeString="2021-09-10T07:29:07.888"/>
+    </inkml:context>
+    <inkml:brush xml:id="br0">
+      <inkml:brushProperty name="width" value="0.1" units="cm"/>
+      <inkml:brushProperty name="height" value="0.1" units="cm"/>
+      <inkml:brushProperty name="color" value="#333333"/>
+      <inkml:brushProperty name="ignorePressure" value="1"/>
+    </inkml:brush>
+  </inkml:definitions>
+  <inkml:trace contextRef="#ctx0" brushRef="#br0">297 0,'-1'11,"-1"-1,0 0,-1 0,0 0,-8 16,-2 11,-23 109,-3 13,-59 187,79-260,4 1,-3 94,2 43,-4 124,21 323,-1-660,1-1,-1 1,2 0,2 11,4 1</inkml:trace>
+</inkml:ink>
+</file>
+
+<file path=ppt/ink/ink69.xml><?xml version="1.0" encoding="utf-8"?>
+<inkml:ink xmlns:inkml="http://www.w3.org/2003/InkML">
+  <inkml:definitions>
+    <inkml:context xml:id="ctx0">
+      <inkml:inkSource xml:id="inkSrc0">
+        <inkml:traceFormat>
+          <inkml:channel name="X" type="integer" min="-2.14748E9" max="2.14748E9" units="cm"/>
+          <inkml:channel name="Y" type="integer" min="-2.14748E9" max="2.14748E9" units="cm"/>
+        </inkml:traceFormat>
+        <inkml:channelProperties>
+          <inkml:channelProperty channel="X" name="resolution" value="1000" units="1/cm"/>
+          <inkml:channelProperty channel="Y" name="resolution" value="1000" units="1/cm"/>
+        </inkml:channelProperties>
+      </inkml:inkSource>
+      <inkml:timestamp xml:id="ts0" timeString="2021-09-10T07:29:09.078"/>
+    </inkml:context>
+    <inkml:brush xml:id="br0">
+      <inkml:brushProperty name="width" value="0.1" units="cm"/>
+      <inkml:brushProperty name="height" value="0.1" units="cm"/>
+      <inkml:brushProperty name="color" value="#333333"/>
+      <inkml:brushProperty name="ignorePressure" value="1"/>
+    </inkml:brush>
+  </inkml:definitions>
+  <inkml:trace contextRef="#ctx0" brushRef="#br0">0 1,'1'22,"1"0,1 0,1-1,1 1,0-1,13 29,62 120,-41-93,-36-70,1 1,0-1,0 0,1-1,0 1,0-1,0 1,1-2,7 7,-11-10,1-1,0 1,0-1,0 1,0-1,0 0,0 0,0 0,0-1,0 1,1-1,-1 0,0 0,0 0,0 0,1 0,-1-1,0 1,0-1,0 0,0 0,0 0,0-1,0 1,4-3,20-14,-1 0,-1-2,-1-1,23-24,-35 33,11-14,-1 0,-1-1,-1-1,24-46,-26 42</inkml:trace>
+</inkml:ink>
+</file>
+
+<file path=ppt/ink/ink7.xml><?xml version="1.0" encoding="utf-8"?>
 <inkml:ink xmlns:inkml="http://www.w3.org/2003/InkML">
   <inkml:definitions>
     <inkml:context xml:id="ctx0">
@@ -1787,250 +2190,7 @@
 </inkml:ink>
 </file>
 
-<file path=ppt/ink/ink60.xml><?xml version="1.0" encoding="utf-8"?>
-<inkml:ink xmlns:inkml="http://www.w3.org/2003/InkML">
-  <inkml:definitions>
-    <inkml:context xml:id="ctx0">
-      <inkml:inkSource xml:id="inkSrc0">
-        <inkml:traceFormat>
-          <inkml:channel name="X" type="integer" min="-2.14748E9" max="2.14748E9" units="cm"/>
-          <inkml:channel name="Y" type="integer" min="-2.14748E9" max="2.14748E9" units="cm"/>
-        </inkml:traceFormat>
-        <inkml:channelProperties>
-          <inkml:channelProperty channel="X" name="resolution" value="1000" units="1/cm"/>
-          <inkml:channelProperty channel="Y" name="resolution" value="1000" units="1/cm"/>
-        </inkml:channelProperties>
-      </inkml:inkSource>
-      <inkml:timestamp xml:id="ts0" timeString="2021-09-10T07:24:58.281"/>
-    </inkml:context>
-    <inkml:brush xml:id="br0">
-      <inkml:brushProperty name="width" value="0.1" units="cm"/>
-      <inkml:brushProperty name="height" value="0.1" units="cm"/>
-      <inkml:brushProperty name="color" value="#333333"/>
-      <inkml:brushProperty name="ignorePressure" value="1"/>
-    </inkml:brush>
-  </inkml:definitions>
-  <inkml:trace contextRef="#ctx0" brushRef="#br0">1 0,'-1'32,"2"1,1-1,2 0,1 0,1-1,12 35,152 360,-124-332,4-2,84 118,-101-168,1-1,2-2,2-1,1-2,53 36,-10-16,168 83,-222-126,1-2,0 0,1-3,41 8,126 9,-5-1,-73-6,164 6,121-22,-352-3,-35 1,1-1,-1 0,1-1,-1-2,0 1,0-2,0 0,21-10,-16 2</inkml:trace>
-</inkml:ink>
-</file>
-
-<file path=ppt/ink/ink61.xml><?xml version="1.0" encoding="utf-8"?>
-<inkml:ink xmlns:inkml="http://www.w3.org/2003/InkML">
-  <inkml:definitions>
-    <inkml:context xml:id="ctx0">
-      <inkml:inkSource xml:id="inkSrc0">
-        <inkml:traceFormat>
-          <inkml:channel name="X" type="integer" min="-2.14748E9" max="2.14748E9" units="cm"/>
-          <inkml:channel name="Y" type="integer" min="-2.14748E9" max="2.14748E9" units="cm"/>
-        </inkml:traceFormat>
-        <inkml:channelProperties>
-          <inkml:channelProperty channel="X" name="resolution" value="1000" units="1/cm"/>
-          <inkml:channelProperty channel="Y" name="resolution" value="1000" units="1/cm"/>
-        </inkml:channelProperties>
-      </inkml:inkSource>
-      <inkml:timestamp xml:id="ts0" timeString="2021-09-10T07:24:58.966"/>
-    </inkml:context>
-    <inkml:brush xml:id="br0">
-      <inkml:brushProperty name="width" value="0.1" units="cm"/>
-      <inkml:brushProperty name="height" value="0.1" units="cm"/>
-      <inkml:brushProperty name="color" value="#333333"/>
-      <inkml:brushProperty name="ignorePressure" value="1"/>
-    </inkml:brush>
-  </inkml:definitions>
-  <inkml:trace contextRef="#ctx0" brushRef="#br0">1 1,'12'0,"11"6,8 9,10 8,18 6,11 4,-7 4,-7-6,-13-1,-15 7,-11 16,-9 5,-12-2,-5 4,-8 3,0-3,2-5,4-12</inkml:trace>
-</inkml:ink>
-</file>
-
-<file path=ppt/ink/ink62.xml><?xml version="1.0" encoding="utf-8"?>
-<inkml:ink xmlns:inkml="http://www.w3.org/2003/InkML">
-  <inkml:definitions>
-    <inkml:context xml:id="ctx0">
-      <inkml:inkSource xml:id="inkSrc0">
-        <inkml:traceFormat>
-          <inkml:channel name="X" type="integer" min="-2.14748E9" max="2.14748E9" units="cm"/>
-          <inkml:channel name="Y" type="integer" min="-2.14748E9" max="2.14748E9" units="cm"/>
-        </inkml:traceFormat>
-        <inkml:channelProperties>
-          <inkml:channelProperty channel="X" name="resolution" value="1000" units="1/cm"/>
-          <inkml:channelProperty channel="Y" name="resolution" value="1000" units="1/cm"/>
-        </inkml:channelProperties>
-      </inkml:inkSource>
-      <inkml:timestamp xml:id="ts0" timeString="2021-09-10T07:25:01.585"/>
-    </inkml:context>
-    <inkml:brush xml:id="br0">
-      <inkml:brushProperty name="width" value="0.1" units="cm"/>
-      <inkml:brushProperty name="height" value="0.1" units="cm"/>
-      <inkml:brushProperty name="color" value="#333333"/>
-      <inkml:brushProperty name="ignorePressure" value="1"/>
-    </inkml:brush>
-  </inkml:definitions>
-  <inkml:trace contextRef="#ctx0" brushRef="#br0">0 1,'0'72,"4"192,1-198,2-1,16 66,-7-61,-7-26,1 0,3 0,33 76,19 37,10 20,-41-112,-14-23,3 0,47 65,-43-72,-1 2,-3 1,-1 1,30 71,-34-70,28 43,5 13,-28-53,49 70,-43-71,32 61,-29-35,-20-40,0 0,2-1,1-1,1 0,1-1,32 35,-14-23,33 46,-52-61,0 0,2-1,1 0,0-2,1 0,1-2,47 30,-28-23,38 29,23 13,-72-49,11 7,0-2,1-2,1-2,52 16,-6-10,116 27,-192-47,-1 0,0 1,0 0,0 1,-1 0,0 1,0 0,-1 0,1 1,7 9,47 34,-8-17,-32-21</inkml:trace>
-</inkml:ink>
-</file>
-
-<file path=ppt/ink/ink63.xml><?xml version="1.0" encoding="utf-8"?>
-<inkml:ink xmlns:inkml="http://www.w3.org/2003/InkML">
-  <inkml:definitions>
-    <inkml:context xml:id="ctx0">
-      <inkml:inkSource xml:id="inkSrc0">
-        <inkml:traceFormat>
-          <inkml:channel name="X" type="integer" min="-2.14748E9" max="2.14748E9" units="cm"/>
-          <inkml:channel name="Y" type="integer" min="-2.14748E9" max="2.14748E9" units="cm"/>
-        </inkml:traceFormat>
-        <inkml:channelProperties>
-          <inkml:channelProperty channel="X" name="resolution" value="1000" units="1/cm"/>
-          <inkml:channelProperty channel="Y" name="resolution" value="1000" units="1/cm"/>
-        </inkml:channelProperties>
-      </inkml:inkSource>
-      <inkml:timestamp xml:id="ts0" timeString="2021-09-10T07:26:14.526"/>
-    </inkml:context>
-    <inkml:brush xml:id="br0">
-      <inkml:brushProperty name="width" value="0.1" units="cm"/>
-      <inkml:brushProperty name="height" value="0.1" units="cm"/>
-      <inkml:brushProperty name="color" value="#333333"/>
-      <inkml:brushProperty name="ignorePressure" value="1"/>
-    </inkml:brush>
-  </inkml:definitions>
-  <inkml:trace contextRef="#ctx0" brushRef="#br0">3612 738,'-3'-1,"1"0,-1 0,1 0,-1-1,1 1,0-1,-1 0,1 1,0-1,0 0,0 0,0 0,1-1,-1 1,-2-5,-4-3,-220-252,198 227,1-2,3-1,-33-63,49 86,0 1,-1 1,0-1,-1 2,-1-1,0 2,0 0,-1 0,-1 1,1 1,-2 1,1 0,-1 1,0 0,-1 1,0 1,0 1,-20-3,-3 0,-19-4,0 2,-75-2,-493 13,583 1,1 3,-1 1,2 2,-49 16,25-7,-153 55,128-47,1 4,-159 77,155-62,-76 44,147-75,1 2,0 0,1 1,1 2,-21 24,5-1,-2-2,-1-2,-72 55,87-75,1 2,1 0,1 1,1 1,-28 40,-68 131,111-184,-21 36,17-32,0 1,2-1,-1 1,2 0,0 1,1 0,0 0,1 0,1 0,-2 23,4-23,2-1,0 1,1-1,0 1,1-1,1 0,0 0,1-1,0 1,1-1,0 0,2 0,-1-1,1 0,15 16,-3-7,1-1,1 0,0-2,1-1,1-1,49 25,-1-5,141 49,-162-68,276 79,-266-83,-1-2,1-3,96 1,1040-13,-880 4,-305 0,1 0,0-1,-1-1,1 0,-1-1,1-1,-1 0,0 0,0-1,-1 0,1-1,-1-1,15-11,-12 6,-1 0,0-1,-1-1,-1 0,0 0,0-2,-2 1,16-33,62-104,-41 77,-29 49,2 0,38-39,-32 37,35-49,-32 35,100-146,-119 175,0-1,0 0,-2-1,0 0,-1 0,0-1,-1 1,-1-1,5-30,-5-4,-3-94,-3 103,1 2</inkml:trace>
-</inkml:ink>
-</file>
-
-<file path=ppt/ink/ink64.xml><?xml version="1.0" encoding="utf-8"?>
-<inkml:ink xmlns:inkml="http://www.w3.org/2003/InkML">
-  <inkml:definitions>
-    <inkml:context xml:id="ctx0">
-      <inkml:inkSource xml:id="inkSrc0">
-        <inkml:traceFormat>
-          <inkml:channel name="X" type="integer" min="-2.14748E9" max="2.14748E9" units="cm"/>
-          <inkml:channel name="Y" type="integer" min="-2.14748E9" max="2.14748E9" units="cm"/>
-        </inkml:traceFormat>
-        <inkml:channelProperties>
-          <inkml:channelProperty channel="X" name="resolution" value="1000" units="1/cm"/>
-          <inkml:channelProperty channel="Y" name="resolution" value="1000" units="1/cm"/>
-        </inkml:channelProperties>
-      </inkml:inkSource>
-      <inkml:timestamp xml:id="ts0" timeString="2021-09-10T07:26:15.104"/>
-    </inkml:context>
-    <inkml:brush xml:id="br0">
-      <inkml:brushProperty name="width" value="0.1" units="cm"/>
-      <inkml:brushProperty name="height" value="0.1" units="cm"/>
-      <inkml:brushProperty name="color" value="#333333"/>
-      <inkml:brushProperty name="ignorePressure" value="1"/>
-    </inkml:brush>
-  </inkml:definitions>
-  <inkml:trace contextRef="#ctx0" brushRef="#br0">0 642,'0'-6,"0"-15,6-3,9-11,14-11,21-18,7-3,2-3,2 4,11 7,-2 7,-6 7,-8 10,-13 6,-15 7</inkml:trace>
-</inkml:ink>
-</file>
-
-<file path=ppt/ink/ink65.xml><?xml version="1.0" encoding="utf-8"?>
-<inkml:ink xmlns:inkml="http://www.w3.org/2003/InkML">
-  <inkml:definitions>
-    <inkml:context xml:id="ctx0">
-      <inkml:inkSource xml:id="inkSrc0">
-        <inkml:traceFormat>
-          <inkml:channel name="X" type="integer" min="-2.14748E9" max="2.14748E9" units="cm"/>
-          <inkml:channel name="Y" type="integer" min="-2.14748E9" max="2.14748E9" units="cm"/>
-        </inkml:traceFormat>
-        <inkml:channelProperties>
-          <inkml:channelProperty channel="X" name="resolution" value="1000" units="1/cm"/>
-          <inkml:channelProperty channel="Y" name="resolution" value="1000" units="1/cm"/>
-        </inkml:channelProperties>
-      </inkml:inkSource>
-      <inkml:timestamp xml:id="ts0" timeString="2021-09-10T07:26:15.913"/>
-    </inkml:context>
-    <inkml:brush xml:id="br0">
-      <inkml:brushProperty name="width" value="0.1" units="cm"/>
-      <inkml:brushProperty name="height" value="0.1" units="cm"/>
-      <inkml:brushProperty name="color" value="#333333"/>
-      <inkml:brushProperty name="ignorePressure" value="1"/>
-    </inkml:brush>
-  </inkml:definitions>
-  <inkml:trace contextRef="#ctx0" brushRef="#br0">1 1,'0'6,"0"15,0 10,0 5,0 4,0 1,0 0,6-2,2 0,6-7,7-9,6-8,5-7,16-5,5-3,1-1,-3-1,-10 0</inkml:trace>
-</inkml:ink>
-</file>
-
-<file path=ppt/ink/ink66.xml><?xml version="1.0" encoding="utf-8"?>
-<inkml:ink xmlns:inkml="http://www.w3.org/2003/InkML">
-  <inkml:definitions>
-    <inkml:context xml:id="ctx0">
-      <inkml:inkSource xml:id="inkSrc0">
-        <inkml:traceFormat>
-          <inkml:channel name="X" type="integer" min="-2.14748E9" max="2.14748E9" units="cm"/>
-          <inkml:channel name="Y" type="integer" min="-2.14748E9" max="2.14748E9" units="cm"/>
-        </inkml:traceFormat>
-        <inkml:channelProperties>
-          <inkml:channelProperty channel="X" name="resolution" value="1000" units="1/cm"/>
-          <inkml:channelProperty channel="Y" name="resolution" value="1000" units="1/cm"/>
-        </inkml:channelProperties>
-      </inkml:inkSource>
-      <inkml:timestamp xml:id="ts0" timeString="2021-09-10T07:29:06.585"/>
-    </inkml:context>
-    <inkml:brush xml:id="br0">
-      <inkml:brushProperty name="width" value="0.1" units="cm"/>
-      <inkml:brushProperty name="height" value="0.1" units="cm"/>
-      <inkml:brushProperty name="color" value="#333333"/>
-      <inkml:brushProperty name="ignorePressure" value="1"/>
-    </inkml:brush>
-  </inkml:definitions>
-  <inkml:trace contextRef="#ctx0" brushRef="#br0">555 0,'-3'1,"0"-1,1 1,-1 0,0 0,1 0,-1 0,1 0,-1 1,1-1,0 1,-1-1,1 1,0 0,0 0,0 0,0 0,1 0,-1 1,-2 3,-28 56,26-48,-36 64,27-52,1 0,1 1,-13 41,-133 580,144-540,10-59,-18 74,10-80,3 1,1 0,-5 84,10-64,-4 0,-15 63,-11 93,15-57,-3 33,22-162</inkml:trace>
-</inkml:ink>
-</file>
-
-<file path=ppt/ink/ink67.xml><?xml version="1.0" encoding="utf-8"?>
-<inkml:ink xmlns:inkml="http://www.w3.org/2003/InkML">
-  <inkml:definitions>
-    <inkml:context xml:id="ctx0">
-      <inkml:inkSource xml:id="inkSrc0">
-        <inkml:traceFormat>
-          <inkml:channel name="X" type="integer" min="-2.14748E9" max="2.14748E9" units="cm"/>
-          <inkml:channel name="Y" type="integer" min="-2.14748E9" max="2.14748E9" units="cm"/>
-        </inkml:traceFormat>
-        <inkml:channelProperties>
-          <inkml:channelProperty channel="X" name="resolution" value="1000" units="1/cm"/>
-          <inkml:channelProperty channel="Y" name="resolution" value="1000" units="1/cm"/>
-        </inkml:channelProperties>
-      </inkml:inkSource>
-      <inkml:timestamp xml:id="ts0" timeString="2021-09-10T07:29:07.888"/>
-    </inkml:context>
-    <inkml:brush xml:id="br0">
-      <inkml:brushProperty name="width" value="0.1" units="cm"/>
-      <inkml:brushProperty name="height" value="0.1" units="cm"/>
-      <inkml:brushProperty name="color" value="#333333"/>
-      <inkml:brushProperty name="ignorePressure" value="1"/>
-    </inkml:brush>
-  </inkml:definitions>
-  <inkml:trace contextRef="#ctx0" brushRef="#br0">297 0,'-1'11,"-1"-1,0 0,-1 0,0 0,-8 16,-2 11,-23 109,-3 13,-59 187,79-260,4 1,-3 94,2 43,-4 124,21 323,-1-660,1-1,-1 1,2 0,2 11,4 1</inkml:trace>
-</inkml:ink>
-</file>
-
-<file path=ppt/ink/ink68.xml><?xml version="1.0" encoding="utf-8"?>
-<inkml:ink xmlns:inkml="http://www.w3.org/2003/InkML">
-  <inkml:definitions>
-    <inkml:context xml:id="ctx0">
-      <inkml:inkSource xml:id="inkSrc0">
-        <inkml:traceFormat>
-          <inkml:channel name="X" type="integer" min="-2.14748E9" max="2.14748E9" units="cm"/>
-          <inkml:channel name="Y" type="integer" min="-2.14748E9" max="2.14748E9" units="cm"/>
-        </inkml:traceFormat>
-        <inkml:channelProperties>
-          <inkml:channelProperty channel="X" name="resolution" value="1000" units="1/cm"/>
-          <inkml:channelProperty channel="Y" name="resolution" value="1000" units="1/cm"/>
-        </inkml:channelProperties>
-      </inkml:inkSource>
-      <inkml:timestamp xml:id="ts0" timeString="2021-09-10T07:29:09.078"/>
-    </inkml:context>
-    <inkml:brush xml:id="br0">
-      <inkml:brushProperty name="width" value="0.1" units="cm"/>
-      <inkml:brushProperty name="height" value="0.1" units="cm"/>
-      <inkml:brushProperty name="color" value="#333333"/>
-      <inkml:brushProperty name="ignorePressure" value="1"/>
-    </inkml:brush>
-  </inkml:definitions>
-  <inkml:trace contextRef="#ctx0" brushRef="#br0">0 1,'1'22,"1"0,1 0,1-1,1 1,0-1,13 29,62 120,-41-93,-36-70,1 1,0-1,0 0,1-1,0 1,0-1,0 1,1-2,7 7,-11-10,1-1,0 1,0-1,0 1,0-1,0 0,0 0,0 0,0-1,0 1,1-1,-1 0,0 0,0 0,0 0,1 0,-1-1,0 1,0-1,0 0,0 0,0 0,0-1,0 1,4-3,20-14,-1 0,-1-2,-1-1,23-24,-35 33,11-14,-1 0,-1-1,-1-1,24-46,-26 42</inkml:trace>
-</inkml:ink>
-</file>
-
-<file path=ppt/ink/ink69.xml><?xml version="1.0" encoding="utf-8"?>
+<file path=ppt/ink/ink70.xml><?xml version="1.0" encoding="utf-8"?>
 <inkml:ink xmlns:inkml="http://www.w3.org/2003/InkML">
   <inkml:definitions>
     <inkml:context xml:id="ctx0">
@@ -2057,7 +2217,250 @@
 </inkml:ink>
 </file>
 
-<file path=ppt/ink/ink7.xml><?xml version="1.0" encoding="utf-8"?>
+<file path=ppt/ink/ink71.xml><?xml version="1.0" encoding="utf-8"?>
+<inkml:ink xmlns:inkml="http://www.w3.org/2003/InkML">
+  <inkml:definitions>
+    <inkml:context xml:id="ctx0">
+      <inkml:inkSource xml:id="inkSrc0">
+        <inkml:traceFormat>
+          <inkml:channel name="X" type="integer" min="-2.14748E9" max="2.14748E9" units="cm"/>
+          <inkml:channel name="Y" type="integer" min="-2.14748E9" max="2.14748E9" units="cm"/>
+        </inkml:traceFormat>
+        <inkml:channelProperties>
+          <inkml:channelProperty channel="X" name="resolution" value="1000" units="1/cm"/>
+          <inkml:channelProperty channel="Y" name="resolution" value="1000" units="1/cm"/>
+        </inkml:channelProperties>
+      </inkml:inkSource>
+      <inkml:timestamp xml:id="ts0" timeString="2021-09-10T07:29:48.885"/>
+    </inkml:context>
+    <inkml:brush xml:id="br0">
+      <inkml:brushProperty name="width" value="0.1" units="cm"/>
+      <inkml:brushProperty name="height" value="0.1" units="cm"/>
+      <inkml:brushProperty name="color" value="#333333"/>
+      <inkml:brushProperty name="ignorePressure" value="1"/>
+    </inkml:brush>
+  </inkml:definitions>
+  <inkml:trace contextRef="#ctx0" brushRef="#br0">2731 77,'-90'-1,"-159"-21,185 15,-79 1,84 5,-104-15,50 2,0 5,-191 8,127 4,3-6,-195 7,356-2,1 0,-1 1,1 1,0 0,0 0,1 1,-1 1,1 0,-20 14,-9 10,-41 41,62-53,-117 122,8-7,115-120,0 1,0 0,2 1,0 1,0 0,2 0,-9 19,4 0,1 0,-13 58,18-45,3-1,1 1,3 0,5 52,-1 2,-2-80,1-1,1 0,0 0,2 0,1-1,0 0,10 21,73 129,-64-125,-15-30,-1 1,2-1,0-1,1 0,0-1,1 0,1 0,0-2,0 0,1 0,1-1,0-1,0-1,0 0,1-1,0-1,1-1,31 6,73 9,1-5,180-1,840-16,-1113 2,-1-1,0-2,0-1,0-1,0-2,29-10,-45 12,0 0,0-1,0-1,0 0,-1-1,-1 0,1-1,-1 0,-1-1,1 0,-2 0,0-1,0-1,9-15,132-202,-62 100,-47 66,46-94,-76 132,-1 0,0-1,-2-1,-2 0,0 0,-1 0,1-33,-7-209,-1 103,2 152,-1 1,0-1,0 1,-2-1,0 1,-4-14,4 21,1-1,-1 1,-1 0,1 0,-1 0,0 1,0-1,-1 1,1 0,-1 0,-1 0,1 1,-11-7,-18-9,0 1,-65-25,63 32</inkml:trace>
+</inkml:ink>
+</file>
+
+<file path=ppt/ink/ink72.xml><?xml version="1.0" encoding="utf-8"?>
+<inkml:ink xmlns:inkml="http://www.w3.org/2003/InkML">
+  <inkml:definitions>
+    <inkml:context xml:id="ctx0">
+      <inkml:inkSource xml:id="inkSrc0">
+        <inkml:traceFormat>
+          <inkml:channel name="X" type="integer" min="-2.14748E9" max="2.14748E9" units="cm"/>
+          <inkml:channel name="Y" type="integer" min="-2.14748E9" max="2.14748E9" units="cm"/>
+        </inkml:traceFormat>
+        <inkml:channelProperties>
+          <inkml:channelProperty channel="X" name="resolution" value="1000" units="1/cm"/>
+          <inkml:channelProperty channel="Y" name="resolution" value="1000" units="1/cm"/>
+        </inkml:channelProperties>
+      </inkml:inkSource>
+      <inkml:timestamp xml:id="ts0" timeString="2021-09-10T07:29:51.306"/>
+    </inkml:context>
+    <inkml:brush xml:id="br0">
+      <inkml:brushProperty name="width" value="0.1" units="cm"/>
+      <inkml:brushProperty name="height" value="0.1" units="cm"/>
+      <inkml:brushProperty name="color" value="#333333"/>
+      <inkml:brushProperty name="ignorePressure" value="1"/>
+    </inkml:brush>
+  </inkml:definitions>
+  <inkml:trace contextRef="#ctx0" brushRef="#br0">1433 40,'-72'-3,"-76"-14,77 8,-82-1,151 10,-184 7,162-4,0 1,1 1,0 1,0 0,-39 19,23-9,-1-1,-52 12,49-15,-76 30,103-34,-17 8,0-1,-1-2,-1-1,-69 14,71-22</inkml:trace>
+</inkml:ink>
+</file>
+
+<file path=ppt/ink/ink73.xml><?xml version="1.0" encoding="utf-8"?>
+<inkml:ink xmlns:inkml="http://www.w3.org/2003/InkML">
+  <inkml:definitions>
+    <inkml:context xml:id="ctx0">
+      <inkml:inkSource xml:id="inkSrc0">
+        <inkml:traceFormat>
+          <inkml:channel name="X" type="integer" min="-2.14748E9" max="2.14748E9" units="cm"/>
+          <inkml:channel name="Y" type="integer" min="-2.14748E9" max="2.14748E9" units="cm"/>
+        </inkml:traceFormat>
+        <inkml:channelProperties>
+          <inkml:channelProperty channel="X" name="resolution" value="1000" units="1/cm"/>
+          <inkml:channelProperty channel="Y" name="resolution" value="1000" units="1/cm"/>
+        </inkml:channelProperties>
+      </inkml:inkSource>
+      <inkml:timestamp xml:id="ts0" timeString="2021-09-10T07:29:52.236"/>
+    </inkml:context>
+    <inkml:brush xml:id="br0">
+      <inkml:brushProperty name="width" value="0.1" units="cm"/>
+      <inkml:brushProperty name="height" value="0.1" units="cm"/>
+      <inkml:brushProperty name="color" value="#333333"/>
+      <inkml:brushProperty name="ignorePressure" value="1"/>
+    </inkml:brush>
+  </inkml:definitions>
+  <inkml:trace contextRef="#ctx0" brushRef="#br0">2 1,'-2'103,"5"115,-3-214,0 0,0 0,1-1,-1 1,1 0,0-1,0 1,1-1,-1 1,1-1,-1 1,1-1,0 0,0 0,1 0,-1 0,1 0,-1 0,1-1,0 0,0 1,0-1,5 3,0-2,1 0,0-1,-1 0,1 0,0-1,0 0,0 0,16-2,-16 0,-1 1,1 0,0 1,0 0,0 0,-1 1,1 0,-1 0,12 6,5 6</inkml:trace>
+</inkml:ink>
+</file>
+
+<file path=ppt/ink/ink74.xml><?xml version="1.0" encoding="utf-8"?>
+<inkml:ink xmlns:inkml="http://www.w3.org/2003/InkML">
+  <inkml:definitions>
+    <inkml:context xml:id="ctx0">
+      <inkml:inkSource xml:id="inkSrc0">
+        <inkml:traceFormat>
+          <inkml:channel name="X" type="integer" min="-2.14748E9" max="2.14748E9" units="cm"/>
+          <inkml:channel name="Y" type="integer" min="-2.14748E9" max="2.14748E9" units="cm"/>
+        </inkml:traceFormat>
+        <inkml:channelProperties>
+          <inkml:channelProperty channel="X" name="resolution" value="1000" units="1/cm"/>
+          <inkml:channelProperty channel="Y" name="resolution" value="1000" units="1/cm"/>
+        </inkml:channelProperties>
+      </inkml:inkSource>
+      <inkml:timestamp xml:id="ts0" timeString="2021-09-10T07:29:53.223"/>
+    </inkml:context>
+    <inkml:brush xml:id="br0">
+      <inkml:brushProperty name="width" value="0.1" units="cm"/>
+      <inkml:brushProperty name="height" value="0.1" units="cm"/>
+      <inkml:brushProperty name="color" value="#333333"/>
+      <inkml:brushProperty name="ignorePressure" value="1"/>
+    </inkml:brush>
+  </inkml:definitions>
+  <inkml:trace contextRef="#ctx0" brushRef="#br0">0 346,'1'-5,"0"-1,0 0,1 1,-1-1,1 1,1 0,-1-1,1 1,0 0,0 0,0 1,1-1,-1 1,1-1,0 1,1 1,5-6,9-5,0 0,40-21,-11 13,0 2,2 3,96-22,-116 31,45-19,-54 18,-1 1,1 1,1 1,-1 1,27-3,182 9,-151 3,91-9,-140 0,-7-4</inkml:trace>
+</inkml:ink>
+</file>
+
+<file path=ppt/ink/ink75.xml><?xml version="1.0" encoding="utf-8"?>
+<inkml:ink xmlns:inkml="http://www.w3.org/2003/InkML">
+  <inkml:definitions>
+    <inkml:context xml:id="ctx0">
+      <inkml:inkSource xml:id="inkSrc0">
+        <inkml:traceFormat>
+          <inkml:channel name="X" type="integer" min="-2.14748E9" max="2.14748E9" units="cm"/>
+          <inkml:channel name="Y" type="integer" min="-2.14748E9" max="2.14748E9" units="cm"/>
+        </inkml:traceFormat>
+        <inkml:channelProperties>
+          <inkml:channelProperty channel="X" name="resolution" value="1000" units="1/cm"/>
+          <inkml:channelProperty channel="Y" name="resolution" value="1000" units="1/cm"/>
+        </inkml:channelProperties>
+      </inkml:inkSource>
+      <inkml:timestamp xml:id="ts0" timeString="2021-09-10T07:29:54.009"/>
+    </inkml:context>
+    <inkml:brush xml:id="br0">
+      <inkml:brushProperty name="width" value="0.1" units="cm"/>
+      <inkml:brushProperty name="height" value="0.1" units="cm"/>
+      <inkml:brushProperty name="color" value="#333333"/>
+      <inkml:brushProperty name="ignorePressure" value="1"/>
+    </inkml:brush>
+  </inkml:definitions>
+  <inkml:trace contextRef="#ctx0" brushRef="#br0">1 0,'0'2,"1"0,-1 0,1 0,0-1,-1 1,1 0,0-1,0 1,0 0,0-1,0 1,1-1,-1 1,0-1,1 0,-1 0,1 1,0-1,2 1,38 19,-35-18,57 28,55 21,-114-50,0 0,0 1,0-1,-1 1,1-1,-1 1,0 1,0-1,0 1,0-1,-1 1,1 0,-1 1,0-1,0 0,0 1,-1 0,0-1,0 1,0 0,0 0,-1 0,1 7,1 10,-1 1,-1-1,-1 1,-4 28,1-4,1-8</inkml:trace>
+</inkml:ink>
+</file>
+
+<file path=ppt/ink/ink76.xml><?xml version="1.0" encoding="utf-8"?>
+<inkml:ink xmlns:inkml="http://www.w3.org/2003/InkML">
+  <inkml:definitions>
+    <inkml:context xml:id="ctx0">
+      <inkml:inkSource xml:id="inkSrc0">
+        <inkml:traceFormat>
+          <inkml:channel name="X" type="integer" min="-2.14748E9" max="2.14748E9" units="cm"/>
+          <inkml:channel name="Y" type="integer" min="-2.14748E9" max="2.14748E9" units="cm"/>
+        </inkml:traceFormat>
+        <inkml:channelProperties>
+          <inkml:channelProperty channel="X" name="resolution" value="1000" units="1/cm"/>
+          <inkml:channelProperty channel="Y" name="resolution" value="1000" units="1/cm"/>
+        </inkml:channelProperties>
+      </inkml:inkSource>
+      <inkml:timestamp xml:id="ts0" timeString="2021-09-10T07:29:56.548"/>
+    </inkml:context>
+    <inkml:brush xml:id="br0">
+      <inkml:brushProperty name="width" value="0.1" units="cm"/>
+      <inkml:brushProperty name="height" value="0.1" units="cm"/>
+      <inkml:brushProperty name="color" value="#333333"/>
+      <inkml:brushProperty name="ignorePressure" value="1"/>
+    </inkml:brush>
+  </inkml:definitions>
+  <inkml:trace contextRef="#ctx0" brushRef="#br0">1955 263,'0'-2,"-1"1,1-1,-1 1,1-1,-1 1,0 0,1-1,-1 1,0 0,0 0,0 0,0 0,0-1,0 1,-1 1,1-1,-2-2,-32-17,14 8,-2-6,0 1,-1 1,-1 1,-1 1,0 2,-1 0,0 2,-31-7,-58-15,85 21,-1 2,-1 1,-50-5,-280 11,174 5,125-3,1 2,-105 19,135-15,0 2,1 2,0 0,1 3,0 0,1 2,1 1,0 2,-44 35,65-45,0 0,1 1,0 0,0 0,1 1,0-1,1 1,0 1,1-1,0 1,0 0,-2 15,-1 15,1 0,1 47,-4 29,-2-31,3 0,3 1,10 114,-2-186,0-1,1 0,0 0,1 0,1 0,0-1,1 0,0 0,1-1,1 0,0 0,0-1,1 0,1-1,0 0,12 9,2 0,1-1,0-1,2-1,0-1,0-2,46 15,28 5,2-4,1-5,129 12,-133-28,1-4,173-18,-211 2,0-4,-2-2,0-3,-1-3,88-49,-133 63,-1 0,0-2,-1 0,-1-1,0 0,0-1,-1 0,15-25,38-41,-55 70,0-1,-1 0,0 0,-1 0,0-1,-1-1,0 1,-1-1,5-16,-8 21,11-27,-2 0,-2-1,-1-1,-2 1,5-69,-10 58,-3-1,-2 1,-1 0,-3 1,-13-49,15 80,0 1,-1 0,0 0,-1 0,-1 1,0 0,-1 1,-14-17,14 20,0 1,0 1,0-1,-1 2,0-1,-1 1,1 1,-1 0,0 0,-1 1,1 0,-14-1,-8-1</inkml:trace>
+</inkml:ink>
+</file>
+
+<file path=ppt/ink/ink77.xml><?xml version="1.0" encoding="utf-8"?>
+<inkml:ink xmlns:inkml="http://www.w3.org/2003/InkML">
+  <inkml:definitions>
+    <inkml:context xml:id="ctx0">
+      <inkml:inkSource xml:id="inkSrc0">
+        <inkml:traceFormat>
+          <inkml:channel name="X" type="integer" min="-2.14748E9" max="2.14748E9" units="cm"/>
+          <inkml:channel name="Y" type="integer" min="-2.14748E9" max="2.14748E9" units="cm"/>
+        </inkml:traceFormat>
+        <inkml:channelProperties>
+          <inkml:channelProperty channel="X" name="resolution" value="1000" units="1/cm"/>
+          <inkml:channelProperty channel="Y" name="resolution" value="1000" units="1/cm"/>
+        </inkml:channelProperties>
+      </inkml:inkSource>
+      <inkml:timestamp xml:id="ts0" timeString="2021-09-10T07:29:58.574"/>
+    </inkml:context>
+    <inkml:brush xml:id="br0">
+      <inkml:brushProperty name="width" value="0.1" units="cm"/>
+      <inkml:brushProperty name="height" value="0.1" units="cm"/>
+      <inkml:brushProperty name="color" value="#333333"/>
+      <inkml:brushProperty name="ignorePressure" value="1"/>
+    </inkml:brush>
+  </inkml:definitions>
+  <inkml:trace contextRef="#ctx0" brushRef="#br0">0 0,'1'0,"1"1,-1-1,0 0,0 0,0 1,0-1,0 1,0-1,0 1,0 0,0-1,0 1,0 0,0 0,0 0,0 0,0-1,-1 1,1 0,0 0,-1 0,1 1,-1-1,1 0,-1 0,1 1,8 38,-7-28,61 384,-59-356,1 1,3-1,1 0,1-1,3 0,1-1,37 70,2-17,-16-25,83 112,-98-151</inkml:trace>
+</inkml:ink>
+</file>
+
+<file path=ppt/ink/ink78.xml><?xml version="1.0" encoding="utf-8"?>
+<inkml:ink xmlns:inkml="http://www.w3.org/2003/InkML">
+  <inkml:definitions>
+    <inkml:context xml:id="ctx0">
+      <inkml:inkSource xml:id="inkSrc0">
+        <inkml:traceFormat>
+          <inkml:channel name="X" type="integer" min="-2.14748E9" max="2.14748E9" units="cm"/>
+          <inkml:channel name="Y" type="integer" min="-2.14748E9" max="2.14748E9" units="cm"/>
+        </inkml:traceFormat>
+        <inkml:channelProperties>
+          <inkml:channelProperty channel="X" name="resolution" value="1000" units="1/cm"/>
+          <inkml:channelProperty channel="Y" name="resolution" value="1000" units="1/cm"/>
+        </inkml:channelProperties>
+      </inkml:inkSource>
+      <inkml:timestamp xml:id="ts0" timeString="2021-09-10T07:29:59.539"/>
+    </inkml:context>
+    <inkml:brush xml:id="br0">
+      <inkml:brushProperty name="width" value="0.1" units="cm"/>
+      <inkml:brushProperty name="height" value="0.1" units="cm"/>
+      <inkml:brushProperty name="color" value="#333333"/>
+      <inkml:brushProperty name="ignorePressure" value="1"/>
+    </inkml:brush>
+  </inkml:definitions>
+  <inkml:trace contextRef="#ctx0" brushRef="#br0">1 353,'0'-9,"1"-1,0 1,0 0,1-1,1 1,-1 0,2 0,-1 0,1 1,5-10,6-5,1 0,20-22,9-11,-41 50,4-6,0 1,2 0,-1 0,19-16,-25 25,0 0,-1 0,1 0,0 1,0-1,0 1,1-1,-1 1,0 0,0 0,1 1,-1-1,1 1,-1 0,0 0,1 0,-1 0,1 0,-1 1,0-1,1 1,-1 0,0 0,0 0,4 3,24 13,43 32,3 2,-45-33</inkml:trace>
+</inkml:ink>
+</file>
+
+<file path=ppt/ink/ink79.xml><?xml version="1.0" encoding="utf-8"?>
+<inkml:ink xmlns:inkml="http://www.w3.org/2003/InkML">
+  <inkml:definitions>
+    <inkml:context xml:id="ctx0">
+      <inkml:inkSource xml:id="inkSrc0">
+        <inkml:traceFormat>
+          <inkml:channel name="X" type="integer" min="-2.14748E9" max="2.14748E9" units="cm"/>
+          <inkml:channel name="Y" type="integer" min="-2.14748E9" max="2.14748E9" units="cm"/>
+        </inkml:traceFormat>
+        <inkml:channelProperties>
+          <inkml:channelProperty channel="X" name="resolution" value="1000" units="1/cm"/>
+          <inkml:channelProperty channel="Y" name="resolution" value="1000" units="1/cm"/>
+        </inkml:channelProperties>
+      </inkml:inkSource>
+      <inkml:timestamp xml:id="ts0" timeString="2021-09-10T07:30:00.408"/>
+    </inkml:context>
+    <inkml:brush xml:id="br0">
+      <inkml:brushProperty name="width" value="0.1" units="cm"/>
+      <inkml:brushProperty name="height" value="0.1" units="cm"/>
+      <inkml:brushProperty name="color" value="#333333"/>
+      <inkml:brushProperty name="ignorePressure" value="1"/>
+    </inkml:brush>
+  </inkml:definitions>
+  <inkml:trace contextRef="#ctx0" brushRef="#br0">1 1,'1'0,"1"1,0 0,-1 0,1-1,-1 1,1 0,-1 0,1 0,-1 0,0 1,1-1,-1 0,0 1,0-1,0 0,0 1,0-1,0 1,1 3,16 37,-16-37,35 113,10 27,-40-130,0-1,0 0,1 0,1-1,0 0,1 0,16 16,-25-28,19 20,1-2,1 0,1-1,0-1,1-1,35 17,-29-22</inkml:trace>
+</inkml:ink>
+</file>
+
+<file path=ppt/ink/ink8.xml><?xml version="1.0" encoding="utf-8"?>
 <inkml:ink xmlns:inkml="http://www.w3.org/2003/InkML">
   <inkml:definitions>
     <inkml:context xml:id="ctx0">
@@ -2084,250 +2487,7 @@
 </inkml:ink>
 </file>
 
-<file path=ppt/ink/ink70.xml><?xml version="1.0" encoding="utf-8"?>
-<inkml:ink xmlns:inkml="http://www.w3.org/2003/InkML">
-  <inkml:definitions>
-    <inkml:context xml:id="ctx0">
-      <inkml:inkSource xml:id="inkSrc0">
-        <inkml:traceFormat>
-          <inkml:channel name="X" type="integer" min="-2.14748E9" max="2.14748E9" units="cm"/>
-          <inkml:channel name="Y" type="integer" min="-2.14748E9" max="2.14748E9" units="cm"/>
-        </inkml:traceFormat>
-        <inkml:channelProperties>
-          <inkml:channelProperty channel="X" name="resolution" value="1000" units="1/cm"/>
-          <inkml:channelProperty channel="Y" name="resolution" value="1000" units="1/cm"/>
-        </inkml:channelProperties>
-      </inkml:inkSource>
-      <inkml:timestamp xml:id="ts0" timeString="2021-09-10T07:29:48.885"/>
-    </inkml:context>
-    <inkml:brush xml:id="br0">
-      <inkml:brushProperty name="width" value="0.1" units="cm"/>
-      <inkml:brushProperty name="height" value="0.1" units="cm"/>
-      <inkml:brushProperty name="color" value="#333333"/>
-      <inkml:brushProperty name="ignorePressure" value="1"/>
-    </inkml:brush>
-  </inkml:definitions>
-  <inkml:trace contextRef="#ctx0" brushRef="#br0">2731 77,'-90'-1,"-159"-21,185 15,-79 1,84 5,-104-15,50 2,0 5,-191 8,127 4,3-6,-195 7,356-2,1 0,-1 1,1 1,0 0,0 0,1 1,-1 1,1 0,-20 14,-9 10,-41 41,62-53,-117 122,8-7,115-120,0 1,0 0,2 1,0 1,0 0,2 0,-9 19,4 0,1 0,-13 58,18-45,3-1,1 1,3 0,5 52,-1 2,-2-80,1-1,1 0,0 0,2 0,1-1,0 0,10 21,73 129,-64-125,-15-30,-1 1,2-1,0-1,1 0,0-1,1 0,1 0,0-2,0 0,1 0,1-1,0-1,0-1,0 0,1-1,0-1,1-1,31 6,73 9,1-5,180-1,840-16,-1113 2,-1-1,0-2,0-1,0-1,0-2,29-10,-45 12,0 0,0-1,0-1,0 0,-1-1,-1 0,1-1,-1 0,-1-1,1 0,-2 0,0-1,0-1,9-15,132-202,-62 100,-47 66,46-94,-76 132,-1 0,0-1,-2-1,-2 0,0 0,-1 0,1-33,-7-209,-1 103,2 152,-1 1,0-1,0 1,-2-1,0 1,-4-14,4 21,1-1,-1 1,-1 0,1 0,-1 0,0 1,0-1,-1 1,1 0,-1 0,-1 0,1 1,-11-7,-18-9,0 1,-65-25,63 32</inkml:trace>
-</inkml:ink>
-</file>
-
-<file path=ppt/ink/ink71.xml><?xml version="1.0" encoding="utf-8"?>
-<inkml:ink xmlns:inkml="http://www.w3.org/2003/InkML">
-  <inkml:definitions>
-    <inkml:context xml:id="ctx0">
-      <inkml:inkSource xml:id="inkSrc0">
-        <inkml:traceFormat>
-          <inkml:channel name="X" type="integer" min="-2.14748E9" max="2.14748E9" units="cm"/>
-          <inkml:channel name="Y" type="integer" min="-2.14748E9" max="2.14748E9" units="cm"/>
-        </inkml:traceFormat>
-        <inkml:channelProperties>
-          <inkml:channelProperty channel="X" name="resolution" value="1000" units="1/cm"/>
-          <inkml:channelProperty channel="Y" name="resolution" value="1000" units="1/cm"/>
-        </inkml:channelProperties>
-      </inkml:inkSource>
-      <inkml:timestamp xml:id="ts0" timeString="2021-09-10T07:29:51.306"/>
-    </inkml:context>
-    <inkml:brush xml:id="br0">
-      <inkml:brushProperty name="width" value="0.1" units="cm"/>
-      <inkml:brushProperty name="height" value="0.1" units="cm"/>
-      <inkml:brushProperty name="color" value="#333333"/>
-      <inkml:brushProperty name="ignorePressure" value="1"/>
-    </inkml:brush>
-  </inkml:definitions>
-  <inkml:trace contextRef="#ctx0" brushRef="#br0">1433 40,'-72'-3,"-76"-14,77 8,-82-1,151 10,-184 7,162-4,0 1,1 1,0 1,0 0,-39 19,23-9,-1-1,-52 12,49-15,-76 30,103-34,-17 8,0-1,-1-2,-1-1,-69 14,71-22</inkml:trace>
-</inkml:ink>
-</file>
-
-<file path=ppt/ink/ink72.xml><?xml version="1.0" encoding="utf-8"?>
-<inkml:ink xmlns:inkml="http://www.w3.org/2003/InkML">
-  <inkml:definitions>
-    <inkml:context xml:id="ctx0">
-      <inkml:inkSource xml:id="inkSrc0">
-        <inkml:traceFormat>
-          <inkml:channel name="X" type="integer" min="-2.14748E9" max="2.14748E9" units="cm"/>
-          <inkml:channel name="Y" type="integer" min="-2.14748E9" max="2.14748E9" units="cm"/>
-        </inkml:traceFormat>
-        <inkml:channelProperties>
-          <inkml:channelProperty channel="X" name="resolution" value="1000" units="1/cm"/>
-          <inkml:channelProperty channel="Y" name="resolution" value="1000" units="1/cm"/>
-        </inkml:channelProperties>
-      </inkml:inkSource>
-      <inkml:timestamp xml:id="ts0" timeString="2021-09-10T07:29:52.236"/>
-    </inkml:context>
-    <inkml:brush xml:id="br0">
-      <inkml:brushProperty name="width" value="0.1" units="cm"/>
-      <inkml:brushProperty name="height" value="0.1" units="cm"/>
-      <inkml:brushProperty name="color" value="#333333"/>
-      <inkml:brushProperty name="ignorePressure" value="1"/>
-    </inkml:brush>
-  </inkml:definitions>
-  <inkml:trace contextRef="#ctx0" brushRef="#br0">2 1,'-2'103,"5"115,-3-214,0 0,0 0,1-1,-1 1,1 0,0-1,0 1,1-1,-1 1,1-1,-1 1,1-1,0 0,0 0,1 0,-1 0,1 0,-1 0,1-1,0 0,0 1,0-1,5 3,0-2,1 0,0-1,-1 0,1 0,0-1,0 0,0 0,16-2,-16 0,-1 1,1 0,0 1,0 0,0 0,-1 1,1 0,-1 0,12 6,5 6</inkml:trace>
-</inkml:ink>
-</file>
-
-<file path=ppt/ink/ink73.xml><?xml version="1.0" encoding="utf-8"?>
-<inkml:ink xmlns:inkml="http://www.w3.org/2003/InkML">
-  <inkml:definitions>
-    <inkml:context xml:id="ctx0">
-      <inkml:inkSource xml:id="inkSrc0">
-        <inkml:traceFormat>
-          <inkml:channel name="X" type="integer" min="-2.14748E9" max="2.14748E9" units="cm"/>
-          <inkml:channel name="Y" type="integer" min="-2.14748E9" max="2.14748E9" units="cm"/>
-        </inkml:traceFormat>
-        <inkml:channelProperties>
-          <inkml:channelProperty channel="X" name="resolution" value="1000" units="1/cm"/>
-          <inkml:channelProperty channel="Y" name="resolution" value="1000" units="1/cm"/>
-        </inkml:channelProperties>
-      </inkml:inkSource>
-      <inkml:timestamp xml:id="ts0" timeString="2021-09-10T07:29:53.223"/>
-    </inkml:context>
-    <inkml:brush xml:id="br0">
-      <inkml:brushProperty name="width" value="0.1" units="cm"/>
-      <inkml:brushProperty name="height" value="0.1" units="cm"/>
-      <inkml:brushProperty name="color" value="#333333"/>
-      <inkml:brushProperty name="ignorePressure" value="1"/>
-    </inkml:brush>
-  </inkml:definitions>
-  <inkml:trace contextRef="#ctx0" brushRef="#br0">0 346,'1'-5,"0"-1,0 0,1 1,-1-1,1 1,1 0,-1-1,1 1,0 0,0 0,0 1,1-1,-1 1,1-1,0 1,1 1,5-6,9-5,0 0,40-21,-11 13,0 2,2 3,96-22,-116 31,45-19,-54 18,-1 1,1 1,1 1,-1 1,27-3,182 9,-151 3,91-9,-140 0,-7-4</inkml:trace>
-</inkml:ink>
-</file>
-
-<file path=ppt/ink/ink74.xml><?xml version="1.0" encoding="utf-8"?>
-<inkml:ink xmlns:inkml="http://www.w3.org/2003/InkML">
-  <inkml:definitions>
-    <inkml:context xml:id="ctx0">
-      <inkml:inkSource xml:id="inkSrc0">
-        <inkml:traceFormat>
-          <inkml:channel name="X" type="integer" min="-2.14748E9" max="2.14748E9" units="cm"/>
-          <inkml:channel name="Y" type="integer" min="-2.14748E9" max="2.14748E9" units="cm"/>
-        </inkml:traceFormat>
-        <inkml:channelProperties>
-          <inkml:channelProperty channel="X" name="resolution" value="1000" units="1/cm"/>
-          <inkml:channelProperty channel="Y" name="resolution" value="1000" units="1/cm"/>
-        </inkml:channelProperties>
-      </inkml:inkSource>
-      <inkml:timestamp xml:id="ts0" timeString="2021-09-10T07:29:54.009"/>
-    </inkml:context>
-    <inkml:brush xml:id="br0">
-      <inkml:brushProperty name="width" value="0.1" units="cm"/>
-      <inkml:brushProperty name="height" value="0.1" units="cm"/>
-      <inkml:brushProperty name="color" value="#333333"/>
-      <inkml:brushProperty name="ignorePressure" value="1"/>
-    </inkml:brush>
-  </inkml:definitions>
-  <inkml:trace contextRef="#ctx0" brushRef="#br0">1 0,'0'2,"1"0,-1 0,1 0,0-1,-1 1,1 0,0-1,0 1,0 0,0-1,0 1,1-1,-1 1,0-1,1 0,-1 0,1 1,0-1,2 1,38 19,-35-18,57 28,55 21,-114-50,0 0,0 1,0-1,-1 1,1-1,-1 1,0 1,0-1,0 1,0-1,-1 1,1 0,-1 1,0-1,0 0,0 1,-1 0,0-1,0 1,0 0,0 0,-1 0,1 7,1 10,-1 1,-1-1,-1 1,-4 28,1-4,1-8</inkml:trace>
-</inkml:ink>
-</file>
-
-<file path=ppt/ink/ink75.xml><?xml version="1.0" encoding="utf-8"?>
-<inkml:ink xmlns:inkml="http://www.w3.org/2003/InkML">
-  <inkml:definitions>
-    <inkml:context xml:id="ctx0">
-      <inkml:inkSource xml:id="inkSrc0">
-        <inkml:traceFormat>
-          <inkml:channel name="X" type="integer" min="-2.14748E9" max="2.14748E9" units="cm"/>
-          <inkml:channel name="Y" type="integer" min="-2.14748E9" max="2.14748E9" units="cm"/>
-        </inkml:traceFormat>
-        <inkml:channelProperties>
-          <inkml:channelProperty channel="X" name="resolution" value="1000" units="1/cm"/>
-          <inkml:channelProperty channel="Y" name="resolution" value="1000" units="1/cm"/>
-        </inkml:channelProperties>
-      </inkml:inkSource>
-      <inkml:timestamp xml:id="ts0" timeString="2021-09-10T07:29:56.548"/>
-    </inkml:context>
-    <inkml:brush xml:id="br0">
-      <inkml:brushProperty name="width" value="0.1" units="cm"/>
-      <inkml:brushProperty name="height" value="0.1" units="cm"/>
-      <inkml:brushProperty name="color" value="#333333"/>
-      <inkml:brushProperty name="ignorePressure" value="1"/>
-    </inkml:brush>
-  </inkml:definitions>
-  <inkml:trace contextRef="#ctx0" brushRef="#br0">1955 263,'0'-2,"-1"1,1-1,-1 1,1-1,-1 1,0 0,1-1,-1 1,0 0,0 0,0 0,0 0,0-1,0 1,-1 1,1-1,-2-2,-32-17,14 8,-2-6,0 1,-1 1,-1 1,-1 1,0 2,-1 0,0 2,-31-7,-58-15,85 21,-1 2,-1 1,-50-5,-280 11,174 5,125-3,1 2,-105 19,135-15,0 2,1 2,0 0,1 3,0 0,1 2,1 1,0 2,-44 35,65-45,0 0,1 1,0 0,0 0,1 1,0-1,1 1,0 1,1-1,0 1,0 0,-2 15,-1 15,1 0,1 47,-4 29,-2-31,3 0,3 1,10 114,-2-186,0-1,1 0,0 0,1 0,1 0,0-1,1 0,0 0,1-1,1 0,0 0,0-1,1 0,1-1,0 0,12 9,2 0,1-1,0-1,2-1,0-1,0-2,46 15,28 5,2-4,1-5,129 12,-133-28,1-4,173-18,-211 2,0-4,-2-2,0-3,-1-3,88-49,-133 63,-1 0,0-2,-1 0,-1-1,0 0,0-1,-1 0,15-25,38-41,-55 70,0-1,-1 0,0 0,-1 0,0-1,-1-1,0 1,-1-1,5-16,-8 21,11-27,-2 0,-2-1,-1-1,-2 1,5-69,-10 58,-3-1,-2 1,-1 0,-3 1,-13-49,15 80,0 1,-1 0,0 0,-1 0,-1 1,0 0,-1 1,-14-17,14 20,0 1,0 1,0-1,-1 2,0-1,-1 1,1 1,-1 0,0 0,-1 1,1 0,-14-1,-8-1</inkml:trace>
-</inkml:ink>
-</file>
-
-<file path=ppt/ink/ink76.xml><?xml version="1.0" encoding="utf-8"?>
-<inkml:ink xmlns:inkml="http://www.w3.org/2003/InkML">
-  <inkml:definitions>
-    <inkml:context xml:id="ctx0">
-      <inkml:inkSource xml:id="inkSrc0">
-        <inkml:traceFormat>
-          <inkml:channel name="X" type="integer" min="-2.14748E9" max="2.14748E9" units="cm"/>
-          <inkml:channel name="Y" type="integer" min="-2.14748E9" max="2.14748E9" units="cm"/>
-        </inkml:traceFormat>
-        <inkml:channelProperties>
-          <inkml:channelProperty channel="X" name="resolution" value="1000" units="1/cm"/>
-          <inkml:channelProperty channel="Y" name="resolution" value="1000" units="1/cm"/>
-        </inkml:channelProperties>
-      </inkml:inkSource>
-      <inkml:timestamp xml:id="ts0" timeString="2021-09-10T07:29:58.574"/>
-    </inkml:context>
-    <inkml:brush xml:id="br0">
-      <inkml:brushProperty name="width" value="0.1" units="cm"/>
-      <inkml:brushProperty name="height" value="0.1" units="cm"/>
-      <inkml:brushProperty name="color" value="#333333"/>
-      <inkml:brushProperty name="ignorePressure" value="1"/>
-    </inkml:brush>
-  </inkml:definitions>
-  <inkml:trace contextRef="#ctx0" brushRef="#br0">0 0,'1'0,"1"1,-1-1,0 0,0 0,0 1,0-1,0 1,0-1,0 1,0 0,0-1,0 1,0 0,0 0,0 0,0 0,0-1,-1 1,1 0,0 0,-1 0,1 1,-1-1,1 0,-1 0,1 1,8 38,-7-28,61 384,-59-356,1 1,3-1,1 0,1-1,3 0,1-1,37 70,2-17,-16-25,83 112,-98-151</inkml:trace>
-</inkml:ink>
-</file>
-
-<file path=ppt/ink/ink77.xml><?xml version="1.0" encoding="utf-8"?>
-<inkml:ink xmlns:inkml="http://www.w3.org/2003/InkML">
-  <inkml:definitions>
-    <inkml:context xml:id="ctx0">
-      <inkml:inkSource xml:id="inkSrc0">
-        <inkml:traceFormat>
-          <inkml:channel name="X" type="integer" min="-2.14748E9" max="2.14748E9" units="cm"/>
-          <inkml:channel name="Y" type="integer" min="-2.14748E9" max="2.14748E9" units="cm"/>
-        </inkml:traceFormat>
-        <inkml:channelProperties>
-          <inkml:channelProperty channel="X" name="resolution" value="1000" units="1/cm"/>
-          <inkml:channelProperty channel="Y" name="resolution" value="1000" units="1/cm"/>
-        </inkml:channelProperties>
-      </inkml:inkSource>
-      <inkml:timestamp xml:id="ts0" timeString="2021-09-10T07:29:59.539"/>
-    </inkml:context>
-    <inkml:brush xml:id="br0">
-      <inkml:brushProperty name="width" value="0.1" units="cm"/>
-      <inkml:brushProperty name="height" value="0.1" units="cm"/>
-      <inkml:brushProperty name="color" value="#333333"/>
-      <inkml:brushProperty name="ignorePressure" value="1"/>
-    </inkml:brush>
-  </inkml:definitions>
-  <inkml:trace contextRef="#ctx0" brushRef="#br0">1 353,'0'-9,"1"-1,0 1,0 0,1-1,1 1,-1 0,2 0,-1 0,1 1,5-10,6-5,1 0,20-22,9-11,-41 50,4-6,0 1,2 0,-1 0,19-16,-25 25,0 0,-1 0,1 0,0 1,0-1,0 1,1-1,-1 1,0 0,0 0,1 1,-1-1,1 1,-1 0,0 0,1 0,-1 0,1 0,-1 1,0-1,1 1,-1 0,0 0,0 0,4 3,24 13,43 32,3 2,-45-33</inkml:trace>
-</inkml:ink>
-</file>
-
-<file path=ppt/ink/ink78.xml><?xml version="1.0" encoding="utf-8"?>
-<inkml:ink xmlns:inkml="http://www.w3.org/2003/InkML">
-  <inkml:definitions>
-    <inkml:context xml:id="ctx0">
-      <inkml:inkSource xml:id="inkSrc0">
-        <inkml:traceFormat>
-          <inkml:channel name="X" type="integer" min="-2.14748E9" max="2.14748E9" units="cm"/>
-          <inkml:channel name="Y" type="integer" min="-2.14748E9" max="2.14748E9" units="cm"/>
-        </inkml:traceFormat>
-        <inkml:channelProperties>
-          <inkml:channelProperty channel="X" name="resolution" value="1000" units="1/cm"/>
-          <inkml:channelProperty channel="Y" name="resolution" value="1000" units="1/cm"/>
-        </inkml:channelProperties>
-      </inkml:inkSource>
-      <inkml:timestamp xml:id="ts0" timeString="2021-09-10T07:30:00.408"/>
-    </inkml:context>
-    <inkml:brush xml:id="br0">
-      <inkml:brushProperty name="width" value="0.1" units="cm"/>
-      <inkml:brushProperty name="height" value="0.1" units="cm"/>
-      <inkml:brushProperty name="color" value="#333333"/>
-      <inkml:brushProperty name="ignorePressure" value="1"/>
-    </inkml:brush>
-  </inkml:definitions>
-  <inkml:trace contextRef="#ctx0" brushRef="#br0">1 1,'1'0,"1"1,0 0,-1 0,1-1,-1 1,1 0,-1 0,1 0,-1 0,0 1,1-1,-1 0,0 1,0-1,0 0,0 1,0-1,0 1,1 3,16 37,-16-37,35 113,10 27,-40-130,0-1,0 0,1 0,1-1,0 0,1 0,16 16,-25-28,19 20,1-2,1 0,1-1,0-1,1-1,35 17,-29-22</inkml:trace>
-</inkml:ink>
-</file>
-
-<file path=ppt/ink/ink79.xml><?xml version="1.0" encoding="utf-8"?>
+<file path=ppt/ink/ink80.xml><?xml version="1.0" encoding="utf-8"?>
 <inkml:ink xmlns:inkml="http://www.w3.org/2003/InkML">
   <inkml:definitions>
     <inkml:context xml:id="ctx0">
@@ -2354,7 +2514,250 @@
 </inkml:ink>
 </file>
 
-<file path=ppt/ink/ink8.xml><?xml version="1.0" encoding="utf-8"?>
+<file path=ppt/ink/ink81.xml><?xml version="1.0" encoding="utf-8"?>
+<inkml:ink xmlns:inkml="http://www.w3.org/2003/InkML">
+  <inkml:definitions>
+    <inkml:context xml:id="ctx0">
+      <inkml:inkSource xml:id="inkSrc0">
+        <inkml:traceFormat>
+          <inkml:channel name="X" type="integer" min="-2.14748E9" max="2.14748E9" units="cm"/>
+          <inkml:channel name="Y" type="integer" min="-2.14748E9" max="2.14748E9" units="cm"/>
+        </inkml:traceFormat>
+        <inkml:channelProperties>
+          <inkml:channelProperty channel="X" name="resolution" value="1000" units="1/cm"/>
+          <inkml:channelProperty channel="Y" name="resolution" value="1000" units="1/cm"/>
+        </inkml:channelProperties>
+      </inkml:inkSource>
+      <inkml:timestamp xml:id="ts0" timeString="2021-09-10T07:30:04.257"/>
+    </inkml:context>
+    <inkml:brush xml:id="br0">
+      <inkml:brushProperty name="width" value="0.1" units="cm"/>
+      <inkml:brushProperty name="height" value="0.1" units="cm"/>
+      <inkml:brushProperty name="color" value="#333333"/>
+      <inkml:brushProperty name="ignorePressure" value="1"/>
+    </inkml:brush>
+  </inkml:definitions>
+  <inkml:trace contextRef="#ctx0" brushRef="#br0">1696 80,'0'-1,"-1"-1,1 1,-1-1,1 1,-1 0,1-1,-1 1,0 0,0 0,1-1,-1 1,0 0,0 0,0 0,0 0,-1 0,1 0,0 0,0 1,-3-2,-29-14,27 14,-17-6,-1 1,-1 0,1 2,-1 1,-38-1,-132 7,78 1,54-3,-4-1,-90 11,134-6,0 0,0 1,1 1,0 2,0 0,0 1,-34 21,-123 97,-4 3,146-107,8-7,2 2,-49 39,69-50,0 0,0 0,1 1,0 0,0 0,0 0,1 1,1 0,0 0,0 0,0 0,1 1,-3 18,-8 172,4-132,4-1,2 1,6 84,0-140,0 0,0 0,2 0,-1 0,2-1,-1 0,2 0,-1 0,9 11,10 12,39 41,-12-15,-43-51,0 0,0-1,1 0,0 0,1-1,-1-1,1 1,1-2,-1 1,13 3,14 4,66 14,5 1,-80-19,0-2,1-1,0-1,30 0,120-3,27 2,459 26,-656-30,1 0,-1 0,0-1,0-1,0 0,0 0,0 0,9-5,-14 5,1-1,-1 0,0 0,0 0,0 0,0-1,-1 1,0-1,1 0,-1 0,0 0,-1-1,1 1,-1 0,0-1,2-6,61-224,-49 169,16-141,-17 90,-5 23,-5-178,-6 167,0 82,-1 1,-1-1,0 1,-2 0,0 0,-2 0,-1 1,0 0,-1 1,-1-1,-21-28,21 33,-2 1,0 1,-1 0,0 0,-1 1,0 1,-1 1,-1 0,0 0,0 2,-1 0,0 1,0 1,-20-6,6 5</inkml:trace>
+</inkml:ink>
+</file>
+
+<file path=ppt/ink/ink82.xml><?xml version="1.0" encoding="utf-8"?>
+<inkml:ink xmlns:inkml="http://www.w3.org/2003/InkML">
+  <inkml:definitions>
+    <inkml:context xml:id="ctx0">
+      <inkml:inkSource xml:id="inkSrc0">
+        <inkml:traceFormat>
+          <inkml:channel name="X" type="integer" min="-2.14748E9" max="2.14748E9" units="cm"/>
+          <inkml:channel name="Y" type="integer" min="-2.14748E9" max="2.14748E9" units="cm"/>
+        </inkml:traceFormat>
+        <inkml:channelProperties>
+          <inkml:channelProperty channel="X" name="resolution" value="1000" units="1/cm"/>
+          <inkml:channelProperty channel="Y" name="resolution" value="1000" units="1/cm"/>
+        </inkml:channelProperties>
+      </inkml:inkSource>
+      <inkml:timestamp xml:id="ts0" timeString="2021-09-10T07:30:07.564"/>
+    </inkml:context>
+    <inkml:brush xml:id="br0">
+      <inkml:brushProperty name="width" value="0.1" units="cm"/>
+      <inkml:brushProperty name="height" value="0.1" units="cm"/>
+      <inkml:brushProperty name="color" value="#333333"/>
+      <inkml:brushProperty name="ignorePressure" value="1"/>
+    </inkml:brush>
+  </inkml:definitions>
+  <inkml:trace contextRef="#ctx0" brushRef="#br0">1 1,'19'1,"-1"1,1 1,26 7,41 6,454-9,-310-10,-70 6,168-7,-292-2,-6-1</inkml:trace>
+</inkml:ink>
+</file>
+
+<file path=ppt/ink/ink83.xml><?xml version="1.0" encoding="utf-8"?>
+<inkml:ink xmlns:inkml="http://www.w3.org/2003/InkML">
+  <inkml:definitions>
+    <inkml:context xml:id="ctx0">
+      <inkml:inkSource xml:id="inkSrc0">
+        <inkml:traceFormat>
+          <inkml:channel name="X" type="integer" min="-2.14748E9" max="2.14748E9" units="cm"/>
+          <inkml:channel name="Y" type="integer" min="-2.14748E9" max="2.14748E9" units="cm"/>
+        </inkml:traceFormat>
+        <inkml:channelProperties>
+          <inkml:channelProperty channel="X" name="resolution" value="1000" units="1/cm"/>
+          <inkml:channelProperty channel="Y" name="resolution" value="1000" units="1/cm"/>
+        </inkml:channelProperties>
+      </inkml:inkSource>
+      <inkml:timestamp xml:id="ts0" timeString="2021-09-10T07:30:08.412"/>
+    </inkml:context>
+    <inkml:brush xml:id="br0">
+      <inkml:brushProperty name="width" value="0.1" units="cm"/>
+      <inkml:brushProperty name="height" value="0.1" units="cm"/>
+      <inkml:brushProperty name="color" value="#333333"/>
+      <inkml:brushProperty name="ignorePressure" value="1"/>
+    </inkml:brush>
+  </inkml:definitions>
+  <inkml:trace contextRef="#ctx0" brushRef="#br0">0 1,'7'6,"7"2,15 12,8 10,5-1,-6 0,5-3,-6-1,-2 1,-7 4,-7 2,-8 2,-11 2,-6 0,-8 1,-8 1,-7-7,2-9</inkml:trace>
+</inkml:ink>
+</file>
+
+<file path=ppt/ink/ink84.xml><?xml version="1.0" encoding="utf-8"?>
+<inkml:ink xmlns:inkml="http://www.w3.org/2003/InkML">
+  <inkml:definitions>
+    <inkml:context xml:id="ctx0">
+      <inkml:inkSource xml:id="inkSrc0">
+        <inkml:traceFormat>
+          <inkml:channel name="X" type="integer" min="-2.14748E9" max="2.14748E9" units="cm"/>
+          <inkml:channel name="Y" type="integer" min="-2.14748E9" max="2.14748E9" units="cm"/>
+        </inkml:traceFormat>
+        <inkml:channelProperties>
+          <inkml:channelProperty channel="X" name="resolution" value="1000" units="1/cm"/>
+          <inkml:channelProperty channel="Y" name="resolution" value="1000" units="1/cm"/>
+        </inkml:channelProperties>
+      </inkml:inkSource>
+      <inkml:timestamp xml:id="ts0" timeString="2021-09-10T07:30:09.429"/>
+    </inkml:context>
+    <inkml:brush xml:id="br0">
+      <inkml:brushProperty name="width" value="0.1" units="cm"/>
+      <inkml:brushProperty name="height" value="0.1" units="cm"/>
+      <inkml:brushProperty name="color" value="#333333"/>
+      <inkml:brushProperty name="ignorePressure" value="1"/>
+    </inkml:brush>
+  </inkml:definitions>
+  <inkml:trace contextRef="#ctx0" brushRef="#br0">0 0,'4'3,"-1"0,1 0,0-1,0 0,0 1,0-1,0-1,0 1,1 0,-1-1,8 1,55 5,-46-6,570 6,-326-10,244 3,-476 0</inkml:trace>
+</inkml:ink>
+</file>
+
+<file path=ppt/ink/ink85.xml><?xml version="1.0" encoding="utf-8"?>
+<inkml:ink xmlns:inkml="http://www.w3.org/2003/InkML">
+  <inkml:definitions>
+    <inkml:context xml:id="ctx0">
+      <inkml:inkSource xml:id="inkSrc0">
+        <inkml:traceFormat>
+          <inkml:channel name="X" type="integer" min="-2.14748E9" max="2.14748E9" units="cm"/>
+          <inkml:channel name="Y" type="integer" min="-2.14748E9" max="2.14748E9" units="cm"/>
+        </inkml:traceFormat>
+        <inkml:channelProperties>
+          <inkml:channelProperty channel="X" name="resolution" value="1000" units="1/cm"/>
+          <inkml:channelProperty channel="Y" name="resolution" value="1000" units="1/cm"/>
+        </inkml:channelProperties>
+      </inkml:inkSource>
+      <inkml:timestamp xml:id="ts0" timeString="2021-09-10T07:30:10.871"/>
+    </inkml:context>
+    <inkml:brush xml:id="br0">
+      <inkml:brushProperty name="width" value="0.1" units="cm"/>
+      <inkml:brushProperty name="height" value="0.1" units="cm"/>
+      <inkml:brushProperty name="color" value="#333333"/>
+      <inkml:brushProperty name="ignorePressure" value="1"/>
+    </inkml:brush>
+  </inkml:definitions>
+  <inkml:trace contextRef="#ctx0" brushRef="#br0">314 0,'-6'2,"1"0,0 0,-1 1,1 0,0 0,0 0,1 0,-1 1,1 0,-1 0,-3 5,-16 12,-155 111,176-130,0 0,-1 0,1 0,0 0,0 1,1 0,-1-1,0 1,1 0,0 0,0 0,0 1,0-1,0 1,1-1,-1 1,1-1,0 1,0 0,0-1,1 1,-1 0,1 0,0 0,0-1,0 1,0 0,1 0,0 0,0-1,0 1,0 0,0-1,1 1,0-1,-1 1,1-1,1 0,3 6,4 5,1-1,0 0,1-1,0 0,1 0,21 14,91 49,-38-26,-3-3,-49-31</inkml:trace>
+</inkml:ink>
+</file>
+
+<file path=ppt/ink/ink86.xml><?xml version="1.0" encoding="utf-8"?>
+<inkml:ink xmlns:inkml="http://www.w3.org/2003/InkML">
+  <inkml:definitions>
+    <inkml:context xml:id="ctx0">
+      <inkml:inkSource xml:id="inkSrc0">
+        <inkml:traceFormat>
+          <inkml:channel name="X" type="integer" min="-2.14748E9" max="2.14748E9" units="cm"/>
+          <inkml:channel name="Y" type="integer" min="-2.14748E9" max="2.14748E9" units="cm"/>
+        </inkml:traceFormat>
+        <inkml:channelProperties>
+          <inkml:channelProperty channel="X" name="resolution" value="1000" units="1/cm"/>
+          <inkml:channelProperty channel="Y" name="resolution" value="1000" units="1/cm"/>
+        </inkml:channelProperties>
+      </inkml:inkSource>
+      <inkml:timestamp xml:id="ts0" timeString="2021-09-10T07:30:12.137"/>
+    </inkml:context>
+    <inkml:brush xml:id="br0">
+      <inkml:brushProperty name="width" value="0.1" units="cm"/>
+      <inkml:brushProperty name="height" value="0.1" units="cm"/>
+      <inkml:brushProperty name="color" value="#333333"/>
+      <inkml:brushProperty name="ignorePressure" value="1"/>
+    </inkml:brush>
+  </inkml:definitions>
+  <inkml:trace contextRef="#ctx0" brushRef="#br0">221 0,'-7'0,"-1"7,-6 1,-1 6,-4 7,-4 0,-6-3,3 0,0-1,-3 1,4-1</inkml:trace>
+</inkml:ink>
+</file>
+
+<file path=ppt/ink/ink87.xml><?xml version="1.0" encoding="utf-8"?>
+<inkml:ink xmlns:inkml="http://www.w3.org/2003/InkML">
+  <inkml:definitions>
+    <inkml:context xml:id="ctx0">
+      <inkml:inkSource xml:id="inkSrc0">
+        <inkml:traceFormat>
+          <inkml:channel name="X" type="integer" min="-2.14748E9" max="2.14748E9" units="cm"/>
+          <inkml:channel name="Y" type="integer" min="-2.14748E9" max="2.14748E9" units="cm"/>
+        </inkml:traceFormat>
+        <inkml:channelProperties>
+          <inkml:channelProperty channel="X" name="resolution" value="1000" units="1/cm"/>
+          <inkml:channelProperty channel="Y" name="resolution" value="1000" units="1/cm"/>
+        </inkml:channelProperties>
+      </inkml:inkSource>
+      <inkml:timestamp xml:id="ts0" timeString="2021-09-10T07:30:14.265"/>
+    </inkml:context>
+    <inkml:brush xml:id="br0">
+      <inkml:brushProperty name="width" value="0.1" units="cm"/>
+      <inkml:brushProperty name="height" value="0.1" units="cm"/>
+      <inkml:brushProperty name="color" value="#333333"/>
+      <inkml:brushProperty name="ignorePressure" value="1"/>
+    </inkml:brush>
+  </inkml:definitions>
+  <inkml:trace contextRef="#ctx0" brushRef="#br0">0 417,'0'-6,"7"-2,1-7,7-6,6 1,6-4,4-9,4-6,2-2,1-1,0 1,0 1,0 7,6 3,-5 7</inkml:trace>
+</inkml:ink>
+</file>
+
+<file path=ppt/ink/ink88.xml><?xml version="1.0" encoding="utf-8"?>
+<inkml:ink xmlns:inkml="http://www.w3.org/2003/InkML">
+  <inkml:definitions>
+    <inkml:context xml:id="ctx0">
+      <inkml:inkSource xml:id="inkSrc0">
+        <inkml:traceFormat>
+          <inkml:channel name="X" type="integer" min="-2.14748E9" max="2.14748E9" units="cm"/>
+          <inkml:channel name="Y" type="integer" min="-2.14748E9" max="2.14748E9" units="cm"/>
+        </inkml:traceFormat>
+        <inkml:channelProperties>
+          <inkml:channelProperty channel="X" name="resolution" value="1000" units="1/cm"/>
+          <inkml:channelProperty channel="Y" name="resolution" value="1000" units="1/cm"/>
+        </inkml:channelProperties>
+      </inkml:inkSource>
+      <inkml:timestamp xml:id="ts0" timeString="2021-09-10T07:30:19.459"/>
+    </inkml:context>
+    <inkml:brush xml:id="br0">
+      <inkml:brushProperty name="width" value="0.1" units="cm"/>
+      <inkml:brushProperty name="height" value="0.1" units="cm"/>
+      <inkml:brushProperty name="color" value="#333333"/>
+      <inkml:brushProperty name="ignorePressure" value="1"/>
+    </inkml:brush>
+  </inkml:definitions>
+  <inkml:trace contextRef="#ctx0" brushRef="#br0">1849 81,'-1188'0,"1169"0,-1 0,1 1,-1 1,1 1,0 1,0 0,0 2,0 0,1 1,0 1,1 0,0 2,0 0,0 0,2 2,-1 0,-14 16,-1 7,2 2,-42 68,47-66,-1-1,-59 65,78-96,0 0,0 1,1 0,0 0,1 0,0 0,0 1,1-1,0 1,0 0,1 0,0 0,0 11,-1 15,2 1,4 40,0-16,-1-35,1 1,0-1,2 0,2 0,0 0,1-1,1 0,2-1,13 23,-1-6,2-2,2-1,1 0,40 38,-55-63,-1 0,2-1,-1 0,2-1,-1-1,1 0,1-1,-1 0,1-2,1 0,-1 0,1-2,0 0,0-1,32 2,13 1,113 23,-78-10,6-7,1-4,168-10,-107-1,-63 4,102-3,-193 0,-1 0,1-1,0 0,-1-1,0 0,0-1,0 0,0 0,-1-1,0 0,0-1,0 0,13-15,9-11,-2-2,25-40,-37 52,3-7,0 0,-2-1,-2-1,-1-1,-1 0,-2-1,-1-1,-2 0,-1 0,-2 0,-2-1,1-54,-5 57,-7-185,3 181,-1 1,-2 0,-22-69,17 75,-1 1,-1 1,-2 0,-1 1,0 1,-2 1,-31-32,23 28,-1 0,-39-28,36 33</inkml:trace>
+</inkml:ink>
+</file>
+
+<file path=ppt/ink/ink89.xml><?xml version="1.0" encoding="utf-8"?>
+<inkml:ink xmlns:inkml="http://www.w3.org/2003/InkML">
+  <inkml:definitions>
+    <inkml:context xml:id="ctx0">
+      <inkml:inkSource xml:id="inkSrc0">
+        <inkml:traceFormat>
+          <inkml:channel name="X" type="integer" min="-2.14748E9" max="2.14748E9" units="cm"/>
+          <inkml:channel name="Y" type="integer" min="-2.14748E9" max="2.14748E9" units="cm"/>
+        </inkml:traceFormat>
+        <inkml:channelProperties>
+          <inkml:channelProperty channel="X" name="resolution" value="1000" units="1/cm"/>
+          <inkml:channelProperty channel="Y" name="resolution" value="1000" units="1/cm"/>
+        </inkml:channelProperties>
+      </inkml:inkSource>
+      <inkml:timestamp xml:id="ts0" timeString="2021-09-10T07:30:20.514"/>
+    </inkml:context>
+    <inkml:brush xml:id="br0">
+      <inkml:brushProperty name="width" value="0.1" units="cm"/>
+      <inkml:brushProperty name="height" value="0.1" units="cm"/>
+      <inkml:brushProperty name="color" value="#333333"/>
+      <inkml:brushProperty name="ignorePressure" value="1"/>
+    </inkml:brush>
+  </inkml:definitions>
+  <inkml:trace contextRef="#ctx0" brushRef="#br0">0 150,'86'0,"165"-3,-194-1,-1-2,77-19,-34-1,-10 1,0 5,2 2,96-4,-151 21</inkml:trace>
+</inkml:ink>
+</file>
+
+<file path=ppt/ink/ink9.xml><?xml version="1.0" encoding="utf-8"?>
 <inkml:ink xmlns:inkml="http://www.w3.org/2003/InkML">
   <inkml:definitions>
     <inkml:context xml:id="ctx0">
@@ -2381,250 +2784,7 @@
 </inkml:ink>
 </file>
 
-<file path=ppt/ink/ink80.xml><?xml version="1.0" encoding="utf-8"?>
-<inkml:ink xmlns:inkml="http://www.w3.org/2003/InkML">
-  <inkml:definitions>
-    <inkml:context xml:id="ctx0">
-      <inkml:inkSource xml:id="inkSrc0">
-        <inkml:traceFormat>
-          <inkml:channel name="X" type="integer" min="-2.14748E9" max="2.14748E9" units="cm"/>
-          <inkml:channel name="Y" type="integer" min="-2.14748E9" max="2.14748E9" units="cm"/>
-        </inkml:traceFormat>
-        <inkml:channelProperties>
-          <inkml:channelProperty channel="X" name="resolution" value="1000" units="1/cm"/>
-          <inkml:channelProperty channel="Y" name="resolution" value="1000" units="1/cm"/>
-        </inkml:channelProperties>
-      </inkml:inkSource>
-      <inkml:timestamp xml:id="ts0" timeString="2021-09-10T07:30:04.257"/>
-    </inkml:context>
-    <inkml:brush xml:id="br0">
-      <inkml:brushProperty name="width" value="0.1" units="cm"/>
-      <inkml:brushProperty name="height" value="0.1" units="cm"/>
-      <inkml:brushProperty name="color" value="#333333"/>
-      <inkml:brushProperty name="ignorePressure" value="1"/>
-    </inkml:brush>
-  </inkml:definitions>
-  <inkml:trace contextRef="#ctx0" brushRef="#br0">1696 80,'0'-1,"-1"-1,1 1,-1-1,1 1,-1 0,1-1,-1 1,0 0,0 0,1-1,-1 1,0 0,0 0,0 0,0 0,-1 0,1 0,0 0,0 1,-3-2,-29-14,27 14,-17-6,-1 1,-1 0,1 2,-1 1,-38-1,-132 7,78 1,54-3,-4-1,-90 11,134-6,0 0,0 1,1 1,0 2,0 0,0 1,-34 21,-123 97,-4 3,146-107,8-7,2 2,-49 39,69-50,0 0,0 0,1 1,0 0,0 0,0 0,1 1,1 0,0 0,0 0,0 0,1 1,-3 18,-8 172,4-132,4-1,2 1,6 84,0-140,0 0,0 0,2 0,-1 0,2-1,-1 0,2 0,-1 0,9 11,10 12,39 41,-12-15,-43-51,0 0,0-1,1 0,0 0,1-1,-1-1,1 1,1-2,-1 1,13 3,14 4,66 14,5 1,-80-19,0-2,1-1,0-1,30 0,120-3,27 2,459 26,-656-30,1 0,-1 0,0-1,0-1,0 0,0 0,0 0,9-5,-14 5,1-1,-1 0,0 0,0 0,0 0,0-1,-1 1,0-1,1 0,-1 0,0 0,-1-1,1 1,-1 0,0-1,2-6,61-224,-49 169,16-141,-17 90,-5 23,-5-178,-6 167,0 82,-1 1,-1-1,0 1,-2 0,0 0,-2 0,-1 1,0 0,-1 1,-1-1,-21-28,21 33,-2 1,0 1,-1 0,0 0,-1 1,0 1,-1 1,-1 0,0 0,0 2,-1 0,0 1,0 1,-20-6,6 5</inkml:trace>
-</inkml:ink>
-</file>
-
-<file path=ppt/ink/ink81.xml><?xml version="1.0" encoding="utf-8"?>
-<inkml:ink xmlns:inkml="http://www.w3.org/2003/InkML">
-  <inkml:definitions>
-    <inkml:context xml:id="ctx0">
-      <inkml:inkSource xml:id="inkSrc0">
-        <inkml:traceFormat>
-          <inkml:channel name="X" type="integer" min="-2.14748E9" max="2.14748E9" units="cm"/>
-          <inkml:channel name="Y" type="integer" min="-2.14748E9" max="2.14748E9" units="cm"/>
-        </inkml:traceFormat>
-        <inkml:channelProperties>
-          <inkml:channelProperty channel="X" name="resolution" value="1000" units="1/cm"/>
-          <inkml:channelProperty channel="Y" name="resolution" value="1000" units="1/cm"/>
-        </inkml:channelProperties>
-      </inkml:inkSource>
-      <inkml:timestamp xml:id="ts0" timeString="2021-09-10T07:30:07.564"/>
-    </inkml:context>
-    <inkml:brush xml:id="br0">
-      <inkml:brushProperty name="width" value="0.1" units="cm"/>
-      <inkml:brushProperty name="height" value="0.1" units="cm"/>
-      <inkml:brushProperty name="color" value="#333333"/>
-      <inkml:brushProperty name="ignorePressure" value="1"/>
-    </inkml:brush>
-  </inkml:definitions>
-  <inkml:trace contextRef="#ctx0" brushRef="#br0">1 1,'19'1,"-1"1,1 1,26 7,41 6,454-9,-310-10,-70 6,168-7,-292-2,-6-1</inkml:trace>
-</inkml:ink>
-</file>
-
-<file path=ppt/ink/ink82.xml><?xml version="1.0" encoding="utf-8"?>
-<inkml:ink xmlns:inkml="http://www.w3.org/2003/InkML">
-  <inkml:definitions>
-    <inkml:context xml:id="ctx0">
-      <inkml:inkSource xml:id="inkSrc0">
-        <inkml:traceFormat>
-          <inkml:channel name="X" type="integer" min="-2.14748E9" max="2.14748E9" units="cm"/>
-          <inkml:channel name="Y" type="integer" min="-2.14748E9" max="2.14748E9" units="cm"/>
-        </inkml:traceFormat>
-        <inkml:channelProperties>
-          <inkml:channelProperty channel="X" name="resolution" value="1000" units="1/cm"/>
-          <inkml:channelProperty channel="Y" name="resolution" value="1000" units="1/cm"/>
-        </inkml:channelProperties>
-      </inkml:inkSource>
-      <inkml:timestamp xml:id="ts0" timeString="2021-09-10T07:30:08.412"/>
-    </inkml:context>
-    <inkml:brush xml:id="br0">
-      <inkml:brushProperty name="width" value="0.1" units="cm"/>
-      <inkml:brushProperty name="height" value="0.1" units="cm"/>
-      <inkml:brushProperty name="color" value="#333333"/>
-      <inkml:brushProperty name="ignorePressure" value="1"/>
-    </inkml:brush>
-  </inkml:definitions>
-  <inkml:trace contextRef="#ctx0" brushRef="#br0">0 1,'7'6,"7"2,15 12,8 10,5-1,-6 0,5-3,-6-1,-2 1,-7 4,-7 2,-8 2,-11 2,-6 0,-8 1,-8 1,-7-7,2-9</inkml:trace>
-</inkml:ink>
-</file>
-
-<file path=ppt/ink/ink83.xml><?xml version="1.0" encoding="utf-8"?>
-<inkml:ink xmlns:inkml="http://www.w3.org/2003/InkML">
-  <inkml:definitions>
-    <inkml:context xml:id="ctx0">
-      <inkml:inkSource xml:id="inkSrc0">
-        <inkml:traceFormat>
-          <inkml:channel name="X" type="integer" min="-2.14748E9" max="2.14748E9" units="cm"/>
-          <inkml:channel name="Y" type="integer" min="-2.14748E9" max="2.14748E9" units="cm"/>
-        </inkml:traceFormat>
-        <inkml:channelProperties>
-          <inkml:channelProperty channel="X" name="resolution" value="1000" units="1/cm"/>
-          <inkml:channelProperty channel="Y" name="resolution" value="1000" units="1/cm"/>
-        </inkml:channelProperties>
-      </inkml:inkSource>
-      <inkml:timestamp xml:id="ts0" timeString="2021-09-10T07:30:09.429"/>
-    </inkml:context>
-    <inkml:brush xml:id="br0">
-      <inkml:brushProperty name="width" value="0.1" units="cm"/>
-      <inkml:brushProperty name="height" value="0.1" units="cm"/>
-      <inkml:brushProperty name="color" value="#333333"/>
-      <inkml:brushProperty name="ignorePressure" value="1"/>
-    </inkml:brush>
-  </inkml:definitions>
-  <inkml:trace contextRef="#ctx0" brushRef="#br0">0 0,'4'3,"-1"0,1 0,0-1,0 0,0 1,0-1,0-1,0 1,1 0,-1-1,8 1,55 5,-46-6,570 6,-326-10,244 3,-476 0</inkml:trace>
-</inkml:ink>
-</file>
-
-<file path=ppt/ink/ink84.xml><?xml version="1.0" encoding="utf-8"?>
-<inkml:ink xmlns:inkml="http://www.w3.org/2003/InkML">
-  <inkml:definitions>
-    <inkml:context xml:id="ctx0">
-      <inkml:inkSource xml:id="inkSrc0">
-        <inkml:traceFormat>
-          <inkml:channel name="X" type="integer" min="-2.14748E9" max="2.14748E9" units="cm"/>
-          <inkml:channel name="Y" type="integer" min="-2.14748E9" max="2.14748E9" units="cm"/>
-        </inkml:traceFormat>
-        <inkml:channelProperties>
-          <inkml:channelProperty channel="X" name="resolution" value="1000" units="1/cm"/>
-          <inkml:channelProperty channel="Y" name="resolution" value="1000" units="1/cm"/>
-        </inkml:channelProperties>
-      </inkml:inkSource>
-      <inkml:timestamp xml:id="ts0" timeString="2021-09-10T07:30:10.871"/>
-    </inkml:context>
-    <inkml:brush xml:id="br0">
-      <inkml:brushProperty name="width" value="0.1" units="cm"/>
-      <inkml:brushProperty name="height" value="0.1" units="cm"/>
-      <inkml:brushProperty name="color" value="#333333"/>
-      <inkml:brushProperty name="ignorePressure" value="1"/>
-    </inkml:brush>
-  </inkml:definitions>
-  <inkml:trace contextRef="#ctx0" brushRef="#br0">314 0,'-6'2,"1"0,0 0,-1 1,1 0,0 0,0 0,1 0,-1 1,1 0,-1 0,-3 5,-16 12,-155 111,176-130,0 0,-1 0,1 0,0 0,0 1,1 0,-1-1,0 1,1 0,0 0,0 0,0 1,0-1,0 1,1-1,-1 1,1-1,0 1,0 0,0-1,1 1,-1 0,1 0,0 0,0-1,0 1,0 0,1 0,0 0,0-1,0 1,0 0,0-1,1 1,0-1,-1 1,1-1,1 0,3 6,4 5,1-1,0 0,1-1,0 0,1 0,21 14,91 49,-38-26,-3-3,-49-31</inkml:trace>
-</inkml:ink>
-</file>
-
-<file path=ppt/ink/ink85.xml><?xml version="1.0" encoding="utf-8"?>
-<inkml:ink xmlns:inkml="http://www.w3.org/2003/InkML">
-  <inkml:definitions>
-    <inkml:context xml:id="ctx0">
-      <inkml:inkSource xml:id="inkSrc0">
-        <inkml:traceFormat>
-          <inkml:channel name="X" type="integer" min="-2.14748E9" max="2.14748E9" units="cm"/>
-          <inkml:channel name="Y" type="integer" min="-2.14748E9" max="2.14748E9" units="cm"/>
-        </inkml:traceFormat>
-        <inkml:channelProperties>
-          <inkml:channelProperty channel="X" name="resolution" value="1000" units="1/cm"/>
-          <inkml:channelProperty channel="Y" name="resolution" value="1000" units="1/cm"/>
-        </inkml:channelProperties>
-      </inkml:inkSource>
-      <inkml:timestamp xml:id="ts0" timeString="2021-09-10T07:30:12.137"/>
-    </inkml:context>
-    <inkml:brush xml:id="br0">
-      <inkml:brushProperty name="width" value="0.1" units="cm"/>
-      <inkml:brushProperty name="height" value="0.1" units="cm"/>
-      <inkml:brushProperty name="color" value="#333333"/>
-      <inkml:brushProperty name="ignorePressure" value="1"/>
-    </inkml:brush>
-  </inkml:definitions>
-  <inkml:trace contextRef="#ctx0" brushRef="#br0">221 0,'-7'0,"-1"7,-6 1,-1 6,-4 7,-4 0,-6-3,3 0,0-1,-3 1,4-1</inkml:trace>
-</inkml:ink>
-</file>
-
-<file path=ppt/ink/ink86.xml><?xml version="1.0" encoding="utf-8"?>
-<inkml:ink xmlns:inkml="http://www.w3.org/2003/InkML">
-  <inkml:definitions>
-    <inkml:context xml:id="ctx0">
-      <inkml:inkSource xml:id="inkSrc0">
-        <inkml:traceFormat>
-          <inkml:channel name="X" type="integer" min="-2.14748E9" max="2.14748E9" units="cm"/>
-          <inkml:channel name="Y" type="integer" min="-2.14748E9" max="2.14748E9" units="cm"/>
-        </inkml:traceFormat>
-        <inkml:channelProperties>
-          <inkml:channelProperty channel="X" name="resolution" value="1000" units="1/cm"/>
-          <inkml:channelProperty channel="Y" name="resolution" value="1000" units="1/cm"/>
-        </inkml:channelProperties>
-      </inkml:inkSource>
-      <inkml:timestamp xml:id="ts0" timeString="2021-09-10T07:30:14.265"/>
-    </inkml:context>
-    <inkml:brush xml:id="br0">
-      <inkml:brushProperty name="width" value="0.1" units="cm"/>
-      <inkml:brushProperty name="height" value="0.1" units="cm"/>
-      <inkml:brushProperty name="color" value="#333333"/>
-      <inkml:brushProperty name="ignorePressure" value="1"/>
-    </inkml:brush>
-  </inkml:definitions>
-  <inkml:trace contextRef="#ctx0" brushRef="#br0">0 417,'0'-6,"7"-2,1-7,7-6,6 1,6-4,4-9,4-6,2-2,1-1,0 1,0 1,0 7,6 3,-5 7</inkml:trace>
-</inkml:ink>
-</file>
-
-<file path=ppt/ink/ink87.xml><?xml version="1.0" encoding="utf-8"?>
-<inkml:ink xmlns:inkml="http://www.w3.org/2003/InkML">
-  <inkml:definitions>
-    <inkml:context xml:id="ctx0">
-      <inkml:inkSource xml:id="inkSrc0">
-        <inkml:traceFormat>
-          <inkml:channel name="X" type="integer" min="-2.14748E9" max="2.14748E9" units="cm"/>
-          <inkml:channel name="Y" type="integer" min="-2.14748E9" max="2.14748E9" units="cm"/>
-        </inkml:traceFormat>
-        <inkml:channelProperties>
-          <inkml:channelProperty channel="X" name="resolution" value="1000" units="1/cm"/>
-          <inkml:channelProperty channel="Y" name="resolution" value="1000" units="1/cm"/>
-        </inkml:channelProperties>
-      </inkml:inkSource>
-      <inkml:timestamp xml:id="ts0" timeString="2021-09-10T07:30:19.459"/>
-    </inkml:context>
-    <inkml:brush xml:id="br0">
-      <inkml:brushProperty name="width" value="0.1" units="cm"/>
-      <inkml:brushProperty name="height" value="0.1" units="cm"/>
-      <inkml:brushProperty name="color" value="#333333"/>
-      <inkml:brushProperty name="ignorePressure" value="1"/>
-    </inkml:brush>
-  </inkml:definitions>
-  <inkml:trace contextRef="#ctx0" brushRef="#br0">1849 81,'-1188'0,"1169"0,-1 0,1 1,-1 1,1 1,0 1,0 0,0 2,0 0,1 1,0 1,1 0,0 2,0 0,0 0,2 2,-1 0,-14 16,-1 7,2 2,-42 68,47-66,-1-1,-59 65,78-96,0 0,0 1,1 0,0 0,1 0,0 0,0 1,1-1,0 1,0 0,1 0,0 0,0 11,-1 15,2 1,4 40,0-16,-1-35,1 1,0-1,2 0,2 0,0 0,1-1,1 0,2-1,13 23,-1-6,2-2,2-1,1 0,40 38,-55-63,-1 0,2-1,-1 0,2-1,-1-1,1 0,1-1,-1 0,1-2,1 0,-1 0,1-2,0 0,0-1,32 2,13 1,113 23,-78-10,6-7,1-4,168-10,-107-1,-63 4,102-3,-193 0,-1 0,1-1,0 0,-1-1,0 0,0-1,0 0,0 0,-1-1,0 0,0-1,0 0,13-15,9-11,-2-2,25-40,-37 52,3-7,0 0,-2-1,-2-1,-1-1,-1 0,-2-1,-1-1,-2 0,-1 0,-2 0,-2-1,1-54,-5 57,-7-185,3 181,-1 1,-2 0,-22-69,17 75,-1 1,-1 1,-2 0,-1 1,0 1,-2 1,-31-32,23 28,-1 0,-39-28,36 33</inkml:trace>
-</inkml:ink>
-</file>
-
-<file path=ppt/ink/ink88.xml><?xml version="1.0" encoding="utf-8"?>
-<inkml:ink xmlns:inkml="http://www.w3.org/2003/InkML">
-  <inkml:definitions>
-    <inkml:context xml:id="ctx0">
-      <inkml:inkSource xml:id="inkSrc0">
-        <inkml:traceFormat>
-          <inkml:channel name="X" type="integer" min="-2.14748E9" max="2.14748E9" units="cm"/>
-          <inkml:channel name="Y" type="integer" min="-2.14748E9" max="2.14748E9" units="cm"/>
-        </inkml:traceFormat>
-        <inkml:channelProperties>
-          <inkml:channelProperty channel="X" name="resolution" value="1000" units="1/cm"/>
-          <inkml:channelProperty channel="Y" name="resolution" value="1000" units="1/cm"/>
-        </inkml:channelProperties>
-      </inkml:inkSource>
-      <inkml:timestamp xml:id="ts0" timeString="2021-09-10T07:30:20.514"/>
-    </inkml:context>
-    <inkml:brush xml:id="br0">
-      <inkml:brushProperty name="width" value="0.1" units="cm"/>
-      <inkml:brushProperty name="height" value="0.1" units="cm"/>
-      <inkml:brushProperty name="color" value="#333333"/>
-      <inkml:brushProperty name="ignorePressure" value="1"/>
-    </inkml:brush>
-  </inkml:definitions>
-  <inkml:trace contextRef="#ctx0" brushRef="#br0">0 150,'86'0,"165"-3,-194-1,-1-2,77-19,-34-1,-10 1,0 5,2 2,96-4,-151 21</inkml:trace>
-</inkml:ink>
-</file>
-
-<file path=ppt/ink/ink89.xml><?xml version="1.0" encoding="utf-8"?>
+<file path=ppt/ink/ink90.xml><?xml version="1.0" encoding="utf-8"?>
 <inkml:ink xmlns:inkml="http://www.w3.org/2003/InkML">
   <inkml:definitions>
     <inkml:context xml:id="ctx0">
@@ -2651,34 +2811,7 @@
 </inkml:ink>
 </file>
 
-<file path=ppt/ink/ink9.xml><?xml version="1.0" encoding="utf-8"?>
-<inkml:ink xmlns:inkml="http://www.w3.org/2003/InkML">
-  <inkml:definitions>
-    <inkml:context xml:id="ctx0">
-      <inkml:inkSource xml:id="inkSrc0">
-        <inkml:traceFormat>
-          <inkml:channel name="X" type="integer" min="-2.14748E9" max="2.14748E9" units="cm"/>
-          <inkml:channel name="Y" type="integer" min="-2.14748E9" max="2.14748E9" units="cm"/>
-        </inkml:traceFormat>
-        <inkml:channelProperties>
-          <inkml:channelProperty channel="X" name="resolution" value="1000" units="1/cm"/>
-          <inkml:channelProperty channel="Y" name="resolution" value="1000" units="1/cm"/>
-        </inkml:channelProperties>
-      </inkml:inkSource>
-      <inkml:timestamp xml:id="ts0" timeString="2021-09-10T04:46:00.585"/>
-    </inkml:context>
-    <inkml:brush xml:id="br0">
-      <inkml:brushProperty name="width" value="0.1" units="cm"/>
-      <inkml:brushProperty name="height" value="0.1" units="cm"/>
-      <inkml:brushProperty name="color" value="#333333"/>
-      <inkml:brushProperty name="ignorePressure" value="1"/>
-    </inkml:brush>
-  </inkml:definitions>
-  <inkml:trace contextRef="#ctx0" brushRef="#br0">77 144,'-1'11,"0"1,-1-1,-1 1,1-1,-6 12,-9 43,10 89,6-96,-9 68,-7 39,10 320,9-266,-2 966,3-1145,1-1,11 52,0-10,-14-75,0-1,0 1,1 0,0 0,0-1,1 0,-1 1,1-1,1 0,-1 0,1 0,0-1,1 1,-1-1,1 0,0 0,0-1,1 0,7 5,-2-3,0-1,0-1,1 0,-1 0,1-1,0-1,0 0,0-1,0 0,16-1,12 0,2 1,69-8,-101 6,0-1,-1 0,1 0,-1-1,1 0,-1-1,0 0,0-1,0 1,-1-2,0 1,12-11,-11 6,-2 1,0-1,0-1,0 1,-2-1,1 0,-1 0,-1-1,3-12,5-22,5-48,-9 48,6-72,-5 1,-9-188,-3 120,3-1786,0 1940</inkml:trace>
-</inkml:ink>
-</file>
-
-<file path=ppt/ink/ink90.xml><?xml version="1.0" encoding="utf-8"?>
+<file path=ppt/ink/ink91.xml><?xml version="1.0" encoding="utf-8"?>
 <inkml:ink xmlns:inkml="http://www.w3.org/2003/InkML">
   <inkml:definitions>
     <inkml:context xml:id="ctx0">
@@ -2705,7 +2838,7 @@
 </inkml:ink>
 </file>
 
-<file path=ppt/ink/ink91.xml><?xml version="1.0" encoding="utf-8"?>
+<file path=ppt/ink/ink92.xml><?xml version="1.0" encoding="utf-8"?>
 <inkml:ink xmlns:inkml="http://www.w3.org/2003/InkML">
   <inkml:definitions>
     <inkml:context xml:id="ctx0">
@@ -2732,7 +2865,7 @@
 </inkml:ink>
 </file>
 
-<file path=ppt/ink/ink92.xml><?xml version="1.0" encoding="utf-8"?>
+<file path=ppt/ink/ink93.xml><?xml version="1.0" encoding="utf-8"?>
 <inkml:ink xmlns:inkml="http://www.w3.org/2003/InkML">
   <inkml:definitions>
     <inkml:context xml:id="ctx0">
@@ -2759,7 +2892,7 @@
 </inkml:ink>
 </file>
 
-<file path=ppt/ink/ink93.xml><?xml version="1.0" encoding="utf-8"?>
+<file path=ppt/ink/ink94.xml><?xml version="1.0" encoding="utf-8"?>
 <inkml:ink xmlns:inkml="http://www.w3.org/2003/InkML">
   <inkml:definitions>
     <inkml:context xml:id="ctx0">
@@ -2786,7 +2919,7 @@
 </inkml:ink>
 </file>
 
-<file path=ppt/ink/ink94.xml><?xml version="1.0" encoding="utf-8"?>
+<file path=ppt/ink/ink95.xml><?xml version="1.0" encoding="utf-8"?>
 <inkml:ink xmlns:inkml="http://www.w3.org/2003/InkML">
   <inkml:definitions>
     <inkml:context xml:id="ctx0">
@@ -2813,7 +2946,7 @@
 </inkml:ink>
 </file>
 
-<file path=ppt/ink/ink95.xml><?xml version="1.0" encoding="utf-8"?>
+<file path=ppt/ink/ink96.xml><?xml version="1.0" encoding="utf-8"?>
 <inkml:ink xmlns:inkml="http://www.w3.org/2003/InkML">
   <inkml:definitions>
     <inkml:context xml:id="ctx0">
@@ -2840,7 +2973,7 @@
 </inkml:ink>
 </file>
 
-<file path=ppt/ink/ink96.xml><?xml version="1.0" encoding="utf-8"?>
+<file path=ppt/ink/ink97.xml><?xml version="1.0" encoding="utf-8"?>
 <inkml:ink xmlns:inkml="http://www.w3.org/2003/InkML">
   <inkml:definitions>
     <inkml:context xml:id="ctx0">
@@ -2867,7 +3000,7 @@
 </inkml:ink>
 </file>
 
-<file path=ppt/ink/ink97.xml><?xml version="1.0" encoding="utf-8"?>
+<file path=ppt/ink/ink98.xml><?xml version="1.0" encoding="utf-8"?>
 <inkml:ink xmlns:inkml="http://www.w3.org/2003/InkML">
   <inkml:definitions>
     <inkml:context xml:id="ctx0">
@@ -2894,7 +3027,7 @@
 </inkml:ink>
 </file>
 
-<file path=ppt/ink/ink98.xml><?xml version="1.0" encoding="utf-8"?>
+<file path=ppt/ink/ink99.xml><?xml version="1.0" encoding="utf-8"?>
 <inkml:ink xmlns:inkml="http://www.w3.org/2003/InkML">
   <inkml:definitions>
     <inkml:context xml:id="ctx0">
@@ -2921,31 +3054,353 @@
 </inkml:ink>
 </file>
 
-<file path=ppt/ink/ink99.xml><?xml version="1.0" encoding="utf-8"?>
-<inkml:ink xmlns:inkml="http://www.w3.org/2003/InkML">
-  <inkml:definitions>
-    <inkml:context xml:id="ctx0">
-      <inkml:inkSource xml:id="inkSrc0">
-        <inkml:traceFormat>
-          <inkml:channel name="X" type="integer" min="-2.14748E9" max="2.14748E9" units="cm"/>
-          <inkml:channel name="Y" type="integer" min="-2.14748E9" max="2.14748E9" units="cm"/>
-        </inkml:traceFormat>
-        <inkml:channelProperties>
-          <inkml:channelProperty channel="X" name="resolution" value="1000" units="1/cm"/>
-          <inkml:channelProperty channel="Y" name="resolution" value="1000" units="1/cm"/>
-        </inkml:channelProperties>
-      </inkml:inkSource>
-      <inkml:timestamp xml:id="ts0" timeString="2021-09-10T07:30:33.211"/>
-    </inkml:context>
-    <inkml:brush xml:id="br0">
-      <inkml:brushProperty name="width" value="0.1" units="cm"/>
-      <inkml:brushProperty name="height" value="0.1" units="cm"/>
-      <inkml:brushProperty name="color" value="#333333"/>
-      <inkml:brushProperty name="ignorePressure" value="1"/>
-    </inkml:brush>
-  </inkml:definitions>
-  <inkml:trace contextRef="#ctx0" brushRef="#br0">1 1,'1'18,"1"0,1 1,1-1,9 28,8 37,27 335,20 110,-54-439,4 99,-2-15,-5-7,-6-63,-2-80,1 0,1-1,11 31,-9-33,-1 0,-1 0,4 30,-13-26,-7-9</inkml:trace>
-</inkml:ink>
+<file path=ppt/notesMasters/notesMaster1.xml><?xml version="1.0" encoding="utf-8"?>
+<p:notesMaster xmlns:a="http://schemas.openxmlformats.org/drawingml/2006/main" xmlns:r="http://schemas.openxmlformats.org/officeDocument/2006/relationships" xmlns:p="http://schemas.openxmlformats.org/presentationml/2006/main">
+  <p:cSld>
+    <p:bg>
+      <p:bgRef idx="1001">
+        <a:schemeClr val="bg1"/>
+      </p:bgRef>
+    </p:bg>
+    <p:spTree>
+      <p:nvGrpSpPr>
+        <p:cNvPr id="1" name=""/>
+        <p:cNvGrpSpPr/>
+        <p:nvPr/>
+      </p:nvGrpSpPr>
+      <p:grpSpPr>
+        <a:xfrm>
+          <a:off x="0" y="0"/>
+          <a:ext cx="0" cy="0"/>
+          <a:chOff x="0" y="0"/>
+          <a:chExt cx="0" cy="0"/>
+        </a:xfrm>
+      </p:grpSpPr>
+      <p:sp>
+        <p:nvSpPr>
+          <p:cNvPr id="2" name="Chỗ dành sẵn cho Đầu trang 1"/>
+          <p:cNvSpPr>
+            <a:spLocks noGrp="1"/>
+          </p:cNvSpPr>
+          <p:nvPr>
+            <p:ph type="hdr" sz="quarter"/>
+          </p:nvPr>
+        </p:nvSpPr>
+        <p:spPr>
+          <a:xfrm>
+            <a:off x="0" y="0"/>
+            <a:ext cx="2971800" cy="458788"/>
+          </a:xfrm>
+          <a:prstGeom prst="rect">
+            <a:avLst/>
+          </a:prstGeom>
+        </p:spPr>
+        <p:txBody>
+          <a:bodyPr vert="horz" lIns="91440" tIns="45720" rIns="91440" bIns="45720" rtlCol="0"/>
+          <a:lstStyle>
+            <a:lvl1pPr algn="l">
+              <a:defRPr sz="1200"/>
+            </a:lvl1pPr>
+          </a:lstStyle>
+          <a:p>
+            <a:endParaRPr lang="vi-VN"/>
+          </a:p>
+        </p:txBody>
+      </p:sp>
+      <p:sp>
+        <p:nvSpPr>
+          <p:cNvPr id="3" name="Chỗ dành sẵn cho Ngày tháng 2"/>
+          <p:cNvSpPr>
+            <a:spLocks noGrp="1"/>
+          </p:cNvSpPr>
+          <p:nvPr>
+            <p:ph type="dt" idx="1"/>
+          </p:nvPr>
+        </p:nvSpPr>
+        <p:spPr>
+          <a:xfrm>
+            <a:off x="3884613" y="0"/>
+            <a:ext cx="2971800" cy="458788"/>
+          </a:xfrm>
+          <a:prstGeom prst="rect">
+            <a:avLst/>
+          </a:prstGeom>
+        </p:spPr>
+        <p:txBody>
+          <a:bodyPr vert="horz" lIns="91440" tIns="45720" rIns="91440" bIns="45720" rtlCol="0"/>
+          <a:lstStyle>
+            <a:lvl1pPr algn="r">
+              <a:defRPr sz="1200"/>
+            </a:lvl1pPr>
+          </a:lstStyle>
+          <a:p>
+            <a:fld id="{6C149846-55AD-4EBB-9B27-1B840425CEE0}" type="datetimeFigureOut">
+              <a:rPr lang="vi-VN" smtClean="0"/>
+              <a:t>16/11/2021</a:t>
+            </a:fld>
+            <a:endParaRPr lang="vi-VN"/>
+          </a:p>
+        </p:txBody>
+      </p:sp>
+      <p:sp>
+        <p:nvSpPr>
+          <p:cNvPr id="4" name="Chỗ dành sẵn cho Hình ảnh của Bản chiếu 3"/>
+          <p:cNvSpPr>
+            <a:spLocks noGrp="1" noRot="1" noChangeAspect="1"/>
+          </p:cNvSpPr>
+          <p:nvPr>
+            <p:ph type="sldImg" idx="2"/>
+          </p:nvPr>
+        </p:nvSpPr>
+        <p:spPr>
+          <a:xfrm>
+            <a:off x="685800" y="1143000"/>
+            <a:ext cx="5486400" cy="3086100"/>
+          </a:xfrm>
+          <a:prstGeom prst="rect">
+            <a:avLst/>
+          </a:prstGeom>
+          <a:noFill/>
+          <a:ln w="12700">
+            <a:solidFill>
+              <a:prstClr val="black"/>
+            </a:solidFill>
+          </a:ln>
+        </p:spPr>
+        <p:txBody>
+          <a:bodyPr vert="horz" lIns="91440" tIns="45720" rIns="91440" bIns="45720" rtlCol="0" anchor="ctr"/>
+          <a:lstStyle/>
+          <a:p>
+            <a:endParaRPr lang="vi-VN"/>
+          </a:p>
+        </p:txBody>
+      </p:sp>
+      <p:sp>
+        <p:nvSpPr>
+          <p:cNvPr id="5" name="Chỗ dành sẵn cho Ghi chú 4"/>
+          <p:cNvSpPr>
+            <a:spLocks noGrp="1"/>
+          </p:cNvSpPr>
+          <p:nvPr>
+            <p:ph type="body" sz="quarter" idx="3"/>
+          </p:nvPr>
+        </p:nvSpPr>
+        <p:spPr>
+          <a:xfrm>
+            <a:off x="685800" y="4400550"/>
+            <a:ext cx="5486400" cy="3600450"/>
+          </a:xfrm>
+          <a:prstGeom prst="rect">
+            <a:avLst/>
+          </a:prstGeom>
+        </p:spPr>
+        <p:txBody>
+          <a:bodyPr vert="horz" lIns="91440" tIns="45720" rIns="91440" bIns="45720" rtlCol="0"/>
+          <a:lstStyle/>
+          <a:p>
+            <a:pPr lvl="0"/>
+            <a:r>
+              <a:rPr lang="vi-VN"/>
+              <a:t>Bấm để chỉnh sửa kiểu văn bản của Bản cái</a:t>
+            </a:r>
+          </a:p>
+          <a:p>
+            <a:pPr lvl="1"/>
+            <a:r>
+              <a:rPr lang="vi-VN"/>
+              <a:t>Mức hai</a:t>
+            </a:r>
+          </a:p>
+          <a:p>
+            <a:pPr lvl="2"/>
+            <a:r>
+              <a:rPr lang="vi-VN"/>
+              <a:t>Mức ba</a:t>
+            </a:r>
+          </a:p>
+          <a:p>
+            <a:pPr lvl="3"/>
+            <a:r>
+              <a:rPr lang="vi-VN"/>
+              <a:t>Mức bốn</a:t>
+            </a:r>
+          </a:p>
+          <a:p>
+            <a:pPr lvl="4"/>
+            <a:r>
+              <a:rPr lang="vi-VN"/>
+              <a:t>Mức năm</a:t>
+            </a:r>
+          </a:p>
+        </p:txBody>
+      </p:sp>
+      <p:sp>
+        <p:nvSpPr>
+          <p:cNvPr id="6" name="Chỗ dành sẵn cho Chân trang 5"/>
+          <p:cNvSpPr>
+            <a:spLocks noGrp="1"/>
+          </p:cNvSpPr>
+          <p:nvPr>
+            <p:ph type="ftr" sz="quarter" idx="4"/>
+          </p:nvPr>
+        </p:nvSpPr>
+        <p:spPr>
+          <a:xfrm>
+            <a:off x="0" y="8685213"/>
+            <a:ext cx="2971800" cy="458787"/>
+          </a:xfrm>
+          <a:prstGeom prst="rect">
+            <a:avLst/>
+          </a:prstGeom>
+        </p:spPr>
+        <p:txBody>
+          <a:bodyPr vert="horz" lIns="91440" tIns="45720" rIns="91440" bIns="45720" rtlCol="0" anchor="b"/>
+          <a:lstStyle>
+            <a:lvl1pPr algn="l">
+              <a:defRPr sz="1200"/>
+            </a:lvl1pPr>
+          </a:lstStyle>
+          <a:p>
+            <a:endParaRPr lang="vi-VN"/>
+          </a:p>
+        </p:txBody>
+      </p:sp>
+      <p:sp>
+        <p:nvSpPr>
+          <p:cNvPr id="7" name="Chỗ dành sẵn cho Số hiệu Bản chiếu 6"/>
+          <p:cNvSpPr>
+            <a:spLocks noGrp="1"/>
+          </p:cNvSpPr>
+          <p:nvPr>
+            <p:ph type="sldNum" sz="quarter" idx="5"/>
+          </p:nvPr>
+        </p:nvSpPr>
+        <p:spPr>
+          <a:xfrm>
+            <a:off x="3884613" y="8685213"/>
+            <a:ext cx="2971800" cy="458787"/>
+          </a:xfrm>
+          <a:prstGeom prst="rect">
+            <a:avLst/>
+          </a:prstGeom>
+        </p:spPr>
+        <p:txBody>
+          <a:bodyPr vert="horz" lIns="91440" tIns="45720" rIns="91440" bIns="45720" rtlCol="0" anchor="b"/>
+          <a:lstStyle>
+            <a:lvl1pPr algn="r">
+              <a:defRPr sz="1200"/>
+            </a:lvl1pPr>
+          </a:lstStyle>
+          <a:p>
+            <a:fld id="{DDE64C74-E3C3-43D8-A309-EA6D51FE7B24}" type="slidenum">
+              <a:rPr lang="vi-VN" smtClean="0"/>
+              <a:t>‹#›</a:t>
+            </a:fld>
+            <a:endParaRPr lang="vi-VN"/>
+          </a:p>
+        </p:txBody>
+      </p:sp>
+    </p:spTree>
+    <p:extLst>
+      <p:ext uri="{BB962C8B-B14F-4D97-AF65-F5344CB8AC3E}">
+        <p14:creationId xmlns:p14="http://schemas.microsoft.com/office/powerpoint/2010/main" val="1360772088"/>
+      </p:ext>
+    </p:extLst>
+  </p:cSld>
+  <p:clrMap bg1="lt1" tx1="dk1" bg2="lt2" tx2="dk2" accent1="accent1" accent2="accent2" accent3="accent3" accent4="accent4" accent5="accent5" accent6="accent6" hlink="hlink" folHlink="folHlink"/>
+  <p:notesStyle>
+    <a:lvl1pPr marL="0" algn="l" defTabSz="914400" rtl="0" eaLnBrk="1" latinLnBrk="0" hangingPunct="1">
+      <a:defRPr sz="1200" kern="1200">
+        <a:solidFill>
+          <a:schemeClr val="tx1"/>
+        </a:solidFill>
+        <a:latin typeface="+mn-lt"/>
+        <a:ea typeface="+mn-ea"/>
+        <a:cs typeface="+mn-cs"/>
+      </a:defRPr>
+    </a:lvl1pPr>
+    <a:lvl2pPr marL="457200" algn="l" defTabSz="914400" rtl="0" eaLnBrk="1" latinLnBrk="0" hangingPunct="1">
+      <a:defRPr sz="1200" kern="1200">
+        <a:solidFill>
+          <a:schemeClr val="tx1"/>
+        </a:solidFill>
+        <a:latin typeface="+mn-lt"/>
+        <a:ea typeface="+mn-ea"/>
+        <a:cs typeface="+mn-cs"/>
+      </a:defRPr>
+    </a:lvl2pPr>
+    <a:lvl3pPr marL="914400" algn="l" defTabSz="914400" rtl="0" eaLnBrk="1" latinLnBrk="0" hangingPunct="1">
+      <a:defRPr sz="1200" kern="1200">
+        <a:solidFill>
+          <a:schemeClr val="tx1"/>
+        </a:solidFill>
+        <a:latin typeface="+mn-lt"/>
+        <a:ea typeface="+mn-ea"/>
+        <a:cs typeface="+mn-cs"/>
+      </a:defRPr>
+    </a:lvl3pPr>
+    <a:lvl4pPr marL="1371600" algn="l" defTabSz="914400" rtl="0" eaLnBrk="1" latinLnBrk="0" hangingPunct="1">
+      <a:defRPr sz="1200" kern="1200">
+        <a:solidFill>
+          <a:schemeClr val="tx1"/>
+        </a:solidFill>
+        <a:latin typeface="+mn-lt"/>
+        <a:ea typeface="+mn-ea"/>
+        <a:cs typeface="+mn-cs"/>
+      </a:defRPr>
+    </a:lvl4pPr>
+    <a:lvl5pPr marL="1828800" algn="l" defTabSz="914400" rtl="0" eaLnBrk="1" latinLnBrk="0" hangingPunct="1">
+      <a:defRPr sz="1200" kern="1200">
+        <a:solidFill>
+          <a:schemeClr val="tx1"/>
+        </a:solidFill>
+        <a:latin typeface="+mn-lt"/>
+        <a:ea typeface="+mn-ea"/>
+        <a:cs typeface="+mn-cs"/>
+      </a:defRPr>
+    </a:lvl5pPr>
+    <a:lvl6pPr marL="2286000" algn="l" defTabSz="914400" rtl="0" eaLnBrk="1" latinLnBrk="0" hangingPunct="1">
+      <a:defRPr sz="1200" kern="1200">
+        <a:solidFill>
+          <a:schemeClr val="tx1"/>
+        </a:solidFill>
+        <a:latin typeface="+mn-lt"/>
+        <a:ea typeface="+mn-ea"/>
+        <a:cs typeface="+mn-cs"/>
+      </a:defRPr>
+    </a:lvl6pPr>
+    <a:lvl7pPr marL="2743200" algn="l" defTabSz="914400" rtl="0" eaLnBrk="1" latinLnBrk="0" hangingPunct="1">
+      <a:defRPr sz="1200" kern="1200">
+        <a:solidFill>
+          <a:schemeClr val="tx1"/>
+        </a:solidFill>
+        <a:latin typeface="+mn-lt"/>
+        <a:ea typeface="+mn-ea"/>
+        <a:cs typeface="+mn-cs"/>
+      </a:defRPr>
+    </a:lvl7pPr>
+    <a:lvl8pPr marL="3200400" algn="l" defTabSz="914400" rtl="0" eaLnBrk="1" latinLnBrk="0" hangingPunct="1">
+      <a:defRPr sz="1200" kern="1200">
+        <a:solidFill>
+          <a:schemeClr val="tx1"/>
+        </a:solidFill>
+        <a:latin typeface="+mn-lt"/>
+        <a:ea typeface="+mn-ea"/>
+        <a:cs typeface="+mn-cs"/>
+      </a:defRPr>
+    </a:lvl8pPr>
+    <a:lvl9pPr marL="3657600" algn="l" defTabSz="914400" rtl="0" eaLnBrk="1" latinLnBrk="0" hangingPunct="1">
+      <a:defRPr sz="1200" kern="1200">
+        <a:solidFill>
+          <a:schemeClr val="tx1"/>
+        </a:solidFill>
+        <a:latin typeface="+mn-lt"/>
+        <a:ea typeface="+mn-ea"/>
+        <a:cs typeface="+mn-cs"/>
+      </a:defRPr>
+    </a:lvl9pPr>
+  </p:notesStyle>
+</p:notesMaster>
 </file>
 
 <file path=ppt/slideLayouts/slideLayout1.xml><?xml version="1.0" encoding="utf-8"?>
@@ -3093,9 +3548,9 @@
           <a:bodyPr/>
           <a:lstStyle/>
           <a:p>
-            <a:fld id="{761D61EA-8B4B-4088-BE46-29F6153D55D8}" type="datetimeFigureOut">
+            <a:fld id="{1B4A35E6-632F-4531-8017-A53208ABEADE}" type="datetime1">
               <a:rPr lang="vi-VN" smtClean="0"/>
-              <a:t>28/10/2021</a:t>
+              <a:t>16/11/2021</a:t>
             </a:fld>
             <a:endParaRPr lang="vi-VN"/>
           </a:p>
@@ -3291,9 +3746,9 @@
           <a:bodyPr/>
           <a:lstStyle/>
           <a:p>
-            <a:fld id="{761D61EA-8B4B-4088-BE46-29F6153D55D8}" type="datetimeFigureOut">
+            <a:fld id="{59200AA7-3ED8-43C9-B9A3-EBD44AAFEA35}" type="datetime1">
               <a:rPr lang="vi-VN" smtClean="0"/>
-              <a:t>28/10/2021</a:t>
+              <a:t>16/11/2021</a:t>
             </a:fld>
             <a:endParaRPr lang="vi-VN"/>
           </a:p>
@@ -3499,9 +3954,9 @@
           <a:bodyPr/>
           <a:lstStyle/>
           <a:p>
-            <a:fld id="{761D61EA-8B4B-4088-BE46-29F6153D55D8}" type="datetimeFigureOut">
+            <a:fld id="{58FAB865-24C5-4CCC-A49C-E342C172C364}" type="datetime1">
               <a:rPr lang="vi-VN" smtClean="0"/>
-              <a:t>28/10/2021</a:t>
+              <a:t>16/11/2021</a:t>
             </a:fld>
             <a:endParaRPr lang="vi-VN"/>
           </a:p>
@@ -3697,9 +4152,9 @@
           <a:bodyPr/>
           <a:lstStyle/>
           <a:p>
-            <a:fld id="{761D61EA-8B4B-4088-BE46-29F6153D55D8}" type="datetimeFigureOut">
+            <a:fld id="{1DEFA67E-47B5-4450-AFFF-C92C466CBDB6}" type="datetime1">
               <a:rPr lang="vi-VN" smtClean="0"/>
-              <a:t>28/10/2021</a:t>
+              <a:t>16/11/2021</a:t>
             </a:fld>
             <a:endParaRPr lang="vi-VN"/>
           </a:p>
@@ -3972,9 +4427,9 @@
           <a:bodyPr/>
           <a:lstStyle/>
           <a:p>
-            <a:fld id="{761D61EA-8B4B-4088-BE46-29F6153D55D8}" type="datetimeFigureOut">
+            <a:fld id="{42CF37BC-1814-4E31-8A6B-C4B2B189B75B}" type="datetime1">
               <a:rPr lang="vi-VN" smtClean="0"/>
-              <a:t>28/10/2021</a:t>
+              <a:t>16/11/2021</a:t>
             </a:fld>
             <a:endParaRPr lang="vi-VN"/>
           </a:p>
@@ -4237,9 +4692,9 @@
           <a:bodyPr/>
           <a:lstStyle/>
           <a:p>
-            <a:fld id="{761D61EA-8B4B-4088-BE46-29F6153D55D8}" type="datetimeFigureOut">
+            <a:fld id="{A3043855-C8E6-4252-94D2-001E8B1046AB}" type="datetime1">
               <a:rPr lang="vi-VN" smtClean="0"/>
-              <a:t>28/10/2021</a:t>
+              <a:t>16/11/2021</a:t>
             </a:fld>
             <a:endParaRPr lang="vi-VN"/>
           </a:p>
@@ -4649,9 +5104,9 @@
           <a:bodyPr/>
           <a:lstStyle/>
           <a:p>
-            <a:fld id="{761D61EA-8B4B-4088-BE46-29F6153D55D8}" type="datetimeFigureOut">
+            <a:fld id="{FD858212-0C91-4493-B67F-D6E92A0F1130}" type="datetime1">
               <a:rPr lang="vi-VN" smtClean="0"/>
-              <a:t>28/10/2021</a:t>
+              <a:t>16/11/2021</a:t>
             </a:fld>
             <a:endParaRPr lang="vi-VN"/>
           </a:p>
@@ -4790,9 +5245,9 @@
           <a:bodyPr/>
           <a:lstStyle/>
           <a:p>
-            <a:fld id="{761D61EA-8B4B-4088-BE46-29F6153D55D8}" type="datetimeFigureOut">
+            <a:fld id="{C6A943A1-70DA-4352-8A55-E7A5B5A6B6A3}" type="datetime1">
               <a:rPr lang="vi-VN" smtClean="0"/>
-              <a:t>28/10/2021</a:t>
+              <a:t>16/11/2021</a:t>
             </a:fld>
             <a:endParaRPr lang="vi-VN"/>
           </a:p>
@@ -4903,9 +5358,9 @@
           <a:bodyPr/>
           <a:lstStyle/>
           <a:p>
-            <a:fld id="{761D61EA-8B4B-4088-BE46-29F6153D55D8}" type="datetimeFigureOut">
+            <a:fld id="{3B31A6BD-AEED-4170-BF64-058004EAD912}" type="datetime1">
               <a:rPr lang="vi-VN" smtClean="0"/>
-              <a:t>28/10/2021</a:t>
+              <a:t>16/11/2021</a:t>
             </a:fld>
             <a:endParaRPr lang="vi-VN"/>
           </a:p>
@@ -5214,9 +5669,9 @@
           <a:bodyPr/>
           <a:lstStyle/>
           <a:p>
-            <a:fld id="{761D61EA-8B4B-4088-BE46-29F6153D55D8}" type="datetimeFigureOut">
+            <a:fld id="{7C4FB341-803A-4A47-AB50-066FA04174FC}" type="datetime1">
               <a:rPr lang="vi-VN" smtClean="0"/>
-              <a:t>28/10/2021</a:t>
+              <a:t>16/11/2021</a:t>
             </a:fld>
             <a:endParaRPr lang="vi-VN"/>
           </a:p>
@@ -5502,9 +5957,9 @@
           <a:bodyPr/>
           <a:lstStyle/>
           <a:p>
-            <a:fld id="{761D61EA-8B4B-4088-BE46-29F6153D55D8}" type="datetimeFigureOut">
+            <a:fld id="{1194F55A-49D2-431A-B964-F1EA19A8BD7D}" type="datetime1">
               <a:rPr lang="vi-VN" smtClean="0"/>
-              <a:t>28/10/2021</a:t>
+              <a:t>16/11/2021</a:t>
             </a:fld>
             <a:endParaRPr lang="vi-VN"/>
           </a:p>
@@ -5743,9 +6198,9 @@
             </a:lvl1pPr>
           </a:lstStyle>
           <a:p>
-            <a:fld id="{761D61EA-8B4B-4088-BE46-29F6153D55D8}" type="datetimeFigureOut">
+            <a:fld id="{969BA53E-9DCA-4A7A-9C38-FAD263549AA1}" type="datetime1">
               <a:rPr lang="vi-VN" smtClean="0"/>
-              <a:t>28/10/2021</a:t>
+              <a:t>16/11/2021</a:t>
             </a:fld>
             <a:endParaRPr lang="vi-VN"/>
           </a:p>
@@ -5862,6 +6317,7 @@
     <p:sldLayoutId id="2147483658" r:id="rId10"/>
     <p:sldLayoutId id="2147483659" r:id="rId11"/>
   </p:sldLayoutIdLst>
+  <p:hf hdr="0" ftr="0" dt="0"/>
   <p:txStyles>
     <p:titleStyle>
       <a:lvl1pPr algn="l" defTabSz="914400" rtl="0" eaLnBrk="1" latinLnBrk="0" hangingPunct="1">
@@ -6229,6 +6685,35 @@
           </a:p>
         </p:txBody>
       </p:sp>
+      <p:sp>
+        <p:nvSpPr>
+          <p:cNvPr id="4" name="Chỗ dành sẵn cho Số hiệu Bản chiếu 3">
+            <a:extLst>
+              <a:ext uri="{FF2B5EF4-FFF2-40B4-BE49-F238E27FC236}">
+                <a16:creationId xmlns:a16="http://schemas.microsoft.com/office/drawing/2014/main" id="{8FAF49C2-DA47-4E33-81E5-1336F8FECA09}"/>
+              </a:ext>
+            </a:extLst>
+          </p:cNvPr>
+          <p:cNvSpPr>
+            <a:spLocks noGrp="1"/>
+          </p:cNvSpPr>
+          <p:nvPr>
+            <p:ph type="sldNum" sz="quarter" idx="12"/>
+          </p:nvPr>
+        </p:nvSpPr>
+        <p:spPr/>
+        <p:txBody>
+          <a:bodyPr/>
+          <a:lstStyle/>
+          <a:p>
+            <a:fld id="{480537A9-B8B1-481D-9BE4-179EB839AE15}" type="slidenum">
+              <a:rPr lang="vi-VN" smtClean="0"/>
+              <a:t>1</a:t>
+            </a:fld>
+            <a:endParaRPr lang="vi-VN"/>
+          </a:p>
+        </p:txBody>
+      </p:sp>
     </p:spTree>
     <p:extLst>
       <p:ext uri="{BB962C8B-B14F-4D97-AF65-F5344CB8AC3E}">
@@ -6316,6 +6801,35 @@
               <a:rPr lang="en-US"/>
               <a:t>Coding your project until the final report</a:t>
             </a:r>
+          </a:p>
+        </p:txBody>
+      </p:sp>
+      <p:sp>
+        <p:nvSpPr>
+          <p:cNvPr id="4" name="Chỗ dành sẵn cho Số hiệu Bản chiếu 3">
+            <a:extLst>
+              <a:ext uri="{FF2B5EF4-FFF2-40B4-BE49-F238E27FC236}">
+                <a16:creationId xmlns:a16="http://schemas.microsoft.com/office/drawing/2014/main" id="{9E4457E9-D2E0-4590-A9E6-803F6CD12222}"/>
+              </a:ext>
+            </a:extLst>
+          </p:cNvPr>
+          <p:cNvSpPr>
+            <a:spLocks noGrp="1"/>
+          </p:cNvSpPr>
+          <p:nvPr>
+            <p:ph type="sldNum" sz="quarter" idx="12"/>
+          </p:nvPr>
+        </p:nvSpPr>
+        <p:spPr/>
+        <p:txBody>
+          <a:bodyPr/>
+          <a:lstStyle/>
+          <a:p>
+            <a:fld id="{480537A9-B8B1-481D-9BE4-179EB839AE15}" type="slidenum">
+              <a:rPr lang="vi-VN" smtClean="0"/>
+              <a:t>10</a:t>
+            </a:fld>
+            <a:endParaRPr lang="vi-VN"/>
           </a:p>
         </p:txBody>
       </p:sp>
@@ -6380,10 +6894,10 @@
       </p:sp>
       <p:sp>
         <p:nvSpPr>
-          <p:cNvPr id="3" name="Chỗ dành sẵn cho Nội dung 2">
+          <p:cNvPr id="4" name="Chỗ dành sẵn cho Số hiệu Bản chiếu 3">
             <a:extLst>
               <a:ext uri="{FF2B5EF4-FFF2-40B4-BE49-F238E27FC236}">
-                <a16:creationId xmlns:a16="http://schemas.microsoft.com/office/drawing/2014/main" id="{4712302B-FCF4-4E4C-B08B-12D2A57A15CD}"/>
+                <a16:creationId xmlns:a16="http://schemas.microsoft.com/office/drawing/2014/main" id="{6AC2FCEA-8AFC-4FDD-8946-B72FB3B2C4B8}"/>
               </a:ext>
             </a:extLst>
           </p:cNvPr>
@@ -6391,7 +6905,7 @@
             <a:spLocks noGrp="1"/>
           </p:cNvSpPr>
           <p:nvPr>
-            <p:ph idx="1"/>
+            <p:ph type="sldNum" sz="quarter" idx="12"/>
           </p:nvPr>
         </p:nvSpPr>
         <p:spPr/>
@@ -6399,6 +6913,10 @@
           <a:bodyPr/>
           <a:lstStyle/>
           <a:p>
+            <a:fld id="{480537A9-B8B1-481D-9BE4-179EB839AE15}" type="slidenum">
+              <a:rPr lang="vi-VN" smtClean="0"/>
+              <a:t>11</a:t>
+            </a:fld>
             <a:endParaRPr lang="vi-VN"/>
           </a:p>
         </p:txBody>
@@ -7865,6 +8383,35 @@
           </a:graphicData>
         </a:graphic>
       </p:graphicFrame>
+      <p:sp>
+        <p:nvSpPr>
+          <p:cNvPr id="2" name="Chỗ dành sẵn cho Số hiệu Bản chiếu 1">
+            <a:extLst>
+              <a:ext uri="{FF2B5EF4-FFF2-40B4-BE49-F238E27FC236}">
+                <a16:creationId xmlns:a16="http://schemas.microsoft.com/office/drawing/2014/main" id="{1B51C56D-9951-4C6C-9844-5DA6E9CEC92E}"/>
+              </a:ext>
+            </a:extLst>
+          </p:cNvPr>
+          <p:cNvSpPr>
+            <a:spLocks noGrp="1"/>
+          </p:cNvSpPr>
+          <p:nvPr>
+            <p:ph type="sldNum" sz="quarter" idx="12"/>
+          </p:nvPr>
+        </p:nvSpPr>
+        <p:spPr/>
+        <p:txBody>
+          <a:bodyPr/>
+          <a:lstStyle/>
+          <a:p>
+            <a:fld id="{480537A9-B8B1-481D-9BE4-179EB839AE15}" type="slidenum">
+              <a:rPr lang="vi-VN" smtClean="0"/>
+              <a:t>2</a:t>
+            </a:fld>
+            <a:endParaRPr lang="vi-VN"/>
+          </a:p>
+        </p:txBody>
+      </p:sp>
     </p:spTree>
     <p:extLst>
       <p:ext uri="{BB962C8B-B14F-4D97-AF65-F5344CB8AC3E}">
@@ -7950,8 +8497,37 @@
             </a:pPr>
             <a:r>
               <a:rPr lang="en-US"/>
-              <a:t>As you can see, coding takes about under 20% in the development cycle and it’s not the hardest phase as you think.</a:t>
+              <a:t>As you can see, coding takes about under 20% in the development cycle.</a:t>
             </a:r>
+            <a:endParaRPr lang="vi-VN"/>
+          </a:p>
+        </p:txBody>
+      </p:sp>
+      <p:sp>
+        <p:nvSpPr>
+          <p:cNvPr id="4" name="Chỗ dành sẵn cho Số hiệu Bản chiếu 3">
+            <a:extLst>
+              <a:ext uri="{FF2B5EF4-FFF2-40B4-BE49-F238E27FC236}">
+                <a16:creationId xmlns:a16="http://schemas.microsoft.com/office/drawing/2014/main" id="{01239349-F6F2-4AD8-9C02-662BABE05700}"/>
+              </a:ext>
+            </a:extLst>
+          </p:cNvPr>
+          <p:cNvSpPr>
+            <a:spLocks noGrp="1"/>
+          </p:cNvSpPr>
+          <p:nvPr>
+            <p:ph type="sldNum" sz="quarter" idx="12"/>
+          </p:nvPr>
+        </p:nvSpPr>
+        <p:spPr/>
+        <p:txBody>
+          <a:bodyPr/>
+          <a:lstStyle/>
+          <a:p>
+            <a:fld id="{480537A9-B8B1-481D-9BE4-179EB839AE15}" type="slidenum">
+              <a:rPr lang="vi-VN" smtClean="0"/>
+              <a:t>3</a:t>
+            </a:fld>
             <a:endParaRPr lang="vi-VN"/>
           </a:p>
         </p:txBody>
@@ -8166,7 +8742,7 @@
                   <a:schemeClr val="tx1"/>
                 </a:solidFill>
               </a:rPr>
-              <a:t>Java (J2EE), C# (.NET), Python (Django), …</a:t>
+              <a:t>Java (J2EE), C# (.NET), Python (Flask, Django), …</a:t>
             </a:r>
             <a:endParaRPr lang="vi-VN">
               <a:solidFill>
@@ -8948,6 +9524,86 @@
               <a:rPr lang="en-US"/>
               <a:t>BE developer see</a:t>
             </a:r>
+            <a:endParaRPr lang="vi-VN"/>
+          </a:p>
+        </p:txBody>
+      </p:sp>
+      <mc:AlternateContent xmlns:mc="http://schemas.openxmlformats.org/markup-compatibility/2006" xmlns:p14="http://schemas.microsoft.com/office/powerpoint/2010/main">
+        <mc:Choice Requires="p14">
+          <p:contentPart p14:bwMode="auto" r:id="rId2">
+            <p14:nvContentPartPr>
+              <p14:cNvPr id="3" name="Viết tay 2">
+                <a:extLst>
+                  <a:ext uri="{FF2B5EF4-FFF2-40B4-BE49-F238E27FC236}">
+                    <a16:creationId xmlns:a16="http://schemas.microsoft.com/office/drawing/2014/main" id="{E3F25822-EA0B-4546-A42E-430682073CF0}"/>
+                  </a:ext>
+                </a:extLst>
+              </p14:cNvPr>
+              <p14:cNvContentPartPr/>
+              <p14:nvPr/>
+            </p14:nvContentPartPr>
+            <p14:xfrm>
+              <a:off x="170280" y="1470240"/>
+              <a:ext cx="5549400" cy="3801600"/>
+            </p14:xfrm>
+          </p:contentPart>
+        </mc:Choice>
+        <mc:Fallback xmlns="">
+          <p:pic>
+            <p:nvPicPr>
+              <p:cNvPr id="3" name="Viết tay 2">
+                <a:extLst>
+                  <a:ext uri="{FF2B5EF4-FFF2-40B4-BE49-F238E27FC236}">
+                    <a16:creationId xmlns:a16="http://schemas.microsoft.com/office/drawing/2014/main" id="{E3F25822-EA0B-4546-A42E-430682073CF0}"/>
+                  </a:ext>
+                </a:extLst>
+              </p:cNvPr>
+              <p:cNvPicPr/>
+              <p:nvPr/>
+            </p:nvPicPr>
+            <p:blipFill>
+              <a:blip r:embed="rId3"/>
+              <a:stretch>
+                <a:fillRect/>
+              </a:stretch>
+            </p:blipFill>
+            <p:spPr>
+              <a:xfrm>
+                <a:off x="160920" y="1460880"/>
+                <a:ext cx="5568120" cy="3820320"/>
+              </a:xfrm>
+              <a:prstGeom prst="rect">
+                <a:avLst/>
+              </a:prstGeom>
+            </p:spPr>
+          </p:pic>
+        </mc:Fallback>
+      </mc:AlternateContent>
+      <p:sp>
+        <p:nvSpPr>
+          <p:cNvPr id="7" name="Chỗ dành sẵn cho Số hiệu Bản chiếu 6">
+            <a:extLst>
+              <a:ext uri="{FF2B5EF4-FFF2-40B4-BE49-F238E27FC236}">
+                <a16:creationId xmlns:a16="http://schemas.microsoft.com/office/drawing/2014/main" id="{19FC907C-4DC5-4888-9479-0356686A2121}"/>
+              </a:ext>
+            </a:extLst>
+          </p:cNvPr>
+          <p:cNvSpPr>
+            <a:spLocks noGrp="1"/>
+          </p:cNvSpPr>
+          <p:nvPr>
+            <p:ph type="sldNum" sz="quarter" idx="12"/>
+          </p:nvPr>
+        </p:nvSpPr>
+        <p:spPr/>
+        <p:txBody>
+          <a:bodyPr/>
+          <a:lstStyle/>
+          <a:p>
+            <a:fld id="{480537A9-B8B1-481D-9BE4-179EB839AE15}" type="slidenum">
+              <a:rPr lang="vi-VN" smtClean="0"/>
+              <a:t>4</a:t>
+            </a:fld>
             <a:endParaRPr lang="vi-VN"/>
           </a:p>
         </p:txBody>
@@ -11881,6 +12537,35 @@
           </a:fontRef>
         </p:style>
       </p:cxnSp>
+      <p:sp>
+        <p:nvSpPr>
+          <p:cNvPr id="4" name="Chỗ dành sẵn cho Số hiệu Bản chiếu 3">
+            <a:extLst>
+              <a:ext uri="{FF2B5EF4-FFF2-40B4-BE49-F238E27FC236}">
+                <a16:creationId xmlns:a16="http://schemas.microsoft.com/office/drawing/2014/main" id="{B55F6E4E-4A1A-4F59-99C8-7A5F1E957284}"/>
+              </a:ext>
+            </a:extLst>
+          </p:cNvPr>
+          <p:cNvSpPr>
+            <a:spLocks noGrp="1"/>
+          </p:cNvSpPr>
+          <p:nvPr>
+            <p:ph type="sldNum" sz="quarter" idx="12"/>
+          </p:nvPr>
+        </p:nvSpPr>
+        <p:spPr/>
+        <p:txBody>
+          <a:bodyPr/>
+          <a:lstStyle/>
+          <a:p>
+            <a:fld id="{480537A9-B8B1-481D-9BE4-179EB839AE15}" type="slidenum">
+              <a:rPr lang="vi-VN" smtClean="0"/>
+              <a:t>5</a:t>
+            </a:fld>
+            <a:endParaRPr lang="vi-VN"/>
+          </a:p>
+        </p:txBody>
+      </p:sp>
     </p:spTree>
     <p:extLst>
       <p:ext uri="{BB962C8B-B14F-4D97-AF65-F5344CB8AC3E}">
@@ -12465,6 +13150,35 @@
           </a:fontRef>
         </p:style>
       </p:cxnSp>
+      <p:sp>
+        <p:nvSpPr>
+          <p:cNvPr id="3" name="Chỗ dành sẵn cho Số hiệu Bản chiếu 2">
+            <a:extLst>
+              <a:ext uri="{FF2B5EF4-FFF2-40B4-BE49-F238E27FC236}">
+                <a16:creationId xmlns:a16="http://schemas.microsoft.com/office/drawing/2014/main" id="{F307DDFC-0E0D-4499-85B8-06BDB202CB43}"/>
+              </a:ext>
+            </a:extLst>
+          </p:cNvPr>
+          <p:cNvSpPr>
+            <a:spLocks noGrp="1"/>
+          </p:cNvSpPr>
+          <p:nvPr>
+            <p:ph type="sldNum" sz="quarter" idx="12"/>
+          </p:nvPr>
+        </p:nvSpPr>
+        <p:spPr/>
+        <p:txBody>
+          <a:bodyPr/>
+          <a:lstStyle/>
+          <a:p>
+            <a:fld id="{480537A9-B8B1-481D-9BE4-179EB839AE15}" type="slidenum">
+              <a:rPr lang="vi-VN" smtClean="0"/>
+              <a:t>6</a:t>
+            </a:fld>
+            <a:endParaRPr lang="vi-VN"/>
+          </a:p>
+        </p:txBody>
+      </p:sp>
     </p:spTree>
     <p:extLst>
       <p:ext uri="{BB962C8B-B14F-4D97-AF65-F5344CB8AC3E}">
@@ -16865,6 +17579,35 @@
           </a:p>
         </p:txBody>
       </p:sp>
+      <p:sp>
+        <p:nvSpPr>
+          <p:cNvPr id="2" name="Chỗ dành sẵn cho Số hiệu Bản chiếu 1">
+            <a:extLst>
+              <a:ext uri="{FF2B5EF4-FFF2-40B4-BE49-F238E27FC236}">
+                <a16:creationId xmlns:a16="http://schemas.microsoft.com/office/drawing/2014/main" id="{4B0E91D4-9535-49B5-A05A-25499F7A92DF}"/>
+              </a:ext>
+            </a:extLst>
+          </p:cNvPr>
+          <p:cNvSpPr>
+            <a:spLocks noGrp="1"/>
+          </p:cNvSpPr>
+          <p:nvPr>
+            <p:ph type="sldNum" sz="quarter" idx="12"/>
+          </p:nvPr>
+        </p:nvSpPr>
+        <p:spPr/>
+        <p:txBody>
+          <a:bodyPr/>
+          <a:lstStyle/>
+          <a:p>
+            <a:fld id="{480537A9-B8B1-481D-9BE4-179EB839AE15}" type="slidenum">
+              <a:rPr lang="vi-VN" smtClean="0"/>
+              <a:t>7</a:t>
+            </a:fld>
+            <a:endParaRPr lang="vi-VN"/>
+          </a:p>
+        </p:txBody>
+      </p:sp>
     </p:spTree>
     <p:extLst>
       <p:ext uri="{BB962C8B-B14F-4D97-AF65-F5344CB8AC3E}">
@@ -16997,6 +17740,35 @@
               <a:rPr lang="en-US"/>
               <a:t>- Feature branches should be merged to the "main" branch at the end of each sprint (Conflict between branches will be terrible). After that, all members check out and pull source code at the "main" branch.</a:t>
             </a:r>
+          </a:p>
+        </p:txBody>
+      </p:sp>
+      <p:sp>
+        <p:nvSpPr>
+          <p:cNvPr id="4" name="Chỗ dành sẵn cho Số hiệu Bản chiếu 3">
+            <a:extLst>
+              <a:ext uri="{FF2B5EF4-FFF2-40B4-BE49-F238E27FC236}">
+                <a16:creationId xmlns:a16="http://schemas.microsoft.com/office/drawing/2014/main" id="{59540FB9-E93E-42E5-BC76-426479ACB0E1}"/>
+              </a:ext>
+            </a:extLst>
+          </p:cNvPr>
+          <p:cNvSpPr>
+            <a:spLocks noGrp="1"/>
+          </p:cNvSpPr>
+          <p:nvPr>
+            <p:ph type="sldNum" sz="quarter" idx="12"/>
+          </p:nvPr>
+        </p:nvSpPr>
+        <p:spPr/>
+        <p:txBody>
+          <a:bodyPr/>
+          <a:lstStyle/>
+          <a:p>
+            <a:fld id="{480537A9-B8B1-481D-9BE4-179EB839AE15}" type="slidenum">
+              <a:rPr lang="vi-VN" smtClean="0"/>
+              <a:t>8</a:t>
+            </a:fld>
+            <a:endParaRPr lang="vi-VN"/>
           </a:p>
         </p:txBody>
       </p:sp>
@@ -17107,6 +17879,35 @@
               <a:rPr lang="en-US"/>
               <a:t>Fix at a new branch and merge to the  feature branch when fixed</a:t>
             </a:r>
+          </a:p>
+        </p:txBody>
+      </p:sp>
+      <p:sp>
+        <p:nvSpPr>
+          <p:cNvPr id="4" name="Chỗ dành sẵn cho Số hiệu Bản chiếu 3">
+            <a:extLst>
+              <a:ext uri="{FF2B5EF4-FFF2-40B4-BE49-F238E27FC236}">
+                <a16:creationId xmlns:a16="http://schemas.microsoft.com/office/drawing/2014/main" id="{2B3B9431-FB08-4FF5-9767-6712FC2D1A6A}"/>
+              </a:ext>
+            </a:extLst>
+          </p:cNvPr>
+          <p:cNvSpPr>
+            <a:spLocks noGrp="1"/>
+          </p:cNvSpPr>
+          <p:nvPr>
+            <p:ph type="sldNum" sz="quarter" idx="12"/>
+          </p:nvPr>
+        </p:nvSpPr>
+        <p:spPr/>
+        <p:txBody>
+          <a:bodyPr/>
+          <a:lstStyle/>
+          <a:p>
+            <a:fld id="{480537A9-B8B1-481D-9BE4-179EB839AE15}" type="slidenum">
+              <a:rPr lang="vi-VN" smtClean="0"/>
+              <a:t>9</a:t>
+            </a:fld>
+            <a:endParaRPr lang="vi-VN"/>
           </a:p>
         </p:txBody>
       </p:sp>
@@ -17416,4 +18217,299 @@
     </a:ext>
   </a:extLst>
 </a:theme>
+</file>
+
+<file path=ppt/theme/theme2.xml><?xml version="1.0" encoding="utf-8"?>
+<a:theme xmlns:a="http://schemas.openxmlformats.org/drawingml/2006/main" name="Chủ đề Office">
+  <a:themeElements>
+    <a:clrScheme name="Office">
+      <a:dk1>
+        <a:sysClr val="windowText" lastClr="000000"/>
+      </a:dk1>
+      <a:lt1>
+        <a:sysClr val="window" lastClr="FFFFFF"/>
+      </a:lt1>
+      <a:dk2>
+        <a:srgbClr val="44546A"/>
+      </a:dk2>
+      <a:lt2>
+        <a:srgbClr val="E7E6E6"/>
+      </a:lt2>
+      <a:accent1>
+        <a:srgbClr val="4472C4"/>
+      </a:accent1>
+      <a:accent2>
+        <a:srgbClr val="ED7D31"/>
+      </a:accent2>
+      <a:accent3>
+        <a:srgbClr val="A5A5A5"/>
+      </a:accent3>
+      <a:accent4>
+        <a:srgbClr val="FFC000"/>
+      </a:accent4>
+      <a:accent5>
+        <a:srgbClr val="5B9BD5"/>
+      </a:accent5>
+      <a:accent6>
+        <a:srgbClr val="70AD47"/>
+      </a:accent6>
+      <a:hlink>
+        <a:srgbClr val="0563C1"/>
+      </a:hlink>
+      <a:folHlink>
+        <a:srgbClr val="954F72"/>
+      </a:folHlink>
+    </a:clrScheme>
+    <a:fontScheme name="Office">
+      <a:majorFont>
+        <a:latin typeface="Calibri Light" panose="020F0302020204030204"/>
+        <a:ea typeface=""/>
+        <a:cs typeface=""/>
+        <a:font script="Jpan" typeface="游ゴシック Light"/>
+        <a:font script="Hang" typeface="맑은 고딕"/>
+        <a:font script="Hans" typeface="等线 Light"/>
+        <a:font script="Hant" typeface="新細明體"/>
+        <a:font script="Arab" typeface="Times New Roman"/>
+        <a:font script="Hebr" typeface="Times New Roman"/>
+        <a:font script="Thai" typeface="Angsana New"/>
+        <a:font script="Ethi" typeface="Nyala"/>
+        <a:font script="Beng" typeface="Vrinda"/>
+        <a:font script="Gujr" typeface="Shruti"/>
+        <a:font script="Khmr" typeface="MoolBoran"/>
+        <a:font script="Knda" typeface="Tunga"/>
+        <a:font script="Guru" typeface="Raavi"/>
+        <a:font script="Cans" typeface="Euphemia"/>
+        <a:font script="Cher" typeface="Plantagenet Cherokee"/>
+        <a:font script="Yiii" typeface="Microsoft Yi Baiti"/>
+        <a:font script="Tibt" typeface="Microsoft Himalaya"/>
+        <a:font script="Thaa" typeface="MV Boli"/>
+        <a:font script="Deva" typeface="Mangal"/>
+        <a:font script="Telu" typeface="Gautami"/>
+        <a:font script="Taml" typeface="Latha"/>
+        <a:font script="Syrc" typeface="Estrangelo Edessa"/>
+        <a:font script="Orya" typeface="Kalinga"/>
+        <a:font script="Mlym" typeface="Kartika"/>
+        <a:font script="Laoo" typeface="DokChampa"/>
+        <a:font script="Sinh" typeface="Iskoola Pota"/>
+        <a:font script="Mong" typeface="Mongolian Baiti"/>
+        <a:font script="Viet" typeface="Times New Roman"/>
+        <a:font script="Uigh" typeface="Microsoft Uighur"/>
+        <a:font script="Geor" typeface="Sylfaen"/>
+        <a:font script="Armn" typeface="Arial"/>
+        <a:font script="Bugi" typeface="Leelawadee UI"/>
+        <a:font script="Bopo" typeface="Microsoft JhengHei"/>
+        <a:font script="Java" typeface="Javanese Text"/>
+        <a:font script="Lisu" typeface="Segoe UI"/>
+        <a:font script="Mymr" typeface="Myanmar Text"/>
+        <a:font script="Nkoo" typeface="Ebrima"/>
+        <a:font script="Olck" typeface="Nirmala UI"/>
+        <a:font script="Osma" typeface="Ebrima"/>
+        <a:font script="Phag" typeface="Phagspa"/>
+        <a:font script="Syrn" typeface="Estrangelo Edessa"/>
+        <a:font script="Syrj" typeface="Estrangelo Edessa"/>
+        <a:font script="Syre" typeface="Estrangelo Edessa"/>
+        <a:font script="Sora" typeface="Nirmala UI"/>
+        <a:font script="Tale" typeface="Microsoft Tai Le"/>
+        <a:font script="Talu" typeface="Microsoft New Tai Lue"/>
+        <a:font script="Tfng" typeface="Ebrima"/>
+      </a:majorFont>
+      <a:minorFont>
+        <a:latin typeface="Calibri" panose="020F0502020204030204"/>
+        <a:ea typeface=""/>
+        <a:cs typeface=""/>
+        <a:font script="Jpan" typeface="游ゴシック"/>
+        <a:font script="Hang" typeface="맑은 고딕"/>
+        <a:font script="Hans" typeface="等线"/>
+        <a:font script="Hant" typeface="新細明體"/>
+        <a:font script="Arab" typeface="Arial"/>
+        <a:font script="Hebr" typeface="Arial"/>
+        <a:font script="Thai" typeface="Cordia New"/>
+        <a:font script="Ethi" typeface="Nyala"/>
+        <a:font script="Beng" typeface="Vrinda"/>
+        <a:font script="Gujr" typeface="Shruti"/>
+        <a:font script="Khmr" typeface="DaunPenh"/>
+        <a:font script="Knda" typeface="Tunga"/>
+        <a:font script="Guru" typeface="Raavi"/>
+        <a:font script="Cans" typeface="Euphemia"/>
+        <a:font script="Cher" typeface="Plantagenet Cherokee"/>
+        <a:font script="Yiii" typeface="Microsoft Yi Baiti"/>
+        <a:font script="Tibt" typeface="Microsoft Himalaya"/>
+        <a:font script="Thaa" typeface="MV Boli"/>
+        <a:font script="Deva" typeface="Mangal"/>
+        <a:font script="Telu" typeface="Gautami"/>
+        <a:font script="Taml" typeface="Latha"/>
+        <a:font script="Syrc" typeface="Estrangelo Edessa"/>
+        <a:font script="Orya" typeface="Kalinga"/>
+        <a:font script="Mlym" typeface="Kartika"/>
+        <a:font script="Laoo" typeface="DokChampa"/>
+        <a:font script="Sinh" typeface="Iskoola Pota"/>
+        <a:font script="Mong" typeface="Mongolian Baiti"/>
+        <a:font script="Viet" typeface="Arial"/>
+        <a:font script="Uigh" typeface="Microsoft Uighur"/>
+        <a:font script="Geor" typeface="Sylfaen"/>
+        <a:font script="Armn" typeface="Arial"/>
+        <a:font script="Bugi" typeface="Leelawadee UI"/>
+        <a:font script="Bopo" typeface="Microsoft JhengHei"/>
+        <a:font script="Java" typeface="Javanese Text"/>
+        <a:font script="Lisu" typeface="Segoe UI"/>
+        <a:font script="Mymr" typeface="Myanmar Text"/>
+        <a:font script="Nkoo" typeface="Ebrima"/>
+        <a:font script="Olck" typeface="Nirmala UI"/>
+        <a:font script="Osma" typeface="Ebrima"/>
+        <a:font script="Phag" typeface="Phagspa"/>
+        <a:font script="Syrn" typeface="Estrangelo Edessa"/>
+        <a:font script="Syrj" typeface="Estrangelo Edessa"/>
+        <a:font script="Syre" typeface="Estrangelo Edessa"/>
+        <a:font script="Sora" typeface="Nirmala UI"/>
+        <a:font script="Tale" typeface="Microsoft Tai Le"/>
+        <a:font script="Talu" typeface="Microsoft New Tai Lue"/>
+        <a:font script="Tfng" typeface="Ebrima"/>
+      </a:minorFont>
+    </a:fontScheme>
+    <a:fmtScheme name="Office">
+      <a:fillStyleLst>
+        <a:solidFill>
+          <a:schemeClr val="phClr"/>
+        </a:solidFill>
+        <a:gradFill rotWithShape="1">
+          <a:gsLst>
+            <a:gs pos="0">
+              <a:schemeClr val="phClr">
+                <a:lumMod val="110000"/>
+                <a:satMod val="105000"/>
+                <a:tint val="67000"/>
+              </a:schemeClr>
+            </a:gs>
+            <a:gs pos="50000">
+              <a:schemeClr val="phClr">
+                <a:lumMod val="105000"/>
+                <a:satMod val="103000"/>
+                <a:tint val="73000"/>
+              </a:schemeClr>
+            </a:gs>
+            <a:gs pos="100000">
+              <a:schemeClr val="phClr">
+                <a:lumMod val="105000"/>
+                <a:satMod val="109000"/>
+                <a:tint val="81000"/>
+              </a:schemeClr>
+            </a:gs>
+          </a:gsLst>
+          <a:lin ang="5400000" scaled="0"/>
+        </a:gradFill>
+        <a:gradFill rotWithShape="1">
+          <a:gsLst>
+            <a:gs pos="0">
+              <a:schemeClr val="phClr">
+                <a:satMod val="103000"/>
+                <a:lumMod val="102000"/>
+                <a:tint val="94000"/>
+              </a:schemeClr>
+            </a:gs>
+            <a:gs pos="50000">
+              <a:schemeClr val="phClr">
+                <a:satMod val="110000"/>
+                <a:lumMod val="100000"/>
+                <a:shade val="100000"/>
+              </a:schemeClr>
+            </a:gs>
+            <a:gs pos="100000">
+              <a:schemeClr val="phClr">
+                <a:lumMod val="99000"/>
+                <a:satMod val="120000"/>
+                <a:shade val="78000"/>
+              </a:schemeClr>
+            </a:gs>
+          </a:gsLst>
+          <a:lin ang="5400000" scaled="0"/>
+        </a:gradFill>
+      </a:fillStyleLst>
+      <a:lnStyleLst>
+        <a:ln w="6350" cap="flat" cmpd="sng" algn="ctr">
+          <a:solidFill>
+            <a:schemeClr val="phClr"/>
+          </a:solidFill>
+          <a:prstDash val="solid"/>
+          <a:miter lim="800000"/>
+        </a:ln>
+        <a:ln w="12700" cap="flat" cmpd="sng" algn="ctr">
+          <a:solidFill>
+            <a:schemeClr val="phClr"/>
+          </a:solidFill>
+          <a:prstDash val="solid"/>
+          <a:miter lim="800000"/>
+        </a:ln>
+        <a:ln w="19050" cap="flat" cmpd="sng" algn="ctr">
+          <a:solidFill>
+            <a:schemeClr val="phClr"/>
+          </a:solidFill>
+          <a:prstDash val="solid"/>
+          <a:miter lim="800000"/>
+        </a:ln>
+      </a:lnStyleLst>
+      <a:effectStyleLst>
+        <a:effectStyle>
+          <a:effectLst/>
+        </a:effectStyle>
+        <a:effectStyle>
+          <a:effectLst/>
+        </a:effectStyle>
+        <a:effectStyle>
+          <a:effectLst>
+            <a:outerShdw blurRad="57150" dist="19050" dir="5400000" algn="ctr" rotWithShape="0">
+              <a:srgbClr val="000000">
+                <a:alpha val="63000"/>
+              </a:srgbClr>
+            </a:outerShdw>
+          </a:effectLst>
+        </a:effectStyle>
+      </a:effectStyleLst>
+      <a:bgFillStyleLst>
+        <a:solidFill>
+          <a:schemeClr val="phClr"/>
+        </a:solidFill>
+        <a:solidFill>
+          <a:schemeClr val="phClr">
+            <a:tint val="95000"/>
+            <a:satMod val="170000"/>
+          </a:schemeClr>
+        </a:solidFill>
+        <a:gradFill rotWithShape="1">
+          <a:gsLst>
+            <a:gs pos="0">
+              <a:schemeClr val="phClr">
+                <a:tint val="93000"/>
+                <a:satMod val="150000"/>
+                <a:shade val="98000"/>
+                <a:lumMod val="102000"/>
+              </a:schemeClr>
+            </a:gs>
+            <a:gs pos="50000">
+              <a:schemeClr val="phClr">
+                <a:tint val="98000"/>
+                <a:satMod val="130000"/>
+                <a:shade val="90000"/>
+                <a:lumMod val="103000"/>
+              </a:schemeClr>
+            </a:gs>
+            <a:gs pos="100000">
+              <a:schemeClr val="phClr">
+                <a:shade val="63000"/>
+                <a:satMod val="120000"/>
+              </a:schemeClr>
+            </a:gs>
+          </a:gsLst>
+          <a:lin ang="5400000" scaled="0"/>
+        </a:gradFill>
+      </a:bgFillStyleLst>
+    </a:fmtScheme>
+  </a:themeElements>
+  <a:objectDefaults/>
+  <a:extraClrSchemeLst/>
+  <a:extLst>
+    <a:ext uri="{05A4C25C-085E-4340-85A3-A5531E510DB2}">
+      <thm15:themeFamily xmlns:thm15="http://schemas.microsoft.com/office/thememl/2012/main" name="Office Theme" id="{62F939B6-93AF-4DB8-9C6B-D6C7DFDC589F}" vid="{4A3C46E8-61CC-4603-A589-7422A47A8E4A}"/>
+    </a:ext>
+  </a:extLst>
+</a:theme>
 </file>